--- a/Reverse Mad Libs.pptx
+++ b/Reverse Mad Libs.pptx
@@ -5,29 +5,28 @@
     <p:sldMasterId id="2147483648" r:id="rId1"/>
   </p:sldMasterIdLst>
   <p:notesMasterIdLst>
-    <p:notesMasterId r:id="rId22"/>
+    <p:notesMasterId r:id="rId21"/>
   </p:notesMasterIdLst>
   <p:sldIdLst>
     <p:sldId id="256" r:id="rId2"/>
-    <p:sldId id="271" r:id="rId3"/>
-    <p:sldId id="260" r:id="rId4"/>
-    <p:sldId id="258" r:id="rId5"/>
-    <p:sldId id="265" r:id="rId6"/>
-    <p:sldId id="261" r:id="rId7"/>
-    <p:sldId id="267" r:id="rId8"/>
-    <p:sldId id="266" r:id="rId9"/>
-    <p:sldId id="268" r:id="rId10"/>
-    <p:sldId id="257" r:id="rId11"/>
-    <p:sldId id="275" r:id="rId12"/>
-    <p:sldId id="276" r:id="rId13"/>
-    <p:sldId id="270" r:id="rId14"/>
-    <p:sldId id="269" r:id="rId15"/>
-    <p:sldId id="272" r:id="rId16"/>
-    <p:sldId id="277" r:id="rId17"/>
-    <p:sldId id="263" r:id="rId18"/>
-    <p:sldId id="264" r:id="rId19"/>
-    <p:sldId id="274" r:id="rId20"/>
-    <p:sldId id="273" r:id="rId21"/>
+    <p:sldId id="258" r:id="rId3"/>
+    <p:sldId id="280" r:id="rId4"/>
+    <p:sldId id="261" r:id="rId5"/>
+    <p:sldId id="278" r:id="rId6"/>
+    <p:sldId id="257" r:id="rId7"/>
+    <p:sldId id="279" r:id="rId8"/>
+    <p:sldId id="275" r:id="rId9"/>
+    <p:sldId id="270" r:id="rId10"/>
+    <p:sldId id="269" r:id="rId11"/>
+    <p:sldId id="272" r:id="rId12"/>
+    <p:sldId id="277" r:id="rId13"/>
+    <p:sldId id="265" r:id="rId14"/>
+    <p:sldId id="267" r:id="rId15"/>
+    <p:sldId id="266" r:id="rId16"/>
+    <p:sldId id="268" r:id="rId17"/>
+    <p:sldId id="264" r:id="rId18"/>
+    <p:sldId id="274" r:id="rId19"/>
+    <p:sldId id="273" r:id="rId20"/>
   </p:sldIdLst>
   <p:sldSz cx="12192000" cy="6858000"/>
   <p:notesSz cx="6858000" cy="9144000"/>
@@ -3217,7 +3216,7 @@
           <a:p>
             <a:fld id="{C5418C18-EFF3-498D-A375-91324B3BC0CB}" type="datetimeFigureOut">
               <a:rPr lang="en-US" smtClean="0"/>
-              <a:t>9/7/2020</a:t>
+              <a:t>9/13/2020</a:t>
             </a:fld>
             <a:endParaRPr lang="en-US"/>
           </a:p>
@@ -3633,7 +3632,7 @@
           <a:p>
             <a:fld id="{AC946450-6435-4DA7-B1B5-7112AD457B80}" type="slidenum">
               <a:rPr lang="en-US" smtClean="0"/>
-              <a:t>13</a:t>
+              <a:t>16</a:t>
             </a:fld>
             <a:endParaRPr lang="en-US"/>
           </a:p>
@@ -3642,7 +3641,7 @@
     </p:spTree>
     <p:extLst>
       <p:ext uri="{BB962C8B-B14F-4D97-AF65-F5344CB8AC3E}">
-        <p14:creationId xmlns:p14="http://schemas.microsoft.com/office/powerpoint/2010/main" val="1967070578"/>
+        <p14:creationId xmlns:p14="http://schemas.microsoft.com/office/powerpoint/2010/main" val="3940554218"/>
       </p:ext>
     </p:extLst>
   </p:cSld>
@@ -3717,175 +3716,7 @@
           <a:p>
             <a:fld id="{AC946450-6435-4DA7-B1B5-7112AD457B80}" type="slidenum">
               <a:rPr lang="en-US" smtClean="0"/>
-              <a:t>14</a:t>
-            </a:fld>
-            <a:endParaRPr lang="en-US"/>
-          </a:p>
-        </p:txBody>
-      </p:sp>
-    </p:spTree>
-    <p:extLst>
-      <p:ext uri="{BB962C8B-B14F-4D97-AF65-F5344CB8AC3E}">
-        <p14:creationId xmlns:p14="http://schemas.microsoft.com/office/powerpoint/2010/main" val="3572083480"/>
-      </p:ext>
-    </p:extLst>
-  </p:cSld>
-  <p:clrMapOvr>
-    <a:masterClrMapping/>
-  </p:clrMapOvr>
-</p:notes>
-</file>
-
-<file path=ppt/notesSlides/notesSlide12.xml><?xml version="1.0" encoding="utf-8"?>
-<p:notes xmlns:a="http://schemas.openxmlformats.org/drawingml/2006/main" xmlns:r="http://schemas.openxmlformats.org/officeDocument/2006/relationships" xmlns:p="http://schemas.openxmlformats.org/presentationml/2006/main">
-  <p:cSld>
-    <p:spTree>
-      <p:nvGrpSpPr>
-        <p:cNvPr id="1" name=""/>
-        <p:cNvGrpSpPr/>
-        <p:nvPr/>
-      </p:nvGrpSpPr>
-      <p:grpSpPr>
-        <a:xfrm>
-          <a:off x="0" y="0"/>
-          <a:ext cx="0" cy="0"/>
-          <a:chOff x="0" y="0"/>
-          <a:chExt cx="0" cy="0"/>
-        </a:xfrm>
-      </p:grpSpPr>
-      <p:sp>
-        <p:nvSpPr>
-          <p:cNvPr id="2" name="Slide Image Placeholder 1"/>
-          <p:cNvSpPr>
-            <a:spLocks noGrp="1" noRot="1" noChangeAspect="1"/>
-          </p:cNvSpPr>
-          <p:nvPr>
-            <p:ph type="sldImg"/>
-          </p:nvPr>
-        </p:nvSpPr>
-        <p:spPr/>
-      </p:sp>
-      <p:sp>
-        <p:nvSpPr>
-          <p:cNvPr id="3" name="Notes Placeholder 2"/>
-          <p:cNvSpPr>
-            <a:spLocks noGrp="1"/>
-          </p:cNvSpPr>
-          <p:nvPr>
-            <p:ph type="body" idx="1"/>
-          </p:nvPr>
-        </p:nvSpPr>
-        <p:spPr/>
-        <p:txBody>
-          <a:bodyPr/>
-          <a:lstStyle/>
-          <a:p>
-            <a:endParaRPr lang="en-US"/>
-          </a:p>
-        </p:txBody>
-      </p:sp>
-      <p:sp>
-        <p:nvSpPr>
-          <p:cNvPr id="4" name="Slide Number Placeholder 3"/>
-          <p:cNvSpPr>
-            <a:spLocks noGrp="1"/>
-          </p:cNvSpPr>
-          <p:nvPr>
-            <p:ph type="sldNum" sz="quarter" idx="5"/>
-          </p:nvPr>
-        </p:nvSpPr>
-        <p:spPr/>
-        <p:txBody>
-          <a:bodyPr/>
-          <a:lstStyle/>
-          <a:p>
-            <a:fld id="{AC946450-6435-4DA7-B1B5-7112AD457B80}" type="slidenum">
-              <a:rPr lang="en-US" smtClean="0"/>
               <a:t>17</a:t>
-            </a:fld>
-            <a:endParaRPr lang="en-US"/>
-          </a:p>
-        </p:txBody>
-      </p:sp>
-    </p:spTree>
-    <p:extLst>
-      <p:ext uri="{BB962C8B-B14F-4D97-AF65-F5344CB8AC3E}">
-        <p14:creationId xmlns:p14="http://schemas.microsoft.com/office/powerpoint/2010/main" val="3552749080"/>
-      </p:ext>
-    </p:extLst>
-  </p:cSld>
-  <p:clrMapOvr>
-    <a:masterClrMapping/>
-  </p:clrMapOvr>
-</p:notes>
-</file>
-
-<file path=ppt/notesSlides/notesSlide13.xml><?xml version="1.0" encoding="utf-8"?>
-<p:notes xmlns:a="http://schemas.openxmlformats.org/drawingml/2006/main" xmlns:r="http://schemas.openxmlformats.org/officeDocument/2006/relationships" xmlns:p="http://schemas.openxmlformats.org/presentationml/2006/main">
-  <p:cSld>
-    <p:spTree>
-      <p:nvGrpSpPr>
-        <p:cNvPr id="1" name=""/>
-        <p:cNvGrpSpPr/>
-        <p:nvPr/>
-      </p:nvGrpSpPr>
-      <p:grpSpPr>
-        <a:xfrm>
-          <a:off x="0" y="0"/>
-          <a:ext cx="0" cy="0"/>
-          <a:chOff x="0" y="0"/>
-          <a:chExt cx="0" cy="0"/>
-        </a:xfrm>
-      </p:grpSpPr>
-      <p:sp>
-        <p:nvSpPr>
-          <p:cNvPr id="2" name="Slide Image Placeholder 1"/>
-          <p:cNvSpPr>
-            <a:spLocks noGrp="1" noRot="1" noChangeAspect="1"/>
-          </p:cNvSpPr>
-          <p:nvPr>
-            <p:ph type="sldImg"/>
-          </p:nvPr>
-        </p:nvSpPr>
-        <p:spPr/>
-      </p:sp>
-      <p:sp>
-        <p:nvSpPr>
-          <p:cNvPr id="3" name="Notes Placeholder 2"/>
-          <p:cNvSpPr>
-            <a:spLocks noGrp="1"/>
-          </p:cNvSpPr>
-          <p:nvPr>
-            <p:ph type="body" idx="1"/>
-          </p:nvPr>
-        </p:nvSpPr>
-        <p:spPr/>
-        <p:txBody>
-          <a:bodyPr/>
-          <a:lstStyle/>
-          <a:p>
-            <a:endParaRPr lang="en-US"/>
-          </a:p>
-        </p:txBody>
-      </p:sp>
-      <p:sp>
-        <p:nvSpPr>
-          <p:cNvPr id="4" name="Slide Number Placeholder 3"/>
-          <p:cNvSpPr>
-            <a:spLocks noGrp="1"/>
-          </p:cNvSpPr>
-          <p:nvPr>
-            <p:ph type="sldNum" sz="quarter" idx="5"/>
-          </p:nvPr>
-        </p:nvSpPr>
-        <p:spPr/>
-        <p:txBody>
-          <a:bodyPr/>
-          <a:lstStyle/>
-          <a:p>
-            <a:fld id="{AC946450-6435-4DA7-B1B5-7112AD457B80}" type="slidenum">
-              <a:rPr lang="en-US" smtClean="0"/>
-              <a:t>18</a:t>
             </a:fld>
             <a:endParaRPr lang="en-US"/>
           </a:p>
@@ -3969,7 +3800,7 @@
           <a:p>
             <a:fld id="{AC946450-6435-4DA7-B1B5-7112AD457B80}" type="slidenum">
               <a:rPr lang="en-US" smtClean="0"/>
-              <a:t>3</a:t>
+              <a:t>2</a:t>
             </a:fld>
             <a:endParaRPr lang="en-US"/>
           </a:p>
@@ -3978,7 +3809,7 @@
     </p:spTree>
     <p:extLst>
       <p:ext uri="{BB962C8B-B14F-4D97-AF65-F5344CB8AC3E}">
-        <p14:creationId xmlns:p14="http://schemas.microsoft.com/office/powerpoint/2010/main" val="4106292047"/>
+        <p14:creationId xmlns:p14="http://schemas.microsoft.com/office/powerpoint/2010/main" val="569350052"/>
       </p:ext>
     </p:extLst>
   </p:cSld>
@@ -4062,7 +3893,7 @@
     </p:spTree>
     <p:extLst>
       <p:ext uri="{BB962C8B-B14F-4D97-AF65-F5344CB8AC3E}">
-        <p14:creationId xmlns:p14="http://schemas.microsoft.com/office/powerpoint/2010/main" val="569350052"/>
+        <p14:creationId xmlns:p14="http://schemas.microsoft.com/office/powerpoint/2010/main" val="2418540618"/>
       </p:ext>
     </p:extLst>
   </p:cSld>
@@ -4137,7 +3968,7 @@
           <a:p>
             <a:fld id="{AC946450-6435-4DA7-B1B5-7112AD457B80}" type="slidenum">
               <a:rPr lang="en-US" smtClean="0"/>
-              <a:t>5</a:t>
+              <a:t>6</a:t>
             </a:fld>
             <a:endParaRPr lang="en-US"/>
           </a:p>
@@ -4146,7 +3977,7 @@
     </p:spTree>
     <p:extLst>
       <p:ext uri="{BB962C8B-B14F-4D97-AF65-F5344CB8AC3E}">
-        <p14:creationId xmlns:p14="http://schemas.microsoft.com/office/powerpoint/2010/main" val="50164349"/>
+        <p14:creationId xmlns:p14="http://schemas.microsoft.com/office/powerpoint/2010/main" val="2811512651"/>
       </p:ext>
     </p:extLst>
   </p:cSld>
@@ -4221,7 +4052,7 @@
           <a:p>
             <a:fld id="{AC946450-6435-4DA7-B1B5-7112AD457B80}" type="slidenum">
               <a:rPr lang="en-US" smtClean="0"/>
-              <a:t>6</a:t>
+              <a:t>9</a:t>
             </a:fld>
             <a:endParaRPr lang="en-US"/>
           </a:p>
@@ -4230,7 +4061,7 @@
     </p:spTree>
     <p:extLst>
       <p:ext uri="{BB962C8B-B14F-4D97-AF65-F5344CB8AC3E}">
-        <p14:creationId xmlns:p14="http://schemas.microsoft.com/office/powerpoint/2010/main" val="2418540618"/>
+        <p14:creationId xmlns:p14="http://schemas.microsoft.com/office/powerpoint/2010/main" val="1967070578"/>
       </p:ext>
     </p:extLst>
   </p:cSld>
@@ -4305,7 +4136,7 @@
           <a:p>
             <a:fld id="{AC946450-6435-4DA7-B1B5-7112AD457B80}" type="slidenum">
               <a:rPr lang="en-US" smtClean="0"/>
-              <a:t>7</a:t>
+              <a:t>10</a:t>
             </a:fld>
             <a:endParaRPr lang="en-US"/>
           </a:p>
@@ -4314,7 +4145,7 @@
     </p:spTree>
     <p:extLst>
       <p:ext uri="{BB962C8B-B14F-4D97-AF65-F5344CB8AC3E}">
-        <p14:creationId xmlns:p14="http://schemas.microsoft.com/office/powerpoint/2010/main" val="1835000563"/>
+        <p14:creationId xmlns:p14="http://schemas.microsoft.com/office/powerpoint/2010/main" val="3572083480"/>
       </p:ext>
     </p:extLst>
   </p:cSld>
@@ -4389,7 +4220,7 @@
           <a:p>
             <a:fld id="{AC946450-6435-4DA7-B1B5-7112AD457B80}" type="slidenum">
               <a:rPr lang="en-US" smtClean="0"/>
-              <a:t>8</a:t>
+              <a:t>13</a:t>
             </a:fld>
             <a:endParaRPr lang="en-US"/>
           </a:p>
@@ -4398,7 +4229,7 @@
     </p:spTree>
     <p:extLst>
       <p:ext uri="{BB962C8B-B14F-4D97-AF65-F5344CB8AC3E}">
-        <p14:creationId xmlns:p14="http://schemas.microsoft.com/office/powerpoint/2010/main" val="1859090232"/>
+        <p14:creationId xmlns:p14="http://schemas.microsoft.com/office/powerpoint/2010/main" val="50164349"/>
       </p:ext>
     </p:extLst>
   </p:cSld>
@@ -4473,7 +4304,7 @@
           <a:p>
             <a:fld id="{AC946450-6435-4DA7-B1B5-7112AD457B80}" type="slidenum">
               <a:rPr lang="en-US" smtClean="0"/>
-              <a:t>9</a:t>
+              <a:t>14</a:t>
             </a:fld>
             <a:endParaRPr lang="en-US"/>
           </a:p>
@@ -4482,7 +4313,7 @@
     </p:spTree>
     <p:extLst>
       <p:ext uri="{BB962C8B-B14F-4D97-AF65-F5344CB8AC3E}">
-        <p14:creationId xmlns:p14="http://schemas.microsoft.com/office/powerpoint/2010/main" val="3940554218"/>
+        <p14:creationId xmlns:p14="http://schemas.microsoft.com/office/powerpoint/2010/main" val="1835000563"/>
       </p:ext>
     </p:extLst>
   </p:cSld>
@@ -4557,7 +4388,7 @@
           <a:p>
             <a:fld id="{AC946450-6435-4DA7-B1B5-7112AD457B80}" type="slidenum">
               <a:rPr lang="en-US" smtClean="0"/>
-              <a:t>10</a:t>
+              <a:t>15</a:t>
             </a:fld>
             <a:endParaRPr lang="en-US"/>
           </a:p>
@@ -4566,7 +4397,7 @@
     </p:spTree>
     <p:extLst>
       <p:ext uri="{BB962C8B-B14F-4D97-AF65-F5344CB8AC3E}">
-        <p14:creationId xmlns:p14="http://schemas.microsoft.com/office/powerpoint/2010/main" val="2811512651"/>
+        <p14:creationId xmlns:p14="http://schemas.microsoft.com/office/powerpoint/2010/main" val="1859090232"/>
       </p:ext>
     </p:extLst>
   </p:cSld>
@@ -4723,7 +4554,7 @@
           <a:p>
             <a:fld id="{E72A7FDF-6F6E-46AC-8E41-A5405B4004FC}" type="datetimeFigureOut">
               <a:rPr lang="en-US" smtClean="0"/>
-              <a:t>9/7/2020</a:t>
+              <a:t>9/13/2020</a:t>
             </a:fld>
             <a:endParaRPr lang="en-US"/>
           </a:p>
@@ -4921,7 +4752,7 @@
           <a:p>
             <a:fld id="{E72A7FDF-6F6E-46AC-8E41-A5405B4004FC}" type="datetimeFigureOut">
               <a:rPr lang="en-US" smtClean="0"/>
-              <a:t>9/7/2020</a:t>
+              <a:t>9/13/2020</a:t>
             </a:fld>
             <a:endParaRPr lang="en-US"/>
           </a:p>
@@ -5129,7 +4960,7 @@
           <a:p>
             <a:fld id="{E72A7FDF-6F6E-46AC-8E41-A5405B4004FC}" type="datetimeFigureOut">
               <a:rPr lang="en-US" smtClean="0"/>
-              <a:t>9/7/2020</a:t>
+              <a:t>9/13/2020</a:t>
             </a:fld>
             <a:endParaRPr lang="en-US"/>
           </a:p>
@@ -5327,7 +5158,7 @@
           <a:p>
             <a:fld id="{E72A7FDF-6F6E-46AC-8E41-A5405B4004FC}" type="datetimeFigureOut">
               <a:rPr lang="en-US" smtClean="0"/>
-              <a:t>9/7/2020</a:t>
+              <a:t>9/13/2020</a:t>
             </a:fld>
             <a:endParaRPr lang="en-US"/>
           </a:p>
@@ -5602,7 +5433,7 @@
           <a:p>
             <a:fld id="{E72A7FDF-6F6E-46AC-8E41-A5405B4004FC}" type="datetimeFigureOut">
               <a:rPr lang="en-US" smtClean="0"/>
-              <a:t>9/7/2020</a:t>
+              <a:t>9/13/2020</a:t>
             </a:fld>
             <a:endParaRPr lang="en-US"/>
           </a:p>
@@ -5867,7 +5698,7 @@
           <a:p>
             <a:fld id="{E72A7FDF-6F6E-46AC-8E41-A5405B4004FC}" type="datetimeFigureOut">
               <a:rPr lang="en-US" smtClean="0"/>
-              <a:t>9/7/2020</a:t>
+              <a:t>9/13/2020</a:t>
             </a:fld>
             <a:endParaRPr lang="en-US"/>
           </a:p>
@@ -6279,7 +6110,7 @@
           <a:p>
             <a:fld id="{E72A7FDF-6F6E-46AC-8E41-A5405B4004FC}" type="datetimeFigureOut">
               <a:rPr lang="en-US" smtClean="0"/>
-              <a:t>9/7/2020</a:t>
+              <a:t>9/13/2020</a:t>
             </a:fld>
             <a:endParaRPr lang="en-US"/>
           </a:p>
@@ -6420,7 +6251,7 @@
           <a:p>
             <a:fld id="{E72A7FDF-6F6E-46AC-8E41-A5405B4004FC}" type="datetimeFigureOut">
               <a:rPr lang="en-US" smtClean="0"/>
-              <a:t>9/7/2020</a:t>
+              <a:t>9/13/2020</a:t>
             </a:fld>
             <a:endParaRPr lang="en-US"/>
           </a:p>
@@ -6533,7 +6364,7 @@
           <a:p>
             <a:fld id="{E72A7FDF-6F6E-46AC-8E41-A5405B4004FC}" type="datetimeFigureOut">
               <a:rPr lang="en-US" smtClean="0"/>
-              <a:t>9/7/2020</a:t>
+              <a:t>9/13/2020</a:t>
             </a:fld>
             <a:endParaRPr lang="en-US"/>
           </a:p>
@@ -6844,7 +6675,7 @@
           <a:p>
             <a:fld id="{E72A7FDF-6F6E-46AC-8E41-A5405B4004FC}" type="datetimeFigureOut">
               <a:rPr lang="en-US" smtClean="0"/>
-              <a:t>9/7/2020</a:t>
+              <a:t>9/13/2020</a:t>
             </a:fld>
             <a:endParaRPr lang="en-US"/>
           </a:p>
@@ -7132,7 +6963,7 @@
           <a:p>
             <a:fld id="{E72A7FDF-6F6E-46AC-8E41-A5405B4004FC}" type="datetimeFigureOut">
               <a:rPr lang="en-US" smtClean="0"/>
-              <a:t>9/7/2020</a:t>
+              <a:t>9/13/2020</a:t>
             </a:fld>
             <a:endParaRPr lang="en-US"/>
           </a:p>
@@ -7373,7 +7204,7 @@
           <a:p>
             <a:fld id="{E72A7FDF-6F6E-46AC-8E41-A5405B4004FC}" type="datetimeFigureOut">
               <a:rPr lang="en-US" smtClean="0"/>
-              <a:t>9/7/2020</a:t>
+              <a:t>9/13/2020</a:t>
             </a:fld>
             <a:endParaRPr lang="en-US"/>
           </a:p>
@@ -7958,14 +7789,6 @@
 <file path=ppt/slides/slide10.xml><?xml version="1.0" encoding="utf-8"?>
 <p:sld xmlns:a="http://schemas.openxmlformats.org/drawingml/2006/main" xmlns:r="http://schemas.openxmlformats.org/officeDocument/2006/relationships" xmlns:p="http://schemas.openxmlformats.org/presentationml/2006/main">
   <p:cSld>
-    <p:bg>
-      <p:bgPr>
-        <a:solidFill>
-          <a:schemeClr val="bg1"/>
-        </a:solidFill>
-        <a:effectLst/>
-      </p:bgPr>
-    </p:bg>
     <p:spTree>
       <p:nvGrpSpPr>
         <p:cNvPr id="1" name=""/>
@@ -7982,802 +7805,6 @@
       </p:grpSpPr>
       <p:sp>
         <p:nvSpPr>
-          <p:cNvPr id="2" name="Title 1">
-            <a:extLst>
-              <a:ext uri="{FF2B5EF4-FFF2-40B4-BE49-F238E27FC236}">
-                <a16:creationId xmlns:a16="http://schemas.microsoft.com/office/drawing/2014/main" id="{2BF67345-8522-4B25-A377-B22001F16D36}"/>
-              </a:ext>
-            </a:extLst>
-          </p:cNvPr>
-          <p:cNvSpPr>
-            <a:spLocks noGrp="1"/>
-          </p:cNvSpPr>
-          <p:nvPr>
-            <p:ph type="title"/>
-          </p:nvPr>
-        </p:nvSpPr>
-        <p:spPr>
-          <a:xfrm>
-            <a:off x="6413111" y="640081"/>
-            <a:ext cx="5138808" cy="3592768"/>
-          </a:xfrm>
-          <a:noFill/>
-        </p:spPr>
-        <p:txBody>
-          <a:bodyPr vert="horz" lIns="91440" tIns="45720" rIns="91440" bIns="45720" rtlCol="0" anchor="b">
-            <a:normAutofit/>
-          </a:bodyPr>
-          <a:lstStyle/>
-          <a:p>
-            <a:pPr algn="ctr"/>
-            <a:r>
-              <a:rPr lang="en-US" sz="6000"/>
-              <a:t>Not this Bert</a:t>
-            </a:r>
-          </a:p>
-        </p:txBody>
-      </p:sp>
-      <p:sp>
-        <p:nvSpPr>
-          <p:cNvPr id="9" name="Rectangle 8">
-            <a:extLst>
-              <a:ext uri="{FF2B5EF4-FFF2-40B4-BE49-F238E27FC236}">
-                <a16:creationId xmlns:a16="http://schemas.microsoft.com/office/drawing/2014/main" id="{8AD13924-DC7C-4339-B194-8A4EFFBF2AC6}"/>
-              </a:ext>
-              <a:ext uri="{C183D7F6-B498-43B3-948B-1728B52AA6E4}">
-                <adec:decorative xmlns:adec="http://schemas.microsoft.com/office/drawing/2017/decorative" val="1"/>
-              </a:ext>
-            </a:extLst>
-          </p:cNvPr>
-          <p:cNvSpPr>
-            <a:spLocks noGrp="1" noRot="1" noChangeAspect="1" noMove="1" noResize="1" noEditPoints="1" noAdjustHandles="1" noChangeArrowheads="1" noChangeShapeType="1" noTextEdit="1"/>
-          </p:cNvSpPr>
-          <p:nvPr>
-            <p:extLst>
-              <p:ext uri="{386F3935-93C4-4BCD-93E2-E3B085C9AB24}">
-                <p16:designElem xmlns:p16="http://schemas.microsoft.com/office/powerpoint/2015/main" val="1"/>
-              </p:ext>
-            </p:extLst>
-          </p:nvPr>
-        </p:nvSpPr>
-        <p:spPr>
-          <a:xfrm>
-            <a:off x="-2" y="0"/>
-            <a:ext cx="6107584" cy="6858000"/>
-          </a:xfrm>
-          <a:prstGeom prst="rect">
-            <a:avLst/>
-          </a:prstGeom>
-          <a:solidFill>
-            <a:srgbClr val="55375E"/>
-          </a:solidFill>
-          <a:ln>
-            <a:noFill/>
-          </a:ln>
-        </p:spPr>
-        <p:style>
-          <a:lnRef idx="2">
-            <a:schemeClr val="accent1">
-              <a:shade val="50000"/>
-            </a:schemeClr>
-          </a:lnRef>
-          <a:fillRef idx="1">
-            <a:schemeClr val="accent1"/>
-          </a:fillRef>
-          <a:effectRef idx="0">
-            <a:schemeClr val="accent1"/>
-          </a:effectRef>
-          <a:fontRef idx="minor">
-            <a:schemeClr val="lt1"/>
-          </a:fontRef>
-        </p:style>
-        <p:txBody>
-          <a:bodyPr rtlCol="0" anchor="ctr"/>
-          <a:lstStyle/>
-          <a:p>
-            <a:pPr algn="ctr"/>
-            <a:endParaRPr lang="en-US"/>
-          </a:p>
-        </p:txBody>
-      </p:sp>
-      <p:sp>
-        <p:nvSpPr>
-          <p:cNvPr id="11" name="Rounded Rectangle 26">
-            <a:extLst>
-              <a:ext uri="{FF2B5EF4-FFF2-40B4-BE49-F238E27FC236}">
-                <a16:creationId xmlns:a16="http://schemas.microsoft.com/office/drawing/2014/main" id="{72458505-C9BA-445F-AE75-CFC7FF04F4E7}"/>
-              </a:ext>
-              <a:ext uri="{C183D7F6-B498-43B3-948B-1728B52AA6E4}">
-                <adec:decorative xmlns:adec="http://schemas.microsoft.com/office/drawing/2017/decorative" val="1"/>
-              </a:ext>
-            </a:extLst>
-          </p:cNvPr>
-          <p:cNvSpPr>
-            <a:spLocks noGrp="1" noRot="1" noChangeAspect="1" noMove="1" noResize="1" noEditPoints="1" noAdjustHandles="1" noChangeArrowheads="1" noChangeShapeType="1" noTextEdit="1"/>
-          </p:cNvSpPr>
-          <p:nvPr>
-            <p:extLst>
-              <p:ext uri="{386F3935-93C4-4BCD-93E2-E3B085C9AB24}">
-                <p16:designElem xmlns:p16="http://schemas.microsoft.com/office/powerpoint/2015/main" val="1"/>
-              </p:ext>
-            </p:extLst>
-          </p:nvPr>
-        </p:nvSpPr>
-        <p:spPr>
-          <a:xfrm>
-            <a:off x="646745" y="640080"/>
-            <a:ext cx="4809175" cy="5577818"/>
-          </a:xfrm>
-          <a:prstGeom prst="roundRect">
-            <a:avLst>
-              <a:gd name="adj" fmla="val 0"/>
-            </a:avLst>
-          </a:prstGeom>
-          <a:solidFill>
-            <a:srgbClr val="FFFFFF"/>
-          </a:solidFill>
-          <a:ln w="9525">
-            <a:solidFill>
-              <a:srgbClr val="C8CACA"/>
-            </a:solidFill>
-          </a:ln>
-          <a:effectLst>
-            <a:outerShdw blurRad="57150" dist="19050" dir="5400000" algn="t" rotWithShape="0">
-              <a:prstClr val="black">
-                <a:alpha val="63000"/>
-              </a:prstClr>
-            </a:outerShdw>
-          </a:effectLst>
-        </p:spPr>
-        <p:style>
-          <a:lnRef idx="2">
-            <a:schemeClr val="accent1">
-              <a:shade val="50000"/>
-            </a:schemeClr>
-          </a:lnRef>
-          <a:fillRef idx="1">
-            <a:schemeClr val="accent1"/>
-          </a:fillRef>
-          <a:effectRef idx="0">
-            <a:schemeClr val="accent1"/>
-          </a:effectRef>
-          <a:fontRef idx="minor">
-            <a:schemeClr val="lt1"/>
-          </a:fontRef>
-        </p:style>
-        <p:txBody>
-          <a:bodyPr rtlCol="0" anchor="ctr"/>
-          <a:lstStyle/>
-          <a:p>
-            <a:pPr algn="ctr"/>
-            <a:endParaRPr lang="en-US"/>
-          </a:p>
-        </p:txBody>
-      </p:sp>
-      <p:pic>
-        <p:nvPicPr>
-          <p:cNvPr id="4" name="Picture 3" descr="A close up of a toy doll&#10;&#10;Description automatically generated">
-            <a:extLst>
-              <a:ext uri="{FF2B5EF4-FFF2-40B4-BE49-F238E27FC236}">
-                <a16:creationId xmlns:a16="http://schemas.microsoft.com/office/drawing/2014/main" id="{F5BDB91D-B9DA-4066-938C-35249DDCE788}"/>
-              </a:ext>
-            </a:extLst>
-          </p:cNvPr>
-          <p:cNvPicPr>
-            <a:picLocks noChangeAspect="1"/>
-          </p:cNvPicPr>
-          <p:nvPr/>
-        </p:nvPicPr>
-        <p:blipFill rotWithShape="1">
-          <a:blip r:embed="rId3">
-            <a:extLst>
-              <a:ext uri="{28A0092B-C50C-407E-A947-70E740481C1C}">
-                <a14:useLocalDpi xmlns:a14="http://schemas.microsoft.com/office/drawing/2010/main" val="0"/>
-              </a:ext>
-            </a:extLst>
-          </a:blip>
-          <a:srcRect t="9993" r="1" b="1"/>
-          <a:stretch/>
-        </p:blipFill>
-        <p:spPr>
-          <a:xfrm>
-            <a:off x="1120701" y="1112060"/>
-            <a:ext cx="3861262" cy="4633859"/>
-          </a:xfrm>
-          <a:prstGeom prst="rect">
-            <a:avLst/>
-          </a:prstGeom>
-          <a:effectLst/>
-        </p:spPr>
-      </p:pic>
-      <p:pic>
-        <p:nvPicPr>
-          <p:cNvPr id="5" name="Picture 4">
-            <a:extLst>
-              <a:ext uri="{FF2B5EF4-FFF2-40B4-BE49-F238E27FC236}">
-                <a16:creationId xmlns:a16="http://schemas.microsoft.com/office/drawing/2014/main" id="{C857CDE8-7674-48AE-85B0-27CB93D2818C}"/>
-              </a:ext>
-            </a:extLst>
-          </p:cNvPr>
-          <p:cNvPicPr>
-            <a:picLocks noChangeAspect="1"/>
-          </p:cNvPicPr>
-          <p:nvPr/>
-        </p:nvPicPr>
-        <p:blipFill>
-          <a:blip r:embed="rId4"/>
-          <a:stretch>
-            <a:fillRect/>
-          </a:stretch>
-        </p:blipFill>
-        <p:spPr>
-          <a:xfrm>
-            <a:off x="1621766" y="847703"/>
-            <a:ext cx="2915727" cy="4945073"/>
-          </a:xfrm>
-          <a:prstGeom prst="rect">
-            <a:avLst/>
-          </a:prstGeom>
-        </p:spPr>
-      </p:pic>
-      <p:sp>
-        <p:nvSpPr>
-          <p:cNvPr id="6" name="TextBox 5">
-            <a:extLst>
-              <a:ext uri="{FF2B5EF4-FFF2-40B4-BE49-F238E27FC236}">
-                <a16:creationId xmlns:a16="http://schemas.microsoft.com/office/drawing/2014/main" id="{418B2391-98D9-46B1-83F9-552211D7A827}"/>
-              </a:ext>
-            </a:extLst>
-          </p:cNvPr>
-          <p:cNvSpPr txBox="1"/>
-          <p:nvPr/>
-        </p:nvSpPr>
-        <p:spPr>
-          <a:xfrm>
-            <a:off x="1404011" y="5826301"/>
-            <a:ext cx="4204673" cy="230832"/>
-          </a:xfrm>
-          <a:prstGeom prst="rect">
-            <a:avLst/>
-          </a:prstGeom>
-          <a:noFill/>
-        </p:spPr>
-        <p:txBody>
-          <a:bodyPr wrap="square" rtlCol="0">
-            <a:spAutoFit/>
-          </a:bodyPr>
-          <a:lstStyle/>
-          <a:p>
-            <a:r>
-              <a:rPr lang="en-US" sz="900" dirty="0"/>
-              <a:t>https://medium.com/@noa.kel/using-bert-with-pytorch-b9624edcda4e</a:t>
-            </a:r>
-          </a:p>
-        </p:txBody>
-      </p:sp>
-    </p:spTree>
-    <p:extLst>
-      <p:ext uri="{BB962C8B-B14F-4D97-AF65-F5344CB8AC3E}">
-        <p14:creationId xmlns:p14="http://schemas.microsoft.com/office/powerpoint/2010/main" val="652788287"/>
-      </p:ext>
-    </p:extLst>
-  </p:cSld>
-  <p:clrMapOvr>
-    <a:masterClrMapping/>
-  </p:clrMapOvr>
-</p:sld>
-</file>
-
-<file path=ppt/slides/slide11.xml><?xml version="1.0" encoding="utf-8"?>
-<p:sld xmlns:a="http://schemas.openxmlformats.org/drawingml/2006/main" xmlns:r="http://schemas.openxmlformats.org/officeDocument/2006/relationships" xmlns:p="http://schemas.openxmlformats.org/presentationml/2006/main">
-  <p:cSld>
-    <p:spTree>
-      <p:nvGrpSpPr>
-        <p:cNvPr id="1" name=""/>
-        <p:cNvGrpSpPr/>
-        <p:nvPr/>
-      </p:nvGrpSpPr>
-      <p:grpSpPr>
-        <a:xfrm>
-          <a:off x="0" y="0"/>
-          <a:ext cx="0" cy="0"/>
-          <a:chOff x="0" y="0"/>
-          <a:chExt cx="0" cy="0"/>
-        </a:xfrm>
-      </p:grpSpPr>
-      <p:sp>
-        <p:nvSpPr>
-          <p:cNvPr id="2" name="Title 1">
-            <a:extLst>
-              <a:ext uri="{FF2B5EF4-FFF2-40B4-BE49-F238E27FC236}">
-                <a16:creationId xmlns:a16="http://schemas.microsoft.com/office/drawing/2014/main" id="{9CB4D7D1-BE0B-4C24-BF77-A0C8EB774E4E}"/>
-              </a:ext>
-            </a:extLst>
-          </p:cNvPr>
-          <p:cNvSpPr>
-            <a:spLocks noGrp="1"/>
-          </p:cNvSpPr>
-          <p:nvPr>
-            <p:ph type="title"/>
-          </p:nvPr>
-        </p:nvSpPr>
-        <p:spPr/>
-        <p:txBody>
-          <a:bodyPr/>
-          <a:lstStyle/>
-          <a:p>
-            <a:pPr algn="ctr"/>
-            <a:r>
-              <a:rPr lang="en-US" dirty="0"/>
-              <a:t>The Google Search Conundrum</a:t>
-            </a:r>
-          </a:p>
-        </p:txBody>
-      </p:sp>
-      <p:pic>
-        <p:nvPicPr>
-          <p:cNvPr id="5" name="Picture 4" descr="A screenshot of a cell phone&#10;&#10;Description automatically generated">
-            <a:extLst>
-              <a:ext uri="{FF2B5EF4-FFF2-40B4-BE49-F238E27FC236}">
-                <a16:creationId xmlns:a16="http://schemas.microsoft.com/office/drawing/2014/main" id="{9A1145CD-A098-4ABB-AD7B-779725CEAE17}"/>
-              </a:ext>
-            </a:extLst>
-          </p:cNvPr>
-          <p:cNvPicPr>
-            <a:picLocks noChangeAspect="1"/>
-          </p:cNvPicPr>
-          <p:nvPr/>
-        </p:nvPicPr>
-        <p:blipFill>
-          <a:blip r:embed="rId2">
-            <a:extLst>
-              <a:ext uri="{28A0092B-C50C-407E-A947-70E740481C1C}">
-                <a14:useLocalDpi xmlns:a14="http://schemas.microsoft.com/office/drawing/2010/main" val="0"/>
-              </a:ext>
-            </a:extLst>
-          </a:blip>
-          <a:stretch>
-            <a:fillRect/>
-          </a:stretch>
-        </p:blipFill>
-        <p:spPr>
-          <a:xfrm>
-            <a:off x="1143000" y="1690688"/>
-            <a:ext cx="10210800" cy="4776577"/>
-          </a:xfrm>
-          <a:prstGeom prst="rect">
-            <a:avLst/>
-          </a:prstGeom>
-        </p:spPr>
-      </p:pic>
-      <p:pic>
-        <p:nvPicPr>
-          <p:cNvPr id="7" name="Picture 6">
-            <a:extLst>
-              <a:ext uri="{FF2B5EF4-FFF2-40B4-BE49-F238E27FC236}">
-                <a16:creationId xmlns:a16="http://schemas.microsoft.com/office/drawing/2014/main" id="{07B8F490-0607-4D73-844E-D64F6C0E88FA}"/>
-              </a:ext>
-            </a:extLst>
-          </p:cNvPr>
-          <p:cNvPicPr>
-            <a:picLocks noChangeAspect="1"/>
-          </p:cNvPicPr>
-          <p:nvPr/>
-        </p:nvPicPr>
-        <p:blipFill>
-          <a:blip r:embed="rId3"/>
-          <a:stretch>
-            <a:fillRect/>
-          </a:stretch>
-        </p:blipFill>
-        <p:spPr>
-          <a:xfrm>
-            <a:off x="343129" y="6543465"/>
-            <a:ext cx="6425741" cy="237765"/>
-          </a:xfrm>
-          <a:prstGeom prst="rect">
-            <a:avLst/>
-          </a:prstGeom>
-        </p:spPr>
-      </p:pic>
-    </p:spTree>
-    <p:extLst>
-      <p:ext uri="{BB962C8B-B14F-4D97-AF65-F5344CB8AC3E}">
-        <p14:creationId xmlns:p14="http://schemas.microsoft.com/office/powerpoint/2010/main" val="2475230897"/>
-      </p:ext>
-    </p:extLst>
-  </p:cSld>
-  <p:clrMapOvr>
-    <a:masterClrMapping/>
-  </p:clrMapOvr>
-</p:sld>
-</file>
-
-<file path=ppt/slides/slide12.xml><?xml version="1.0" encoding="utf-8"?>
-<p:sld xmlns:a="http://schemas.openxmlformats.org/drawingml/2006/main" xmlns:r="http://schemas.openxmlformats.org/officeDocument/2006/relationships" xmlns:p="http://schemas.openxmlformats.org/presentationml/2006/main">
-  <p:cSld>
-    <p:spTree>
-      <p:nvGrpSpPr>
-        <p:cNvPr id="1" name=""/>
-        <p:cNvGrpSpPr/>
-        <p:nvPr/>
-      </p:nvGrpSpPr>
-      <p:grpSpPr>
-        <a:xfrm>
-          <a:off x="0" y="0"/>
-          <a:ext cx="0" cy="0"/>
-          <a:chOff x="0" y="0"/>
-          <a:chExt cx="0" cy="0"/>
-        </a:xfrm>
-      </p:grpSpPr>
-      <p:sp>
-        <p:nvSpPr>
-          <p:cNvPr id="2" name="Title 1">
-            <a:extLst>
-              <a:ext uri="{FF2B5EF4-FFF2-40B4-BE49-F238E27FC236}">
-                <a16:creationId xmlns:a16="http://schemas.microsoft.com/office/drawing/2014/main" id="{9CB4D7D1-BE0B-4C24-BF77-A0C8EB774E4E}"/>
-              </a:ext>
-            </a:extLst>
-          </p:cNvPr>
-          <p:cNvSpPr>
-            <a:spLocks noGrp="1"/>
-          </p:cNvSpPr>
-          <p:nvPr>
-            <p:ph type="title"/>
-          </p:nvPr>
-        </p:nvSpPr>
-        <p:spPr/>
-        <p:txBody>
-          <a:bodyPr/>
-          <a:lstStyle/>
-          <a:p>
-            <a:pPr algn="ctr"/>
-            <a:r>
-              <a:rPr lang="en-US" dirty="0"/>
-              <a:t>The Google Search Conundrum</a:t>
-            </a:r>
-          </a:p>
-        </p:txBody>
-      </p:sp>
-      <p:pic>
-        <p:nvPicPr>
-          <p:cNvPr id="4" name="Picture 3" descr="A screenshot of a cell phone&#10;&#10;Description automatically generated">
-            <a:extLst>
-              <a:ext uri="{FF2B5EF4-FFF2-40B4-BE49-F238E27FC236}">
-                <a16:creationId xmlns:a16="http://schemas.microsoft.com/office/drawing/2014/main" id="{028CCFB3-0813-4C03-9EDB-9F4B9A06BBFB}"/>
-              </a:ext>
-            </a:extLst>
-          </p:cNvPr>
-          <p:cNvPicPr>
-            <a:picLocks noChangeAspect="1"/>
-          </p:cNvPicPr>
-          <p:nvPr/>
-        </p:nvPicPr>
-        <p:blipFill>
-          <a:blip r:embed="rId2">
-            <a:extLst>
-              <a:ext uri="{28A0092B-C50C-407E-A947-70E740481C1C}">
-                <a14:useLocalDpi xmlns:a14="http://schemas.microsoft.com/office/drawing/2010/main" val="0"/>
-              </a:ext>
-            </a:extLst>
-          </a:blip>
-          <a:stretch>
-            <a:fillRect/>
-          </a:stretch>
-        </p:blipFill>
-        <p:spPr>
-          <a:xfrm>
-            <a:off x="749300" y="1481492"/>
-            <a:ext cx="10693400" cy="4707075"/>
-          </a:xfrm>
-          <a:prstGeom prst="rect">
-            <a:avLst/>
-          </a:prstGeom>
-        </p:spPr>
-      </p:pic>
-      <p:sp>
-        <p:nvSpPr>
-          <p:cNvPr id="6" name="TextBox 5">
-            <a:extLst>
-              <a:ext uri="{FF2B5EF4-FFF2-40B4-BE49-F238E27FC236}">
-                <a16:creationId xmlns:a16="http://schemas.microsoft.com/office/drawing/2014/main" id="{98CD4254-1500-4153-8AAE-98FAE88990B8}"/>
-              </a:ext>
-            </a:extLst>
-          </p:cNvPr>
-          <p:cNvSpPr txBox="1"/>
-          <p:nvPr/>
-        </p:nvSpPr>
-        <p:spPr>
-          <a:xfrm>
-            <a:off x="431800" y="6492875"/>
-            <a:ext cx="6426200" cy="215444"/>
-          </a:xfrm>
-          <a:prstGeom prst="rect">
-            <a:avLst/>
-          </a:prstGeom>
-          <a:noFill/>
-        </p:spPr>
-        <p:txBody>
-          <a:bodyPr wrap="square" rtlCol="0">
-            <a:spAutoFit/>
-          </a:bodyPr>
-          <a:lstStyle/>
-          <a:p>
-            <a:r>
-              <a:rPr lang="en-US" sz="800" dirty="0"/>
-              <a:t>https://www.lockedownseo.com/google-bert-update/</a:t>
-            </a:r>
-          </a:p>
-        </p:txBody>
-      </p:sp>
-    </p:spTree>
-    <p:extLst>
-      <p:ext uri="{BB962C8B-B14F-4D97-AF65-F5344CB8AC3E}">
-        <p14:creationId xmlns:p14="http://schemas.microsoft.com/office/powerpoint/2010/main" val="625010625"/>
-      </p:ext>
-    </p:extLst>
-  </p:cSld>
-  <p:clrMapOvr>
-    <a:masterClrMapping/>
-  </p:clrMapOvr>
-</p:sld>
-</file>
-
-<file path=ppt/slides/slide13.xml><?xml version="1.0" encoding="utf-8"?>
-<p:sld xmlns:a="http://schemas.openxmlformats.org/drawingml/2006/main" xmlns:r="http://schemas.openxmlformats.org/officeDocument/2006/relationships" xmlns:p="http://schemas.openxmlformats.org/presentationml/2006/main">
-  <p:cSld>
-    <p:bg>
-      <p:bgPr>
-        <a:solidFill>
-          <a:schemeClr val="bg1"/>
-        </a:solidFill>
-        <a:effectLst/>
-      </p:bgPr>
-    </p:bg>
-    <p:spTree>
-      <p:nvGrpSpPr>
-        <p:cNvPr id="1" name=""/>
-        <p:cNvGrpSpPr/>
-        <p:nvPr/>
-      </p:nvGrpSpPr>
-      <p:grpSpPr>
-        <a:xfrm>
-          <a:off x="0" y="0"/>
-          <a:ext cx="0" cy="0"/>
-          <a:chOff x="0" y="0"/>
-          <a:chExt cx="0" cy="0"/>
-        </a:xfrm>
-      </p:grpSpPr>
-      <p:sp>
-        <p:nvSpPr>
-          <p:cNvPr id="2" name="Title 1">
-            <a:extLst>
-              <a:ext uri="{FF2B5EF4-FFF2-40B4-BE49-F238E27FC236}">
-                <a16:creationId xmlns:a16="http://schemas.microsoft.com/office/drawing/2014/main" id="{92239E1F-6C2A-444A-90BD-2F22B35D8BF5}"/>
-              </a:ext>
-            </a:extLst>
-          </p:cNvPr>
-          <p:cNvSpPr>
-            <a:spLocks noGrp="1"/>
-          </p:cNvSpPr>
-          <p:nvPr>
-            <p:ph type="title"/>
-          </p:nvPr>
-        </p:nvSpPr>
-        <p:spPr>
-          <a:xfrm>
-            <a:off x="4965430" y="629268"/>
-            <a:ext cx="6586491" cy="1286160"/>
-          </a:xfrm>
-        </p:spPr>
-        <p:txBody>
-          <a:bodyPr anchor="b">
-            <a:normAutofit/>
-          </a:bodyPr>
-          <a:lstStyle/>
-          <a:p>
-            <a:r>
-              <a:rPr lang="en-US" dirty="0"/>
-              <a:t>What is BERT?</a:t>
-            </a:r>
-            <a:endParaRPr lang="en-US"/>
-          </a:p>
-        </p:txBody>
-      </p:sp>
-      <p:sp>
-        <p:nvSpPr>
-          <p:cNvPr id="3" name="Content Placeholder 2">
-            <a:extLst>
-              <a:ext uri="{FF2B5EF4-FFF2-40B4-BE49-F238E27FC236}">
-                <a16:creationId xmlns:a16="http://schemas.microsoft.com/office/drawing/2014/main" id="{7467B1D8-B3BC-4625-BE4D-5F3899A692B7}"/>
-              </a:ext>
-            </a:extLst>
-          </p:cNvPr>
-          <p:cNvSpPr>
-            <a:spLocks noGrp="1"/>
-          </p:cNvSpPr>
-          <p:nvPr>
-            <p:ph idx="1"/>
-          </p:nvPr>
-        </p:nvSpPr>
-        <p:spPr>
-          <a:xfrm>
-            <a:off x="4965431" y="2438400"/>
-            <a:ext cx="6586489" cy="3785419"/>
-          </a:xfrm>
-        </p:spPr>
-        <p:txBody>
-          <a:bodyPr>
-            <a:normAutofit/>
-          </a:bodyPr>
-          <a:lstStyle/>
-          <a:p>
-            <a:r>
-              <a:rPr lang="en-US" sz="2000">
-                <a:effectLst/>
-                <a:latin typeface="Times New Roman" panose="02020603050405020304" pitchFamily="18" charset="0"/>
-                <a:ea typeface="Times New Roman" panose="02020603050405020304" pitchFamily="18" charset="0"/>
-              </a:rPr>
-              <a:t>Bidirectional Encoder Representations from Transformers</a:t>
-            </a:r>
-          </a:p>
-          <a:p>
-            <a:r>
-              <a:rPr lang="en-US" sz="2000">
-                <a:latin typeface="Times New Roman" panose="02020603050405020304" pitchFamily="18" charset="0"/>
-                <a:ea typeface="Times New Roman" panose="02020603050405020304" pitchFamily="18" charset="0"/>
-              </a:rPr>
-              <a:t>BERT is a Natural Language Processor facility</a:t>
-            </a:r>
-          </a:p>
-          <a:p>
-            <a:r>
-              <a:rPr lang="en-US" sz="2000">
-                <a:effectLst/>
-                <a:latin typeface="Times New Roman" panose="02020603050405020304" pitchFamily="18" charset="0"/>
-                <a:ea typeface="Times New Roman" panose="02020603050405020304" pitchFamily="18" charset="0"/>
-              </a:rPr>
-              <a:t>Developed by Google</a:t>
-            </a:r>
-          </a:p>
-          <a:p>
-            <a:r>
-              <a:rPr lang="en-US" sz="2000">
-                <a:latin typeface="Times New Roman" panose="02020603050405020304" pitchFamily="18" charset="0"/>
-                <a:ea typeface="Times New Roman" panose="02020603050405020304" pitchFamily="18" charset="0"/>
-              </a:rPr>
-              <a:t>A Transformer an object that holds the Encoder and Decoder</a:t>
-            </a:r>
-          </a:p>
-          <a:p>
-            <a:r>
-              <a:rPr lang="en-US" sz="2000">
-                <a:effectLst/>
-                <a:latin typeface="Times New Roman" panose="02020603050405020304" pitchFamily="18" charset="0"/>
-                <a:ea typeface="Times New Roman" panose="02020603050405020304" pitchFamily="18" charset="0"/>
-              </a:rPr>
-              <a:t>Key innovation is bidirectional scanning procedure</a:t>
-            </a:r>
-          </a:p>
-          <a:p>
-            <a:endParaRPr lang="en-US" sz="2000"/>
-          </a:p>
-        </p:txBody>
-      </p:sp>
-      <p:pic>
-        <p:nvPicPr>
-          <p:cNvPr id="5" name="Picture 4">
-            <a:extLst>
-              <a:ext uri="{FF2B5EF4-FFF2-40B4-BE49-F238E27FC236}">
-                <a16:creationId xmlns:a16="http://schemas.microsoft.com/office/drawing/2014/main" id="{A9041EDD-82BF-45E3-A842-FAD23E0A6EDA}"/>
-              </a:ext>
-            </a:extLst>
-          </p:cNvPr>
-          <p:cNvPicPr>
-            <a:picLocks noChangeAspect="1"/>
-          </p:cNvPicPr>
-          <p:nvPr/>
-        </p:nvPicPr>
-        <p:blipFill rotWithShape="1">
-          <a:blip r:embed="rId3"/>
-          <a:srcRect l="26780" r="35199"/>
-          <a:stretch/>
-        </p:blipFill>
-        <p:spPr>
-          <a:xfrm>
-            <a:off x="20" y="10"/>
-            <a:ext cx="4635571" cy="6857990"/>
-          </a:xfrm>
-          <a:prstGeom prst="rect">
-            <a:avLst/>
-          </a:prstGeom>
-          <a:effectLst/>
-        </p:spPr>
-      </p:pic>
-      <p:cxnSp>
-        <p:nvCxnSpPr>
-          <p:cNvPr id="9" name="Straight Connector 8">
-            <a:extLst>
-              <a:ext uri="{FF2B5EF4-FFF2-40B4-BE49-F238E27FC236}">
-                <a16:creationId xmlns:a16="http://schemas.microsoft.com/office/drawing/2014/main" id="{A7F400EE-A8A5-48AF-B4D6-291B52C6F0B0}"/>
-              </a:ext>
-              <a:ext uri="{C183D7F6-B498-43B3-948B-1728B52AA6E4}">
-                <adec:decorative xmlns:adec="http://schemas.microsoft.com/office/drawing/2017/decorative" val="1"/>
-              </a:ext>
-            </a:extLst>
-          </p:cNvPr>
-          <p:cNvCxnSpPr>
-            <a:cxnSpLocks noGrp="1" noRot="1" noChangeAspect="1" noMove="1" noResize="1" noEditPoints="1" noAdjustHandles="1" noChangeArrowheads="1" noChangeShapeType="1"/>
-          </p:cNvCxnSpPr>
-          <p:nvPr>
-            <p:extLst>
-              <p:ext uri="{386F3935-93C4-4BCD-93E2-E3B085C9AB24}">
-                <p16:designElem xmlns:p16="http://schemas.microsoft.com/office/powerpoint/2015/main" val="1"/>
-              </p:ext>
-            </p:extLst>
-          </p:nvPr>
-        </p:nvCxnSpPr>
-        <p:spPr>
-          <a:xfrm>
-            <a:off x="5080934" y="2115117"/>
-            <a:ext cx="6309360" cy="0"/>
-          </a:xfrm>
-          <a:prstGeom prst="line">
-            <a:avLst/>
-          </a:prstGeom>
-          <a:ln w="19050">
-            <a:solidFill>
-              <a:srgbClr val="60A4AD"/>
-            </a:solidFill>
-          </a:ln>
-        </p:spPr>
-        <p:style>
-          <a:lnRef idx="1">
-            <a:schemeClr val="accent1"/>
-          </a:lnRef>
-          <a:fillRef idx="0">
-            <a:schemeClr val="accent1"/>
-          </a:fillRef>
-          <a:effectRef idx="0">
-            <a:schemeClr val="accent1"/>
-          </a:effectRef>
-          <a:fontRef idx="minor">
-            <a:schemeClr val="tx1"/>
-          </a:fontRef>
-        </p:style>
-      </p:cxnSp>
-    </p:spTree>
-    <p:extLst>
-      <p:ext uri="{BB962C8B-B14F-4D97-AF65-F5344CB8AC3E}">
-        <p14:creationId xmlns:p14="http://schemas.microsoft.com/office/powerpoint/2010/main" val="4254608664"/>
-      </p:ext>
-    </p:extLst>
-  </p:cSld>
-  <p:clrMapOvr>
-    <a:masterClrMapping/>
-  </p:clrMapOvr>
-</p:sld>
-</file>
-
-<file path=ppt/slides/slide14.xml><?xml version="1.0" encoding="utf-8"?>
-<p:sld xmlns:a="http://schemas.openxmlformats.org/drawingml/2006/main" xmlns:r="http://schemas.openxmlformats.org/officeDocument/2006/relationships" xmlns:p="http://schemas.openxmlformats.org/presentationml/2006/main">
-  <p:cSld>
-    <p:spTree>
-      <p:nvGrpSpPr>
-        <p:cNvPr id="1" name=""/>
-        <p:cNvGrpSpPr/>
-        <p:nvPr/>
-      </p:nvGrpSpPr>
-      <p:grpSpPr>
-        <a:xfrm>
-          <a:off x="0" y="0"/>
-          <a:ext cx="0" cy="0"/>
-          <a:chOff x="0" y="0"/>
-          <a:chExt cx="0" cy="0"/>
-        </a:xfrm>
-      </p:grpSpPr>
-      <p:sp>
-        <p:nvSpPr>
           <p:cNvPr id="3" name="Title 2">
             <a:extLst>
               <a:ext uri="{FF2B5EF4-FFF2-40B4-BE49-F238E27FC236}">
@@ -8904,7 +7931,7 @@
 </p:sld>
 </file>
 
-<file path=ppt/slides/slide15.xml><?xml version="1.0" encoding="utf-8"?>
+<file path=ppt/slides/slide11.xml><?xml version="1.0" encoding="utf-8"?>
 <p:sld xmlns:a="http://schemas.openxmlformats.org/drawingml/2006/main" xmlns:r="http://schemas.openxmlformats.org/officeDocument/2006/relationships" xmlns:p="http://schemas.openxmlformats.org/presentationml/2006/main">
   <p:cSld>
     <p:bg>
@@ -9182,7 +8209,7 @@
         </p:spPr>
         <p:txBody>
           <a:bodyPr anchor="ctr">
-            <a:normAutofit/>
+            <a:normAutofit fontScale="92500" lnSpcReduction="10000"/>
           </a:bodyPr>
           <a:lstStyle/>
           <a:p>
@@ -9202,7 +8229,20 @@
                   <a:srgbClr val="000000"/>
                 </a:solidFill>
               </a:rPr>
-              <a:t>Composed of:	</a:t>
+              <a:t>Composed of:</a:t>
+            </a:r>
+          </a:p>
+          <a:p>
+            <a:pPr marL="0" indent="0">
+              <a:buNone/>
+            </a:pPr>
+            <a:r>
+              <a:rPr lang="en-US" sz="2400" dirty="0">
+                <a:solidFill>
+                  <a:srgbClr val="000000"/>
+                </a:solidFill>
+              </a:rPr>
+              <a:t>       Traditional	</a:t>
             </a:r>
           </a:p>
           <a:p>
@@ -9225,6 +8265,54 @@
                 </a:solidFill>
               </a:rPr>
               <a:t>Decoder – connects words to context</a:t>
+            </a:r>
+          </a:p>
+          <a:p>
+            <a:pPr marL="0" indent="0">
+              <a:buNone/>
+            </a:pPr>
+            <a:r>
+              <a:rPr lang="en-US" sz="2400" dirty="0">
+                <a:solidFill>
+                  <a:srgbClr val="000000"/>
+                </a:solidFill>
+              </a:rPr>
+              <a:t>       BERT</a:t>
+            </a:r>
+          </a:p>
+          <a:p>
+            <a:pPr lvl="1"/>
+            <a:r>
+              <a:rPr lang="en-US" dirty="0">
+                <a:solidFill>
+                  <a:srgbClr val="000000"/>
+                </a:solidFill>
+              </a:rPr>
+              <a:t>Encoder - decomposes txt to tokens;</a:t>
+            </a:r>
+          </a:p>
+          <a:p>
+            <a:pPr marL="457200" lvl="1" indent="0">
+              <a:buNone/>
+            </a:pPr>
+            <a:r>
+              <a:rPr lang="en-US" dirty="0">
+                <a:solidFill>
+                  <a:srgbClr val="000000"/>
+                </a:solidFill>
+              </a:rPr>
+              <a:t>connects words to context;  makes the final prediction</a:t>
+            </a:r>
+          </a:p>
+          <a:p>
+            <a:pPr lvl="1"/>
+            <a:r>
+              <a:rPr lang="en-US" dirty="0">
+                <a:solidFill>
+                  <a:srgbClr val="000000"/>
+                </a:solidFill>
+              </a:rPr>
+              <a:t>Decoder – presents final result</a:t>
             </a:r>
           </a:p>
           <a:p>
@@ -9278,7 +8366,7 @@
 </p:sld>
 </file>
 
-<file path=ppt/slides/slide16.xml><?xml version="1.0" encoding="utf-8"?>
+<file path=ppt/slides/slide12.xml><?xml version="1.0" encoding="utf-8"?>
 <p:sld xmlns:a="http://schemas.openxmlformats.org/drawingml/2006/main" xmlns:r="http://schemas.openxmlformats.org/officeDocument/2006/relationships" xmlns:p="http://schemas.openxmlformats.org/presentationml/2006/main">
   <p:cSld>
     <p:spTree>
@@ -9316,6 +8404,7 @@
           <a:bodyPr/>
           <a:lstStyle/>
           <a:p>
+            <a:pPr algn="ctr"/>
             <a:r>
               <a:rPr lang="en-US" dirty="0"/>
               <a:t>Training</a:t>
@@ -9341,52 +8430,226 @@
         </p:nvSpPr>
         <p:spPr/>
         <p:txBody>
-          <a:bodyPr/>
+          <a:bodyPr>
+            <a:normAutofit fontScale="92500" lnSpcReduction="10000"/>
+          </a:bodyPr>
           <a:lstStyle/>
           <a:p>
             <a:r>
               <a:rPr lang="en-US" b="0" i="0" dirty="0">
                 <a:solidFill>
-                  <a:srgbClr val="595858"/>
+                  <a:srgbClr val="292929"/>
                 </a:solidFill>
                 <a:effectLst/>
-                <a:latin typeface="roboto"/>
+                <a:latin typeface="medium-content-serif-font"/>
               </a:rPr>
-              <a:t>BERT is pre-trained on a large corpus of </a:t>
+              <a:t>BERT was pre-trained on a large corpus of </a:t>
             </a:r>
             <a:r>
               <a:rPr lang="en-US" b="0" i="0" dirty="0" err="1">
                 <a:solidFill>
-                  <a:srgbClr val="595858"/>
+                  <a:srgbClr val="292929"/>
                 </a:solidFill>
                 <a:effectLst/>
-                <a:latin typeface="roboto"/>
+                <a:latin typeface="medium-content-serif-font"/>
               </a:rPr>
               <a:t>unlabelled</a:t>
             </a:r>
             <a:r>
               <a:rPr lang="en-US" b="0" i="0" dirty="0">
                 <a:solidFill>
-                  <a:srgbClr val="595858"/>
+                  <a:srgbClr val="292929"/>
                 </a:solidFill>
                 <a:effectLst/>
-                <a:latin typeface="roboto"/>
+                <a:latin typeface="medium-content-serif-font"/>
               </a:rPr>
-              <a:t> text including the entire Wikipedia(that’s 2,500 million words!)</a:t>
-            </a:r>
-          </a:p>
-          <a:p>
-            <a:r>
-              <a:rPr lang="en-US" b="0" i="0" dirty="0">
+              <a:t> text including the entire Wikipedia(that’s 2,500 million words) and book corpus (800 million words). Let’s see the 2 training methods that were used to train BERT.</a:t>
+            </a:r>
+            <a:r>
+              <a:rPr lang="en-US" b="0" i="0" baseline="30000" dirty="0">
                 <a:solidFill>
-                  <a:srgbClr val="595858"/>
+                  <a:srgbClr val="292929"/>
                 </a:solidFill>
                 <a:effectLst/>
-                <a:latin typeface="roboto"/>
+                <a:latin typeface="medium-content-serif-font"/>
               </a:rPr>
-              <a:t>and Book Corpus (800 million words).</a:t>
-            </a:r>
-            <a:endParaRPr lang="en-US" dirty="0"/>
+              <a:t>1</a:t>
+            </a:r>
+          </a:p>
+          <a:p>
+            <a:endParaRPr lang="en-US" b="0" i="0" baseline="30000" dirty="0">
+              <a:solidFill>
+                <a:srgbClr val="292929"/>
+              </a:solidFill>
+              <a:effectLst/>
+              <a:latin typeface="medium-content-serif-font"/>
+            </a:endParaRPr>
+          </a:p>
+          <a:p>
+            <a:pPr marL="0" indent="0">
+              <a:buNone/>
+            </a:pPr>
+            <a:r>
+              <a:rPr lang="en-US" dirty="0">
+                <a:solidFill>
+                  <a:srgbClr val="292929"/>
+                </a:solidFill>
+                <a:latin typeface="medium-content-serif-font"/>
+              </a:rPr>
+              <a:t>Two BERT Training Models</a:t>
+            </a:r>
+          </a:p>
+          <a:p>
+            <a:r>
+              <a:rPr lang="en-US" b="1" i="0" dirty="0">
+                <a:solidFill>
+                  <a:srgbClr val="292929"/>
+                </a:solidFill>
+                <a:effectLst/>
+                <a:latin typeface="medium-content-serif-font"/>
+              </a:rPr>
+              <a:t>Masked Language Model (MLM)</a:t>
+            </a:r>
+          </a:p>
+          <a:p>
+            <a:pPr lvl="1"/>
+            <a:r>
+              <a:rPr lang="en-US" i="0" dirty="0">
+                <a:solidFill>
+                  <a:srgbClr val="292929"/>
+                </a:solidFill>
+                <a:effectLst/>
+                <a:latin typeface="medium-content-serif-font"/>
+              </a:rPr>
+              <a:t>The model is fed sentences with masked words</a:t>
+            </a:r>
+          </a:p>
+          <a:p>
+            <a:pPr lvl="1"/>
+            <a:r>
+              <a:rPr lang="en-US" i="0" dirty="0">
+                <a:solidFill>
+                  <a:srgbClr val="292929"/>
+                </a:solidFill>
+                <a:effectLst/>
+                <a:latin typeface="medium-content-serif-font"/>
+              </a:rPr>
+              <a:t>Goal: predict the maske</a:t>
+            </a:r>
+            <a:r>
+              <a:rPr lang="en-US" dirty="0">
+                <a:solidFill>
+                  <a:srgbClr val="292929"/>
+                </a:solidFill>
+                <a:latin typeface="medium-content-serif-font"/>
+              </a:rPr>
+              <a:t>d words</a:t>
+            </a:r>
+            <a:endParaRPr lang="en-US" i="0" dirty="0">
+              <a:solidFill>
+                <a:srgbClr val="292929"/>
+              </a:solidFill>
+              <a:effectLst/>
+              <a:latin typeface="medium-content-serif-font"/>
+            </a:endParaRPr>
+          </a:p>
+          <a:p>
+            <a:r>
+              <a:rPr lang="en-US" b="1" i="0" dirty="0">
+                <a:solidFill>
+                  <a:srgbClr val="292929"/>
+                </a:solidFill>
+                <a:effectLst/>
+                <a:latin typeface="medium-content-serif-font"/>
+              </a:rPr>
+              <a:t>Next Sentence Prediction (NSP)</a:t>
+            </a:r>
+          </a:p>
+          <a:p>
+            <a:pPr lvl="1"/>
+            <a:r>
+              <a:rPr lang="en-US" dirty="0">
+                <a:solidFill>
+                  <a:srgbClr val="292929"/>
+                </a:solidFill>
+                <a:latin typeface="medium-content-serif-font"/>
+              </a:rPr>
+              <a:t>The model is fed a series of two sentences</a:t>
+            </a:r>
+          </a:p>
+          <a:p>
+            <a:pPr lvl="1"/>
+            <a:r>
+              <a:rPr lang="en-US" dirty="0">
+                <a:solidFill>
+                  <a:srgbClr val="292929"/>
+                </a:solidFill>
+                <a:latin typeface="medium-content-serif-font"/>
+              </a:rPr>
+              <a:t>Goal: put the two sentences in the proper order</a:t>
+            </a:r>
+          </a:p>
+        </p:txBody>
+      </p:sp>
+      <p:sp>
+        <p:nvSpPr>
+          <p:cNvPr id="4" name="TextBox 3">
+            <a:extLst>
+              <a:ext uri="{FF2B5EF4-FFF2-40B4-BE49-F238E27FC236}">
+                <a16:creationId xmlns:a16="http://schemas.microsoft.com/office/drawing/2014/main" id="{E46D0392-9CB7-40C2-AE36-3423353C0D77}"/>
+              </a:ext>
+            </a:extLst>
+          </p:cNvPr>
+          <p:cNvSpPr txBox="1"/>
+          <p:nvPr/>
+        </p:nvSpPr>
+        <p:spPr>
+          <a:xfrm>
+            <a:off x="838200" y="6391469"/>
+            <a:ext cx="8165841" cy="246221"/>
+          </a:xfrm>
+          <a:prstGeom prst="rect">
+            <a:avLst/>
+          </a:prstGeom>
+          <a:noFill/>
+        </p:spPr>
+        <p:txBody>
+          <a:bodyPr wrap="square" rtlCol="0">
+            <a:spAutoFit/>
+          </a:bodyPr>
+          <a:lstStyle/>
+          <a:p>
+            <a:r>
+              <a:rPr lang="en-US" sz="1000" dirty="0"/>
+              <a:t>1  Vajpayee Sarthak; </a:t>
+            </a:r>
+            <a:r>
+              <a:rPr lang="en-US" sz="1000" b="0" i="0" dirty="0">
+                <a:solidFill>
+                  <a:srgbClr val="292929"/>
+                </a:solidFill>
+                <a:effectLst/>
+                <a:latin typeface="medium-content-title-font"/>
+              </a:rPr>
+              <a:t>Understanding BERT — </a:t>
+            </a:r>
+            <a:r>
+              <a:rPr lang="en-US" sz="1000" b="0" i="1" dirty="0">
+                <a:solidFill>
+                  <a:srgbClr val="292929"/>
+                </a:solidFill>
+                <a:effectLst/>
+                <a:latin typeface="medium-content-title-font"/>
+              </a:rPr>
+              <a:t>(Bidirectional Encoder Representations from Transformers); 2020</a:t>
+            </a:r>
+            <a:endParaRPr lang="en-US" sz="1000" b="0" i="0" dirty="0">
+              <a:solidFill>
+                <a:srgbClr val="292929"/>
+              </a:solidFill>
+              <a:effectLst/>
+              <a:latin typeface="medium-content-title-font"/>
+            </a:endParaRPr>
           </a:p>
         </p:txBody>
       </p:sp>
@@ -9403,9 +8666,17 @@
 </p:sld>
 </file>
 
-<file path=ppt/slides/slide17.xml><?xml version="1.0" encoding="utf-8"?>
+<file path=ppt/slides/slide13.xml><?xml version="1.0" encoding="utf-8"?>
 <p:sld xmlns:a="http://schemas.openxmlformats.org/drawingml/2006/main" xmlns:r="http://schemas.openxmlformats.org/officeDocument/2006/relationships" xmlns:p="http://schemas.openxmlformats.org/presentationml/2006/main">
   <p:cSld>
+    <p:bg>
+      <p:bgPr>
+        <a:solidFill>
+          <a:schemeClr val="bg1"/>
+        </a:solidFill>
+        <a:effectLst/>
+      </p:bgPr>
+    </p:bg>
     <p:spTree>
       <p:nvGrpSpPr>
         <p:cNvPr id="1" name=""/>
@@ -9420,96 +8691,622 @@
           <a:chExt cx="0" cy="0"/>
         </a:xfrm>
       </p:grpSpPr>
-      <p:sp>
-        <p:nvSpPr>
-          <p:cNvPr id="4" name="Title 3">
-            <a:extLst>
-              <a:ext uri="{FF2B5EF4-FFF2-40B4-BE49-F238E27FC236}">
-                <a16:creationId xmlns:a16="http://schemas.microsoft.com/office/drawing/2014/main" id="{604A5243-55F3-41DD-B857-DFAC7AF9A9D5}"/>
-              </a:ext>
-            </a:extLst>
-          </p:cNvPr>
-          <p:cNvSpPr>
-            <a:spLocks noGrp="1"/>
-          </p:cNvSpPr>
-          <p:nvPr>
-            <p:ph type="title"/>
-          </p:nvPr>
-        </p:nvSpPr>
-        <p:spPr/>
-        <p:txBody>
-          <a:bodyPr/>
-          <a:lstStyle/>
-          <a:p>
-            <a:pPr algn="ctr"/>
-            <a:r>
-              <a:rPr lang="en-US" dirty="0"/>
-              <a:t>Other NLP Resources</a:t>
-            </a:r>
-          </a:p>
-        </p:txBody>
-      </p:sp>
-      <p:pic>
-        <p:nvPicPr>
-          <p:cNvPr id="6" name="Picture 5">
-            <a:extLst>
-              <a:ext uri="{FF2B5EF4-FFF2-40B4-BE49-F238E27FC236}">
-                <a16:creationId xmlns:a16="http://schemas.microsoft.com/office/drawing/2014/main" id="{FC0CBB60-0D80-40F5-9B1C-30945534C52C}"/>
-              </a:ext>
-            </a:extLst>
-          </p:cNvPr>
-          <p:cNvPicPr>
-            <a:picLocks noChangeAspect="1"/>
-          </p:cNvPicPr>
-          <p:nvPr/>
-        </p:nvPicPr>
-        <p:blipFill>
-          <a:blip r:embed="rId3"/>
-          <a:stretch>
-            <a:fillRect/>
-          </a:stretch>
-        </p:blipFill>
+      <p:sp useBgFill="1">
+        <p:nvSpPr>
+          <p:cNvPr id="8" name="Rectangle 7">
+            <a:extLst>
+              <a:ext uri="{FF2B5EF4-FFF2-40B4-BE49-F238E27FC236}">
+                <a16:creationId xmlns:a16="http://schemas.microsoft.com/office/drawing/2014/main" id="{827B839B-9ADE-406B-8590-F1CAEDED45A1}"/>
+              </a:ext>
+              <a:ext uri="{C183D7F6-B498-43B3-948B-1728B52AA6E4}">
+                <adec:decorative xmlns:adec="http://schemas.microsoft.com/office/drawing/2017/decorative" val="1"/>
+              </a:ext>
+            </a:extLst>
+          </p:cNvPr>
+          <p:cNvSpPr>
+            <a:spLocks noGrp="1" noRot="1" noChangeAspect="1" noMove="1" noResize="1" noEditPoints="1" noAdjustHandles="1" noChangeArrowheads="1" noChangeShapeType="1" noTextEdit="1"/>
+          </p:cNvSpPr>
+          <p:nvPr>
+            <p:extLst>
+              <p:ext uri="{386F3935-93C4-4BCD-93E2-E3B085C9AB24}">
+                <p16:designElem xmlns:p16="http://schemas.microsoft.com/office/powerpoint/2015/main" val="1"/>
+              </p:ext>
+            </p:extLst>
+          </p:nvPr>
+        </p:nvSpPr>
         <p:spPr>
           <a:xfrm>
-            <a:off x="3294862" y="1690689"/>
-            <a:ext cx="4748471" cy="4494372"/>
+            <a:off x="0" y="0"/>
+            <a:ext cx="12188952" cy="6858000"/>
           </a:xfrm>
           <a:prstGeom prst="rect">
             <a:avLst/>
           </a:prstGeom>
+          <a:ln>
+            <a:noFill/>
+          </a:ln>
         </p:spPr>
-      </p:pic>
-      <p:sp>
-        <p:nvSpPr>
-          <p:cNvPr id="7" name="TextBox 6">
-            <a:extLst>
-              <a:ext uri="{FF2B5EF4-FFF2-40B4-BE49-F238E27FC236}">
-                <a16:creationId xmlns:a16="http://schemas.microsoft.com/office/drawing/2014/main" id="{3F9FFA5B-0459-406D-B529-2D1D521448B0}"/>
-              </a:ext>
-            </a:extLst>
-          </p:cNvPr>
-          <p:cNvSpPr txBox="1"/>
-          <p:nvPr/>
-        </p:nvSpPr>
-        <p:spPr>
+        <p:style>
+          <a:lnRef idx="2">
+            <a:schemeClr val="accent1">
+              <a:shade val="50000"/>
+            </a:schemeClr>
+          </a:lnRef>
+          <a:fillRef idx="1">
+            <a:schemeClr val="accent1"/>
+          </a:fillRef>
+          <a:effectRef idx="0">
+            <a:schemeClr val="accent1"/>
+          </a:effectRef>
+          <a:fontRef idx="minor">
+            <a:schemeClr val="lt1"/>
+          </a:fontRef>
+        </p:style>
+        <p:txBody>
+          <a:bodyPr rtlCol="0" anchor="ctr"/>
+          <a:lstStyle/>
+          <a:p>
+            <a:pPr algn="ctr"/>
+            <a:endParaRPr lang="en-US"/>
+          </a:p>
+        </p:txBody>
+      </p:sp>
+      <p:sp>
+        <p:nvSpPr>
+          <p:cNvPr id="10" name="Freeform 45">
+            <a:extLst>
+              <a:ext uri="{FF2B5EF4-FFF2-40B4-BE49-F238E27FC236}">
+                <a16:creationId xmlns:a16="http://schemas.microsoft.com/office/drawing/2014/main" id="{CFE45BF0-46DB-408C-B5F7-7B11716805D4}"/>
+              </a:ext>
+              <a:ext uri="{C183D7F6-B498-43B3-948B-1728B52AA6E4}">
+                <adec:decorative xmlns:adec="http://schemas.microsoft.com/office/drawing/2017/decorative" val="1"/>
+              </a:ext>
+            </a:extLst>
+          </p:cNvPr>
+          <p:cNvSpPr>
+            <a:spLocks noGrp="1" noRot="1" noChangeAspect="1" noMove="1" noResize="1" noEditPoints="1" noAdjustHandles="1" noChangeArrowheads="1" noChangeShapeType="1" noTextEdit="1"/>
+          </p:cNvSpPr>
+          <p:nvPr>
+            <p:extLst>
+              <p:ext uri="{386F3935-93C4-4BCD-93E2-E3B085C9AB24}">
+                <p16:designElem xmlns:p16="http://schemas.microsoft.com/office/powerpoint/2015/main" val="1"/>
+              </p:ext>
+            </p:extLst>
+          </p:nvPr>
+        </p:nvSpPr>
+        <p:spPr bwMode="auto">
           <a:xfrm>
-            <a:off x="3294862" y="6492875"/>
-            <a:ext cx="3045823" cy="215444"/>
+            <a:off x="409710" y="1022350"/>
+            <a:ext cx="709612" cy="2095501"/>
+          </a:xfrm>
+          <a:custGeom>
+            <a:avLst/>
+            <a:gdLst>
+              <a:gd name="T0" fmla="*/ 447 w 447"/>
+              <a:gd name="T1" fmla="*/ 1363 h 1363"/>
+              <a:gd name="T2" fmla="*/ 0 w 447"/>
+              <a:gd name="T3" fmla="*/ 987 h 1363"/>
+              <a:gd name="T4" fmla="*/ 0 w 447"/>
+              <a:gd name="T5" fmla="*/ 0 h 1363"/>
+              <a:gd name="T6" fmla="*/ 447 w 447"/>
+              <a:gd name="T7" fmla="*/ 376 h 1363"/>
+              <a:gd name="T8" fmla="*/ 447 w 447"/>
+              <a:gd name="T9" fmla="*/ 1363 h 1363"/>
+            </a:gdLst>
+            <a:ahLst/>
+            <a:cxnLst>
+              <a:cxn ang="0">
+                <a:pos x="T0" y="T1"/>
+              </a:cxn>
+              <a:cxn ang="0">
+                <a:pos x="T2" y="T3"/>
+              </a:cxn>
+              <a:cxn ang="0">
+                <a:pos x="T4" y="T5"/>
+              </a:cxn>
+              <a:cxn ang="0">
+                <a:pos x="T6" y="T7"/>
+              </a:cxn>
+              <a:cxn ang="0">
+                <a:pos x="T8" y="T9"/>
+              </a:cxn>
+            </a:cxnLst>
+            <a:rect l="0" t="0" r="r" b="b"/>
+            <a:pathLst>
+              <a:path w="447" h="1363">
+                <a:moveTo>
+                  <a:pt x="447" y="1363"/>
+                </a:moveTo>
+                <a:lnTo>
+                  <a:pt x="0" y="987"/>
+                </a:lnTo>
+                <a:lnTo>
+                  <a:pt x="0" y="0"/>
+                </a:lnTo>
+                <a:lnTo>
+                  <a:pt x="447" y="376"/>
+                </a:lnTo>
+                <a:lnTo>
+                  <a:pt x="447" y="1363"/>
+                </a:lnTo>
+                <a:close/>
+              </a:path>
+            </a:pathLst>
+          </a:custGeom>
+          <a:solidFill>
+            <a:schemeClr val="accent1">
+              <a:lumMod val="50000"/>
+            </a:schemeClr>
+          </a:solidFill>
+          <a:ln>
+            <a:noFill/>
+          </a:ln>
+        </p:spPr>
+        <p:txBody>
+          <a:bodyPr vert="horz" wrap="square" lIns="91440" tIns="45720" rIns="91440" bIns="45720" numCol="1" anchor="t" anchorCtr="0" compatLnSpc="1">
+            <a:prstTxWarp prst="textNoShape">
+              <a:avLst/>
+            </a:prstTxWarp>
+          </a:bodyPr>
+          <a:lstStyle/>
+          <a:p>
+            <a:endParaRPr lang="en-US"/>
+          </a:p>
+        </p:txBody>
+      </p:sp>
+      <p:sp>
+        <p:nvSpPr>
+          <p:cNvPr id="12" name="Freeform 46">
+            <a:extLst>
+              <a:ext uri="{FF2B5EF4-FFF2-40B4-BE49-F238E27FC236}">
+                <a16:creationId xmlns:a16="http://schemas.microsoft.com/office/drawing/2014/main" id="{2AEBC8F2-97B1-41B4-93F1-2D289E197FBA}"/>
+              </a:ext>
+              <a:ext uri="{C183D7F6-B498-43B3-948B-1728B52AA6E4}">
+                <adec:decorative xmlns:adec="http://schemas.microsoft.com/office/drawing/2017/decorative" val="1"/>
+              </a:ext>
+            </a:extLst>
+          </p:cNvPr>
+          <p:cNvSpPr>
+            <a:spLocks noGrp="1" noRot="1" noChangeAspect="1" noMove="1" noResize="1" noEditPoints="1" noAdjustHandles="1" noChangeArrowheads="1" noChangeShapeType="1" noTextEdit="1"/>
+          </p:cNvSpPr>
+          <p:nvPr>
+            <p:extLst>
+              <p:ext uri="{386F3935-93C4-4BCD-93E2-E3B085C9AB24}">
+                <p16:designElem xmlns:p16="http://schemas.microsoft.com/office/powerpoint/2015/main" val="1"/>
+              </p:ext>
+            </p:extLst>
+          </p:nvPr>
+        </p:nvSpPr>
+        <p:spPr bwMode="auto">
+          <a:xfrm>
+            <a:off x="409710" y="837744"/>
+            <a:ext cx="403225" cy="1705431"/>
+          </a:xfrm>
+          <a:custGeom>
+            <a:avLst/>
+            <a:gdLst>
+              <a:gd name="T0" fmla="*/ 254 w 254"/>
+              <a:gd name="T1" fmla="*/ 987 h 1109"/>
+              <a:gd name="T2" fmla="*/ 0 w 254"/>
+              <a:gd name="T3" fmla="*/ 1109 h 1109"/>
+              <a:gd name="T4" fmla="*/ 0 w 254"/>
+              <a:gd name="T5" fmla="*/ 119 h 1109"/>
+              <a:gd name="T6" fmla="*/ 254 w 254"/>
+              <a:gd name="T7" fmla="*/ 0 h 1109"/>
+              <a:gd name="T8" fmla="*/ 254 w 254"/>
+              <a:gd name="T9" fmla="*/ 987 h 1109"/>
+            </a:gdLst>
+            <a:ahLst/>
+            <a:cxnLst>
+              <a:cxn ang="0">
+                <a:pos x="T0" y="T1"/>
+              </a:cxn>
+              <a:cxn ang="0">
+                <a:pos x="T2" y="T3"/>
+              </a:cxn>
+              <a:cxn ang="0">
+                <a:pos x="T4" y="T5"/>
+              </a:cxn>
+              <a:cxn ang="0">
+                <a:pos x="T6" y="T7"/>
+              </a:cxn>
+              <a:cxn ang="0">
+                <a:pos x="T8" y="T9"/>
+              </a:cxn>
+            </a:cxnLst>
+            <a:rect l="0" t="0" r="r" b="b"/>
+            <a:pathLst>
+              <a:path w="254" h="1109">
+                <a:moveTo>
+                  <a:pt x="254" y="987"/>
+                </a:moveTo>
+                <a:lnTo>
+                  <a:pt x="0" y="1109"/>
+                </a:lnTo>
+                <a:lnTo>
+                  <a:pt x="0" y="119"/>
+                </a:lnTo>
+                <a:lnTo>
+                  <a:pt x="254" y="0"/>
+                </a:lnTo>
+                <a:lnTo>
+                  <a:pt x="254" y="987"/>
+                </a:lnTo>
+                <a:close/>
+              </a:path>
+            </a:pathLst>
+          </a:custGeom>
+          <a:solidFill>
+            <a:schemeClr val="accent1">
+              <a:lumMod val="75000"/>
+            </a:schemeClr>
+          </a:solidFill>
+          <a:ln>
+            <a:noFill/>
+          </a:ln>
+        </p:spPr>
+        <p:txBody>
+          <a:bodyPr vert="horz" wrap="square" lIns="91440" tIns="45720" rIns="91440" bIns="45720" numCol="1" anchor="t" anchorCtr="0" compatLnSpc="1">
+            <a:prstTxWarp prst="textNoShape">
+              <a:avLst/>
+            </a:prstTxWarp>
+          </a:bodyPr>
+          <a:lstStyle/>
+          <a:p>
+            <a:endParaRPr lang="en-US"/>
+          </a:p>
+        </p:txBody>
+      </p:sp>
+      <p:sp>
+        <p:nvSpPr>
+          <p:cNvPr id="14" name="Freeform 47">
+            <a:extLst>
+              <a:ext uri="{FF2B5EF4-FFF2-40B4-BE49-F238E27FC236}">
+                <a16:creationId xmlns:a16="http://schemas.microsoft.com/office/drawing/2014/main" id="{472E3A19-F5D5-48FC-BB9C-48C2F68F598B}"/>
+              </a:ext>
+              <a:ext uri="{C183D7F6-B498-43B3-948B-1728B52AA6E4}">
+                <adec:decorative xmlns:adec="http://schemas.microsoft.com/office/drawing/2017/decorative" val="1"/>
+              </a:ext>
+            </a:extLst>
+          </p:cNvPr>
+          <p:cNvSpPr>
+            <a:spLocks noGrp="1" noRot="1" noChangeAspect="1" noMove="1" noResize="1" noEditPoints="1" noAdjustHandles="1" noChangeArrowheads="1" noChangeShapeType="1" noTextEdit="1"/>
+          </p:cNvSpPr>
+          <p:nvPr>
+            <p:extLst>
+              <p:ext uri="{386F3935-93C4-4BCD-93E2-E3B085C9AB24}">
+                <p16:designElem xmlns:p16="http://schemas.microsoft.com/office/powerpoint/2015/main" val="1"/>
+              </p:ext>
+            </p:extLst>
+          </p:nvPr>
+        </p:nvSpPr>
+        <p:spPr bwMode="auto">
+          <a:xfrm>
+            <a:off x="644660" y="640894"/>
+            <a:ext cx="168275" cy="1713195"/>
+          </a:xfrm>
+          <a:custGeom>
+            <a:avLst/>
+            <a:gdLst>
+              <a:gd name="T0" fmla="*/ 106 w 106"/>
+              <a:gd name="T1" fmla="*/ 1114 h 1114"/>
+              <a:gd name="T2" fmla="*/ 0 w 106"/>
+              <a:gd name="T3" fmla="*/ 1005 h 1114"/>
+              <a:gd name="T4" fmla="*/ 0 w 106"/>
+              <a:gd name="T5" fmla="*/ 0 h 1114"/>
+              <a:gd name="T6" fmla="*/ 106 w 106"/>
+              <a:gd name="T7" fmla="*/ 110 h 1114"/>
+              <a:gd name="T8" fmla="*/ 106 w 106"/>
+              <a:gd name="T9" fmla="*/ 1114 h 1114"/>
+            </a:gdLst>
+            <a:ahLst/>
+            <a:cxnLst>
+              <a:cxn ang="0">
+                <a:pos x="T0" y="T1"/>
+              </a:cxn>
+              <a:cxn ang="0">
+                <a:pos x="T2" y="T3"/>
+              </a:cxn>
+              <a:cxn ang="0">
+                <a:pos x="T4" y="T5"/>
+              </a:cxn>
+              <a:cxn ang="0">
+                <a:pos x="T6" y="T7"/>
+              </a:cxn>
+              <a:cxn ang="0">
+                <a:pos x="T8" y="T9"/>
+              </a:cxn>
+            </a:cxnLst>
+            <a:rect l="0" t="0" r="r" b="b"/>
+            <a:pathLst>
+              <a:path w="106" h="1114">
+                <a:moveTo>
+                  <a:pt x="106" y="1114"/>
+                </a:moveTo>
+                <a:lnTo>
+                  <a:pt x="0" y="1005"/>
+                </a:lnTo>
+                <a:lnTo>
+                  <a:pt x="0" y="0"/>
+                </a:lnTo>
+                <a:lnTo>
+                  <a:pt x="106" y="110"/>
+                </a:lnTo>
+                <a:lnTo>
+                  <a:pt x="106" y="1114"/>
+                </a:lnTo>
+                <a:close/>
+              </a:path>
+            </a:pathLst>
+          </a:custGeom>
+          <a:solidFill>
+            <a:schemeClr val="accent1">
+              <a:lumMod val="50000"/>
+            </a:schemeClr>
+          </a:solidFill>
+          <a:ln>
+            <a:noFill/>
+          </a:ln>
+        </p:spPr>
+        <p:txBody>
+          <a:bodyPr vert="horz" wrap="square" lIns="91440" tIns="45720" rIns="91440" bIns="45720" numCol="1" anchor="t" anchorCtr="0" compatLnSpc="1">
+            <a:prstTxWarp prst="textNoShape">
+              <a:avLst/>
+            </a:prstTxWarp>
+          </a:bodyPr>
+          <a:lstStyle/>
+          <a:p>
+            <a:endParaRPr lang="en-US"/>
+          </a:p>
+        </p:txBody>
+      </p:sp>
+      <p:sp>
+        <p:nvSpPr>
+          <p:cNvPr id="16" name="Freeform 44">
+            <a:extLst>
+              <a:ext uri="{FF2B5EF4-FFF2-40B4-BE49-F238E27FC236}">
+                <a16:creationId xmlns:a16="http://schemas.microsoft.com/office/drawing/2014/main" id="{7A62E32F-BB65-43A8-8EB5-92346890E549}"/>
+              </a:ext>
+              <a:ext uri="{C183D7F6-B498-43B3-948B-1728B52AA6E4}">
+                <adec:decorative xmlns:adec="http://schemas.microsoft.com/office/drawing/2017/decorative" val="1"/>
+              </a:ext>
+            </a:extLst>
+          </p:cNvPr>
+          <p:cNvSpPr>
+            <a:spLocks noGrp="1" noRot="1" noChangeAspect="1" noMove="1" noResize="1" noEditPoints="1" noAdjustHandles="1" noChangeArrowheads="1" noChangeShapeType="1" noTextEdit="1"/>
+          </p:cNvSpPr>
+          <p:nvPr>
+            <p:extLst>
+              <p:ext uri="{386F3935-93C4-4BCD-93E2-E3B085C9AB24}">
+                <p16:designElem xmlns:p16="http://schemas.microsoft.com/office/powerpoint/2015/main" val="1"/>
+              </p:ext>
+            </p:extLst>
+          </p:nvPr>
+        </p:nvSpPr>
+        <p:spPr bwMode="auto">
+          <a:xfrm>
+            <a:off x="11223203" y="635716"/>
+            <a:ext cx="328612" cy="1742360"/>
+          </a:xfrm>
+          <a:custGeom>
+            <a:avLst/>
+            <a:gdLst>
+              <a:gd name="T0" fmla="*/ 207 w 207"/>
+              <a:gd name="T1" fmla="*/ 987 h 1114"/>
+              <a:gd name="T2" fmla="*/ 0 w 207"/>
+              <a:gd name="T3" fmla="*/ 1114 h 1114"/>
+              <a:gd name="T4" fmla="*/ 0 w 207"/>
+              <a:gd name="T5" fmla="*/ 127 h 1114"/>
+              <a:gd name="T6" fmla="*/ 207 w 207"/>
+              <a:gd name="T7" fmla="*/ 0 h 1114"/>
+              <a:gd name="T8" fmla="*/ 207 w 207"/>
+              <a:gd name="T9" fmla="*/ 987 h 1114"/>
+            </a:gdLst>
+            <a:ahLst/>
+            <a:cxnLst>
+              <a:cxn ang="0">
+                <a:pos x="T0" y="T1"/>
+              </a:cxn>
+              <a:cxn ang="0">
+                <a:pos x="T2" y="T3"/>
+              </a:cxn>
+              <a:cxn ang="0">
+                <a:pos x="T4" y="T5"/>
+              </a:cxn>
+              <a:cxn ang="0">
+                <a:pos x="T6" y="T7"/>
+              </a:cxn>
+              <a:cxn ang="0">
+                <a:pos x="T8" y="T9"/>
+              </a:cxn>
+            </a:cxnLst>
+            <a:rect l="0" t="0" r="r" b="b"/>
+            <a:pathLst>
+              <a:path w="207" h="1114">
+                <a:moveTo>
+                  <a:pt x="207" y="987"/>
+                </a:moveTo>
+                <a:lnTo>
+                  <a:pt x="0" y="1114"/>
+                </a:lnTo>
+                <a:lnTo>
+                  <a:pt x="0" y="127"/>
+                </a:lnTo>
+                <a:lnTo>
+                  <a:pt x="207" y="0"/>
+                </a:lnTo>
+                <a:lnTo>
+                  <a:pt x="207" y="987"/>
+                </a:lnTo>
+                <a:close/>
+              </a:path>
+            </a:pathLst>
+          </a:custGeom>
+          <a:solidFill>
+            <a:schemeClr val="accent1">
+              <a:lumMod val="50000"/>
+            </a:schemeClr>
+          </a:solidFill>
+          <a:ln>
+            <a:noFill/>
+          </a:ln>
+        </p:spPr>
+        <p:txBody>
+          <a:bodyPr vert="horz" wrap="square" lIns="91440" tIns="45720" rIns="91440" bIns="45720" numCol="1" anchor="t" anchorCtr="0" compatLnSpc="1">
+            <a:prstTxWarp prst="textNoShape">
+              <a:avLst/>
+            </a:prstTxWarp>
+          </a:bodyPr>
+          <a:lstStyle/>
+          <a:p>
+            <a:endParaRPr lang="en-US"/>
+          </a:p>
+        </p:txBody>
+      </p:sp>
+      <p:sp>
+        <p:nvSpPr>
+          <p:cNvPr id="18" name="Rectangle 17">
+            <a:extLst>
+              <a:ext uri="{FF2B5EF4-FFF2-40B4-BE49-F238E27FC236}">
+                <a16:creationId xmlns:a16="http://schemas.microsoft.com/office/drawing/2014/main" id="{14E91B64-9FCC-451E-AFB4-A827D6329367}"/>
+              </a:ext>
+              <a:ext uri="{C183D7F6-B498-43B3-948B-1728B52AA6E4}">
+                <adec:decorative xmlns:adec="http://schemas.microsoft.com/office/drawing/2017/decorative" val="1"/>
+              </a:ext>
+            </a:extLst>
+          </p:cNvPr>
+          <p:cNvSpPr>
+            <a:spLocks noGrp="1" noRot="1" noChangeAspect="1" noMove="1" noResize="1" noEditPoints="1" noAdjustHandles="1" noChangeArrowheads="1" noChangeShapeType="1" noTextEdit="1"/>
+          </p:cNvSpPr>
+          <p:nvPr>
+            <p:extLst>
+              <p:ext uri="{386F3935-93C4-4BCD-93E2-E3B085C9AB24}">
+                <p16:designElem xmlns:p16="http://schemas.microsoft.com/office/powerpoint/2015/main" val="1"/>
+              </p:ext>
+            </p:extLst>
+          </p:nvPr>
+        </p:nvSpPr>
+        <p:spPr bwMode="auto">
+          <a:xfrm>
+            <a:off x="644055" y="635715"/>
+            <a:ext cx="10907863" cy="1541457"/>
           </a:xfrm>
           <a:prstGeom prst="rect">
             <a:avLst/>
           </a:prstGeom>
-          <a:noFill/>
+          <a:solidFill>
+            <a:schemeClr val="accent1"/>
+          </a:solidFill>
+          <a:ln>
+            <a:noFill/>
+          </a:ln>
         </p:spPr>
         <p:txBody>
-          <a:bodyPr wrap="square" rtlCol="0">
-            <a:spAutoFit/>
+          <a:bodyPr vert="horz" wrap="square" lIns="91440" tIns="45720" rIns="91440" bIns="45720" numCol="1" anchor="t" anchorCtr="0" compatLnSpc="1">
+            <a:prstTxWarp prst="textNoShape">
+              <a:avLst/>
+            </a:prstTxWarp>
           </a:bodyPr>
           <a:lstStyle/>
           <a:p>
-            <a:r>
-              <a:rPr lang="en-US" sz="800" dirty="0"/>
-              <a:t>https://www.g2.com/categories/natural-language-processing-nlp</a:t>
+            <a:endParaRPr lang="en-US"/>
+          </a:p>
+        </p:txBody>
+      </p:sp>
+      <p:sp>
+        <p:nvSpPr>
+          <p:cNvPr id="2" name="Title 1">
+            <a:extLst>
+              <a:ext uri="{FF2B5EF4-FFF2-40B4-BE49-F238E27FC236}">
+                <a16:creationId xmlns:a16="http://schemas.microsoft.com/office/drawing/2014/main" id="{06E8B044-5C59-4C08-A0A2-9318E9D7CB1F}"/>
+              </a:ext>
+            </a:extLst>
+          </p:cNvPr>
+          <p:cNvSpPr>
+            <a:spLocks noGrp="1"/>
+          </p:cNvSpPr>
+          <p:nvPr>
+            <p:ph type="title"/>
+          </p:nvPr>
+        </p:nvSpPr>
+        <p:spPr>
+          <a:xfrm>
+            <a:off x="958506" y="800392"/>
+            <a:ext cx="10264697" cy="1212102"/>
+          </a:xfrm>
+        </p:spPr>
+        <p:txBody>
+          <a:bodyPr>
+            <a:normAutofit/>
+          </a:bodyPr>
+          <a:lstStyle/>
+          <a:p>
+            <a:r>
+              <a:rPr lang="en-US" sz="4000">
+                <a:solidFill>
+                  <a:srgbClr val="FFFFFF"/>
+                </a:solidFill>
+              </a:rPr>
+              <a:t>What is Reverse Mad Libs?</a:t>
+            </a:r>
+          </a:p>
+        </p:txBody>
+      </p:sp>
+      <p:sp>
+        <p:nvSpPr>
+          <p:cNvPr id="3" name="Content Placeholder 2">
+            <a:extLst>
+              <a:ext uri="{FF2B5EF4-FFF2-40B4-BE49-F238E27FC236}">
+                <a16:creationId xmlns:a16="http://schemas.microsoft.com/office/drawing/2014/main" id="{4D0BA02D-096C-43AD-BD3C-DB87077A7F5B}"/>
+              </a:ext>
+            </a:extLst>
+          </p:cNvPr>
+          <p:cNvSpPr>
+            <a:spLocks noGrp="1"/>
+          </p:cNvSpPr>
+          <p:nvPr>
+            <p:ph idx="1"/>
+          </p:nvPr>
+        </p:nvSpPr>
+        <p:spPr>
+          <a:xfrm>
+            <a:off x="1367624" y="2490436"/>
+            <a:ext cx="9708995" cy="3567173"/>
+          </a:xfrm>
+        </p:spPr>
+        <p:txBody>
+          <a:bodyPr anchor="ctr">
+            <a:normAutofit/>
+          </a:bodyPr>
+          <a:lstStyle/>
+          <a:p>
+            <a:r>
+              <a:rPr lang="en-US" sz="2400" dirty="0"/>
+              <a:t>A twist on the popular game</a:t>
+            </a:r>
+          </a:p>
+          <a:p>
+            <a:r>
+              <a:rPr lang="en-US" sz="2400" dirty="0"/>
+              <a:t>Player one is asked for a list of arbitrary words</a:t>
+            </a:r>
+          </a:p>
+          <a:p>
+            <a:r>
+              <a:rPr lang="en-US" sz="2400" dirty="0"/>
+              <a:t>Player two inserts the words into a story</a:t>
+            </a:r>
+          </a:p>
+          <a:p>
+            <a:r>
+              <a:rPr lang="en-US" sz="2400" dirty="0"/>
+              <a:t>Player one typically does not see the story until the words are filled in</a:t>
+            </a:r>
+          </a:p>
+          <a:p>
+            <a:r>
+              <a:rPr lang="en-US" sz="2400" dirty="0"/>
+              <a:t>Machine uses NLP Algorithms to predict the missing words</a:t>
             </a:r>
           </a:p>
         </p:txBody>
@@ -9517,7 +9314,7 @@
     </p:spTree>
     <p:extLst>
       <p:ext uri="{BB962C8B-B14F-4D97-AF65-F5344CB8AC3E}">
-        <p14:creationId xmlns:p14="http://schemas.microsoft.com/office/powerpoint/2010/main" val="2098252257"/>
+        <p14:creationId xmlns:p14="http://schemas.microsoft.com/office/powerpoint/2010/main" val="1691009008"/>
       </p:ext>
     </p:extLst>
   </p:cSld>
@@ -9527,7 +9324,612 @@
 </p:sld>
 </file>
 
-<file path=ppt/slides/slide18.xml><?xml version="1.0" encoding="utf-8"?>
+<file path=ppt/slides/slide14.xml><?xml version="1.0" encoding="utf-8"?>
+<p:sld xmlns:a="http://schemas.openxmlformats.org/drawingml/2006/main" xmlns:r="http://schemas.openxmlformats.org/officeDocument/2006/relationships" xmlns:p="http://schemas.openxmlformats.org/presentationml/2006/main">
+  <p:cSld>
+    <p:bg>
+      <p:bgPr>
+        <a:solidFill>
+          <a:srgbClr val="007A4C"/>
+        </a:solidFill>
+        <a:effectLst/>
+      </p:bgPr>
+    </p:bg>
+    <p:spTree>
+      <p:nvGrpSpPr>
+        <p:cNvPr id="1" name=""/>
+        <p:cNvGrpSpPr/>
+        <p:nvPr/>
+      </p:nvGrpSpPr>
+      <p:grpSpPr>
+        <a:xfrm>
+          <a:off x="0" y="0"/>
+          <a:ext cx="0" cy="0"/>
+          <a:chOff x="0" y="0"/>
+          <a:chExt cx="0" cy="0"/>
+        </a:xfrm>
+      </p:grpSpPr>
+      <p:sp useBgFill="1">
+        <p:nvSpPr>
+          <p:cNvPr id="42" name="Rectangle 41">
+            <a:extLst>
+              <a:ext uri="{FF2B5EF4-FFF2-40B4-BE49-F238E27FC236}">
+                <a16:creationId xmlns:a16="http://schemas.microsoft.com/office/drawing/2014/main" id="{3EEB8ED6-9142-4A11-B029-18DDE98C4952}"/>
+              </a:ext>
+              <a:ext uri="{C183D7F6-B498-43B3-948B-1728B52AA6E4}">
+                <adec:decorative xmlns:adec="http://schemas.microsoft.com/office/drawing/2017/decorative" val="1"/>
+              </a:ext>
+            </a:extLst>
+          </p:cNvPr>
+          <p:cNvSpPr>
+            <a:spLocks noGrp="1" noRot="1" noChangeAspect="1" noMove="1" noResize="1" noEditPoints="1" noAdjustHandles="1" noChangeArrowheads="1" noChangeShapeType="1" noTextEdit="1"/>
+          </p:cNvSpPr>
+          <p:nvPr>
+            <p:extLst>
+              <p:ext uri="{386F3935-93C4-4BCD-93E2-E3B085C9AB24}">
+                <p16:designElem xmlns:p16="http://schemas.microsoft.com/office/powerpoint/2015/main" val="1"/>
+              </p:ext>
+            </p:extLst>
+          </p:nvPr>
+        </p:nvSpPr>
+        <p:spPr>
+          <a:xfrm>
+            <a:off x="-1" y="0"/>
+            <a:ext cx="12188952" cy="6858000"/>
+          </a:xfrm>
+          <a:prstGeom prst="rect">
+            <a:avLst/>
+          </a:prstGeom>
+          <a:ln>
+            <a:noFill/>
+          </a:ln>
+        </p:spPr>
+        <p:style>
+          <a:lnRef idx="2">
+            <a:schemeClr val="accent1">
+              <a:shade val="50000"/>
+            </a:schemeClr>
+          </a:lnRef>
+          <a:fillRef idx="1">
+            <a:schemeClr val="accent1"/>
+          </a:fillRef>
+          <a:effectRef idx="0">
+            <a:schemeClr val="accent1"/>
+          </a:effectRef>
+          <a:fontRef idx="minor">
+            <a:schemeClr val="lt1"/>
+          </a:fontRef>
+        </p:style>
+        <p:txBody>
+          <a:bodyPr rtlCol="0" anchor="ctr"/>
+          <a:lstStyle/>
+          <a:p>
+            <a:pPr algn="ctr"/>
+            <a:endParaRPr lang="en-US"/>
+          </a:p>
+        </p:txBody>
+      </p:sp>
+      <p:sp>
+        <p:nvSpPr>
+          <p:cNvPr id="2" name="Title 1">
+            <a:extLst>
+              <a:ext uri="{FF2B5EF4-FFF2-40B4-BE49-F238E27FC236}">
+                <a16:creationId xmlns:a16="http://schemas.microsoft.com/office/drawing/2014/main" id="{C7717087-26BC-4BAE-BBC4-0D930E4FE13D}"/>
+              </a:ext>
+            </a:extLst>
+          </p:cNvPr>
+          <p:cNvSpPr>
+            <a:spLocks noGrp="1"/>
+          </p:cNvSpPr>
+          <p:nvPr>
+            <p:ph type="title"/>
+          </p:nvPr>
+        </p:nvSpPr>
+        <p:spPr>
+          <a:xfrm>
+            <a:off x="838200" y="365126"/>
+            <a:ext cx="10515600" cy="1288784"/>
+          </a:xfrm>
+        </p:spPr>
+        <p:txBody>
+          <a:bodyPr vert="horz" lIns="91440" tIns="45720" rIns="91440" bIns="45720" rtlCol="0">
+            <a:normAutofit/>
+          </a:bodyPr>
+          <a:lstStyle/>
+          <a:p>
+            <a:pPr algn="ctr"/>
+            <a:r>
+              <a:rPr lang="en-US" sz="4000" dirty="0">
+                <a:solidFill>
+                  <a:schemeClr val="bg1"/>
+                </a:solidFill>
+              </a:rPr>
+              <a:t>Reverse Mad Libs Application</a:t>
+            </a:r>
+          </a:p>
+        </p:txBody>
+      </p:sp>
+      <p:cxnSp>
+        <p:nvCxnSpPr>
+          <p:cNvPr id="7" name="Straight Arrow Connector 6">
+            <a:extLst>
+              <a:ext uri="{FF2B5EF4-FFF2-40B4-BE49-F238E27FC236}">
+                <a16:creationId xmlns:a16="http://schemas.microsoft.com/office/drawing/2014/main" id="{779C2375-D2F2-4E15-9866-04EB95519975}"/>
+              </a:ext>
+            </a:extLst>
+          </p:cNvPr>
+          <p:cNvCxnSpPr/>
+          <p:nvPr/>
+        </p:nvCxnSpPr>
+        <p:spPr>
+          <a:xfrm>
+            <a:off x="2011680" y="2312126"/>
+            <a:ext cx="862149" cy="0"/>
+          </a:xfrm>
+          <a:prstGeom prst="straightConnector1">
+            <a:avLst/>
+          </a:prstGeom>
+          <a:ln w="28575">
+            <a:solidFill>
+              <a:schemeClr val="bg1"/>
+            </a:solidFill>
+            <a:tailEnd type="triangle"/>
+          </a:ln>
+        </p:spPr>
+        <p:style>
+          <a:lnRef idx="1">
+            <a:schemeClr val="accent1"/>
+          </a:lnRef>
+          <a:fillRef idx="0">
+            <a:schemeClr val="accent1"/>
+          </a:fillRef>
+          <a:effectRef idx="0">
+            <a:schemeClr val="accent1"/>
+          </a:effectRef>
+          <a:fontRef idx="minor">
+            <a:schemeClr val="tx1"/>
+          </a:fontRef>
+        </p:style>
+      </p:cxnSp>
+      <p:cxnSp>
+        <p:nvCxnSpPr>
+          <p:cNvPr id="37" name="Straight Arrow Connector 36">
+            <a:extLst>
+              <a:ext uri="{FF2B5EF4-FFF2-40B4-BE49-F238E27FC236}">
+                <a16:creationId xmlns:a16="http://schemas.microsoft.com/office/drawing/2014/main" id="{85DAF210-17E9-4DF5-B6C8-973C981F89B0}"/>
+              </a:ext>
+            </a:extLst>
+          </p:cNvPr>
+          <p:cNvCxnSpPr/>
+          <p:nvPr/>
+        </p:nvCxnSpPr>
+        <p:spPr>
+          <a:xfrm>
+            <a:off x="1961128" y="3833424"/>
+            <a:ext cx="862149" cy="0"/>
+          </a:xfrm>
+          <a:prstGeom prst="straightConnector1">
+            <a:avLst/>
+          </a:prstGeom>
+          <a:ln w="28575">
+            <a:solidFill>
+              <a:schemeClr val="bg1"/>
+            </a:solidFill>
+            <a:tailEnd type="triangle"/>
+          </a:ln>
+        </p:spPr>
+        <p:style>
+          <a:lnRef idx="1">
+            <a:schemeClr val="accent1"/>
+          </a:lnRef>
+          <a:fillRef idx="0">
+            <a:schemeClr val="accent1"/>
+          </a:fillRef>
+          <a:effectRef idx="0">
+            <a:schemeClr val="accent1"/>
+          </a:effectRef>
+          <a:fontRef idx="minor">
+            <a:schemeClr val="tx1"/>
+          </a:fontRef>
+        </p:style>
+      </p:cxnSp>
+      <p:cxnSp>
+        <p:nvCxnSpPr>
+          <p:cNvPr id="38" name="Straight Arrow Connector 37">
+            <a:extLst>
+              <a:ext uri="{FF2B5EF4-FFF2-40B4-BE49-F238E27FC236}">
+                <a16:creationId xmlns:a16="http://schemas.microsoft.com/office/drawing/2014/main" id="{A0439E7E-33A3-4B31-9A6D-8E785A8045E6}"/>
+              </a:ext>
+            </a:extLst>
+          </p:cNvPr>
+          <p:cNvCxnSpPr/>
+          <p:nvPr/>
+        </p:nvCxnSpPr>
+        <p:spPr>
+          <a:xfrm>
+            <a:off x="1961128" y="6019774"/>
+            <a:ext cx="862149" cy="0"/>
+          </a:xfrm>
+          <a:prstGeom prst="straightConnector1">
+            <a:avLst/>
+          </a:prstGeom>
+          <a:ln w="28575">
+            <a:solidFill>
+              <a:schemeClr val="bg1"/>
+            </a:solidFill>
+            <a:tailEnd type="triangle"/>
+          </a:ln>
+        </p:spPr>
+        <p:style>
+          <a:lnRef idx="1">
+            <a:schemeClr val="accent1"/>
+          </a:lnRef>
+          <a:fillRef idx="0">
+            <a:schemeClr val="accent1"/>
+          </a:fillRef>
+          <a:effectRef idx="0">
+            <a:schemeClr val="accent1"/>
+          </a:effectRef>
+          <a:fontRef idx="minor">
+            <a:schemeClr val="tx1"/>
+          </a:fontRef>
+        </p:style>
+      </p:cxnSp>
+      <p:cxnSp>
+        <p:nvCxnSpPr>
+          <p:cNvPr id="40" name="Straight Arrow Connector 39">
+            <a:extLst>
+              <a:ext uri="{FF2B5EF4-FFF2-40B4-BE49-F238E27FC236}">
+                <a16:creationId xmlns:a16="http://schemas.microsoft.com/office/drawing/2014/main" id="{E9C05BC5-398A-47CC-B2C2-02F768F32501}"/>
+              </a:ext>
+            </a:extLst>
+          </p:cNvPr>
+          <p:cNvCxnSpPr>
+            <a:cxnSpLocks/>
+          </p:cNvCxnSpPr>
+          <p:nvPr/>
+        </p:nvCxnSpPr>
+        <p:spPr>
+          <a:xfrm flipH="1">
+            <a:off x="9348725" y="3833424"/>
+            <a:ext cx="929646" cy="0"/>
+          </a:xfrm>
+          <a:prstGeom prst="straightConnector1">
+            <a:avLst/>
+          </a:prstGeom>
+          <a:ln w="28575">
+            <a:solidFill>
+              <a:schemeClr val="bg1"/>
+            </a:solidFill>
+            <a:tailEnd type="triangle"/>
+          </a:ln>
+        </p:spPr>
+        <p:style>
+          <a:lnRef idx="1">
+            <a:schemeClr val="accent1"/>
+          </a:lnRef>
+          <a:fillRef idx="0">
+            <a:schemeClr val="accent1"/>
+          </a:fillRef>
+          <a:effectRef idx="0">
+            <a:schemeClr val="accent1"/>
+          </a:effectRef>
+          <a:fontRef idx="minor">
+            <a:schemeClr val="tx1"/>
+          </a:fontRef>
+        </p:style>
+      </p:cxnSp>
+      <p:cxnSp>
+        <p:nvCxnSpPr>
+          <p:cNvPr id="41" name="Straight Arrow Connector 40">
+            <a:extLst>
+              <a:ext uri="{FF2B5EF4-FFF2-40B4-BE49-F238E27FC236}">
+                <a16:creationId xmlns:a16="http://schemas.microsoft.com/office/drawing/2014/main" id="{5D359D27-378C-4154-9F87-E9D953A71915}"/>
+              </a:ext>
+            </a:extLst>
+          </p:cNvPr>
+          <p:cNvCxnSpPr>
+            <a:cxnSpLocks/>
+          </p:cNvCxnSpPr>
+          <p:nvPr/>
+        </p:nvCxnSpPr>
+        <p:spPr>
+          <a:xfrm flipH="1">
+            <a:off x="9348725" y="5960950"/>
+            <a:ext cx="929646" cy="0"/>
+          </a:xfrm>
+          <a:prstGeom prst="straightConnector1">
+            <a:avLst/>
+          </a:prstGeom>
+          <a:ln w="28575">
+            <a:solidFill>
+              <a:schemeClr val="bg1"/>
+            </a:solidFill>
+            <a:tailEnd type="triangle"/>
+          </a:ln>
+        </p:spPr>
+        <p:style>
+          <a:lnRef idx="1">
+            <a:schemeClr val="accent1"/>
+          </a:lnRef>
+          <a:fillRef idx="0">
+            <a:schemeClr val="accent1"/>
+          </a:fillRef>
+          <a:effectRef idx="0">
+            <a:schemeClr val="accent1"/>
+          </a:effectRef>
+          <a:fontRef idx="minor">
+            <a:schemeClr val="tx1"/>
+          </a:fontRef>
+        </p:style>
+      </p:cxnSp>
+      <p:pic>
+        <p:nvPicPr>
+          <p:cNvPr id="44" name="Picture 43" descr="A picture containing drawing&#10;&#10;Description automatically generated">
+            <a:extLst>
+              <a:ext uri="{FF2B5EF4-FFF2-40B4-BE49-F238E27FC236}">
+                <a16:creationId xmlns:a16="http://schemas.microsoft.com/office/drawing/2014/main" id="{5DA931D8-FA45-4674-B9F9-02E35F044A17}"/>
+              </a:ext>
+            </a:extLst>
+          </p:cNvPr>
+          <p:cNvPicPr>
+            <a:picLocks noChangeAspect="1"/>
+          </p:cNvPicPr>
+          <p:nvPr/>
+        </p:nvPicPr>
+        <p:blipFill>
+          <a:blip r:embed="rId3">
+            <a:extLst>
+              <a:ext uri="{28A0092B-C50C-407E-A947-70E740481C1C}">
+                <a14:useLocalDpi xmlns:a14="http://schemas.microsoft.com/office/drawing/2010/main" val="0"/>
+              </a:ext>
+            </a:extLst>
+          </a:blip>
+          <a:stretch>
+            <a:fillRect/>
+          </a:stretch>
+        </p:blipFill>
+        <p:spPr>
+          <a:xfrm>
+            <a:off x="300919" y="53556"/>
+            <a:ext cx="1417001" cy="2258570"/>
+          </a:xfrm>
+          <a:prstGeom prst="rect">
+            <a:avLst/>
+          </a:prstGeom>
+        </p:spPr>
+      </p:pic>
+      <p:sp>
+        <p:nvSpPr>
+          <p:cNvPr id="45" name="TextBox 44">
+            <a:extLst>
+              <a:ext uri="{FF2B5EF4-FFF2-40B4-BE49-F238E27FC236}">
+                <a16:creationId xmlns:a16="http://schemas.microsoft.com/office/drawing/2014/main" id="{E8D22FF0-B24D-4A7D-B7E4-93AAEE43BCA8}"/>
+              </a:ext>
+            </a:extLst>
+          </p:cNvPr>
+          <p:cNvSpPr txBox="1"/>
+          <p:nvPr/>
+        </p:nvSpPr>
+        <p:spPr>
+          <a:xfrm>
+            <a:off x="299393" y="6404004"/>
+            <a:ext cx="5795081" cy="215444"/>
+          </a:xfrm>
+          <a:prstGeom prst="rect">
+            <a:avLst/>
+          </a:prstGeom>
+          <a:noFill/>
+        </p:spPr>
+        <p:txBody>
+          <a:bodyPr wrap="square" rtlCol="0">
+            <a:spAutoFit/>
+          </a:bodyPr>
+          <a:lstStyle/>
+          <a:p>
+            <a:r>
+              <a:rPr lang="en-US" sz="800" dirty="0">
+                <a:solidFill>
+                  <a:schemeClr val="bg1"/>
+                </a:solidFill>
+              </a:rPr>
+              <a:t>https://www.amazon.com/Original-1-Mad-Libs/dp/0843100559</a:t>
+            </a:r>
+          </a:p>
+        </p:txBody>
+      </p:sp>
+      <p:pic>
+        <p:nvPicPr>
+          <p:cNvPr id="4" name="Picture 3" descr="A screenshot of a cell phone&#10;&#10;Description automatically generated">
+            <a:extLst>
+              <a:ext uri="{FF2B5EF4-FFF2-40B4-BE49-F238E27FC236}">
+                <a16:creationId xmlns:a16="http://schemas.microsoft.com/office/drawing/2014/main" id="{5E605B40-1239-4E1C-9C60-5B684453983F}"/>
+              </a:ext>
+            </a:extLst>
+          </p:cNvPr>
+          <p:cNvPicPr>
+            <a:picLocks noChangeAspect="1"/>
+          </p:cNvPicPr>
+          <p:nvPr/>
+        </p:nvPicPr>
+        <p:blipFill>
+          <a:blip r:embed="rId4">
+            <a:extLst>
+              <a:ext uri="{28A0092B-C50C-407E-A947-70E740481C1C}">
+                <a14:useLocalDpi xmlns:a14="http://schemas.microsoft.com/office/drawing/2010/main" val="0"/>
+              </a:ext>
+            </a:extLst>
+          </a:blip>
+          <a:stretch>
+            <a:fillRect/>
+          </a:stretch>
+        </p:blipFill>
+        <p:spPr>
+          <a:xfrm>
+            <a:off x="2537588" y="1361293"/>
+            <a:ext cx="7113772" cy="5335329"/>
+          </a:xfrm>
+          <a:prstGeom prst="rect">
+            <a:avLst/>
+          </a:prstGeom>
+        </p:spPr>
+      </p:pic>
+    </p:spTree>
+    <p:extLst>
+      <p:ext uri="{BB962C8B-B14F-4D97-AF65-F5344CB8AC3E}">
+        <p14:creationId xmlns:p14="http://schemas.microsoft.com/office/powerpoint/2010/main" val="2181052307"/>
+      </p:ext>
+    </p:extLst>
+  </p:cSld>
+  <p:clrMapOvr>
+    <a:masterClrMapping/>
+  </p:clrMapOvr>
+</p:sld>
+</file>
+
+<file path=ppt/slides/slide15.xml><?xml version="1.0" encoding="utf-8"?>
+<p:sld xmlns:a="http://schemas.openxmlformats.org/drawingml/2006/main" xmlns:r="http://schemas.openxmlformats.org/officeDocument/2006/relationships" xmlns:p="http://schemas.openxmlformats.org/presentationml/2006/main">
+  <p:cSld>
+    <p:bg>
+      <p:bgPr>
+        <a:solidFill>
+          <a:schemeClr val="bg2"/>
+        </a:solidFill>
+        <a:effectLst/>
+      </p:bgPr>
+    </p:bg>
+    <p:spTree>
+      <p:nvGrpSpPr>
+        <p:cNvPr id="1" name=""/>
+        <p:cNvGrpSpPr/>
+        <p:nvPr/>
+      </p:nvGrpSpPr>
+      <p:grpSpPr>
+        <a:xfrm>
+          <a:off x="0" y="0"/>
+          <a:ext cx="0" cy="0"/>
+          <a:chOff x="0" y="0"/>
+          <a:chExt cx="0" cy="0"/>
+        </a:xfrm>
+      </p:grpSpPr>
+      <p:pic>
+        <p:nvPicPr>
+          <p:cNvPr id="6" name="Picture 5">
+            <a:extLst>
+              <a:ext uri="{FF2B5EF4-FFF2-40B4-BE49-F238E27FC236}">
+                <a16:creationId xmlns:a16="http://schemas.microsoft.com/office/drawing/2014/main" id="{DB0C7658-63E9-444B-B8FD-E673B3FD3D61}"/>
+              </a:ext>
+            </a:extLst>
+          </p:cNvPr>
+          <p:cNvPicPr>
+            <a:picLocks noChangeAspect="1"/>
+          </p:cNvPicPr>
+          <p:nvPr/>
+        </p:nvPicPr>
+        <p:blipFill rotWithShape="1">
+          <a:blip r:embed="rId3">
+            <a:duotone>
+              <a:prstClr val="black"/>
+              <a:schemeClr val="tx2">
+                <a:tint val="45000"/>
+                <a:satMod val="400000"/>
+              </a:schemeClr>
+            </a:duotone>
+            <a:alphaModFix amt="25000"/>
+          </a:blip>
+          <a:srcRect t="3433"/>
+          <a:stretch/>
+        </p:blipFill>
+        <p:spPr>
+          <a:xfrm>
+            <a:off x="20" y="10"/>
+            <a:ext cx="12191981" cy="6857990"/>
+          </a:xfrm>
+          <a:prstGeom prst="rect">
+            <a:avLst/>
+          </a:prstGeom>
+        </p:spPr>
+      </p:pic>
+      <p:sp>
+        <p:nvSpPr>
+          <p:cNvPr id="2" name="Title 1">
+            <a:extLst>
+              <a:ext uri="{FF2B5EF4-FFF2-40B4-BE49-F238E27FC236}">
+                <a16:creationId xmlns:a16="http://schemas.microsoft.com/office/drawing/2014/main" id="{59F44B97-4E1A-4B8B-BAA1-18995152F2A6}"/>
+              </a:ext>
+            </a:extLst>
+          </p:cNvPr>
+          <p:cNvSpPr>
+            <a:spLocks noGrp="1"/>
+          </p:cNvSpPr>
+          <p:nvPr>
+            <p:ph type="title"/>
+          </p:nvPr>
+        </p:nvSpPr>
+        <p:spPr>
+          <a:xfrm>
+            <a:off x="838200" y="365125"/>
+            <a:ext cx="10515600" cy="1325563"/>
+          </a:xfrm>
+        </p:spPr>
+        <p:txBody>
+          <a:bodyPr>
+            <a:normAutofit/>
+          </a:bodyPr>
+          <a:lstStyle/>
+          <a:p>
+            <a:r>
+              <a:rPr lang="en-US"/>
+              <a:t>Project Resources</a:t>
+            </a:r>
+          </a:p>
+        </p:txBody>
+      </p:sp>
+      <p:graphicFrame>
+        <p:nvGraphicFramePr>
+          <p:cNvPr id="5" name="Content Placeholder 2">
+            <a:extLst>
+              <a:ext uri="{FF2B5EF4-FFF2-40B4-BE49-F238E27FC236}">
+                <a16:creationId xmlns:a16="http://schemas.microsoft.com/office/drawing/2014/main" id="{DA53EBB4-2AED-4EA2-B2B2-BB59BB72E530}"/>
+              </a:ext>
+            </a:extLst>
+          </p:cNvPr>
+          <p:cNvGraphicFramePr>
+            <a:graphicFrameLocks noGrp="1"/>
+          </p:cNvGraphicFramePr>
+          <p:nvPr>
+            <p:ph idx="1"/>
+            <p:extLst>
+              <p:ext uri="{D42A27DB-BD31-4B8C-83A1-F6EECF244321}">
+                <p14:modId xmlns:p14="http://schemas.microsoft.com/office/powerpoint/2010/main" val="2292372491"/>
+              </p:ext>
+            </p:extLst>
+          </p:nvPr>
+        </p:nvGraphicFramePr>
+        <p:xfrm>
+          <a:off x="838200" y="1825625"/>
+          <a:ext cx="10515600" cy="4351338"/>
+        </p:xfrm>
+        <a:graphic>
+          <a:graphicData uri="http://schemas.openxmlformats.org/drawingml/2006/diagram">
+            <dgm:relIds xmlns:dgm="http://schemas.openxmlformats.org/drawingml/2006/diagram" xmlns:r="http://schemas.openxmlformats.org/officeDocument/2006/relationships" r:dm="rId4" r:lo="rId5" r:qs="rId6" r:cs="rId7"/>
+          </a:graphicData>
+        </a:graphic>
+      </p:graphicFrame>
+    </p:spTree>
+    <p:extLst>
+      <p:ext uri="{BB962C8B-B14F-4D97-AF65-F5344CB8AC3E}">
+        <p14:creationId xmlns:p14="http://schemas.microsoft.com/office/powerpoint/2010/main" val="2261242050"/>
+      </p:ext>
+    </p:extLst>
+  </p:cSld>
+  <p:clrMapOvr>
+    <a:overrideClrMapping bg1="dk1" tx1="lt1" bg2="dk2" tx2="lt2" accent1="accent1" accent2="accent2" accent3="accent3" accent4="accent4" accent5="accent5" accent6="accent6" hlink="hlink" folHlink="folHlink"/>
+  </p:clrMapOvr>
+</p:sld>
+</file>
+
+<file path=ppt/slides/slide16.xml><?xml version="1.0" encoding="utf-8"?>
 <p:sld xmlns:a="http://schemas.openxmlformats.org/drawingml/2006/main" xmlns:r="http://schemas.openxmlformats.org/officeDocument/2006/relationships" xmlns:p="http://schemas.openxmlformats.org/presentationml/2006/main">
   <p:cSld>
     <p:bg>
@@ -9747,6 +10149,352 @@
           <p:cNvPr id="2" name="Title 1">
             <a:extLst>
               <a:ext uri="{FF2B5EF4-FFF2-40B4-BE49-F238E27FC236}">
+                <a16:creationId xmlns:a16="http://schemas.microsoft.com/office/drawing/2014/main" id="{6FFCABAB-2980-4306-A7D1-73973FA0E651}"/>
+              </a:ext>
+            </a:extLst>
+          </p:cNvPr>
+          <p:cNvSpPr>
+            <a:spLocks noGrp="1"/>
+          </p:cNvSpPr>
+          <p:nvPr>
+            <p:ph type="title"/>
+          </p:nvPr>
+        </p:nvSpPr>
+        <p:spPr>
+          <a:xfrm>
+            <a:off x="640079" y="2053641"/>
+            <a:ext cx="3669161" cy="2760098"/>
+          </a:xfrm>
+        </p:spPr>
+        <p:txBody>
+          <a:bodyPr>
+            <a:normAutofit/>
+          </a:bodyPr>
+          <a:lstStyle/>
+          <a:p>
+            <a:r>
+              <a:rPr lang="en-US">
+                <a:solidFill>
+                  <a:srgbClr val="FFFFFF"/>
+                </a:solidFill>
+              </a:rPr>
+              <a:t>Improvements to the Application</a:t>
+            </a:r>
+          </a:p>
+        </p:txBody>
+      </p:sp>
+      <p:sp>
+        <p:nvSpPr>
+          <p:cNvPr id="40" name="Content Placeholder 2">
+            <a:extLst>
+              <a:ext uri="{FF2B5EF4-FFF2-40B4-BE49-F238E27FC236}">
+                <a16:creationId xmlns:a16="http://schemas.microsoft.com/office/drawing/2014/main" id="{C39B1D22-6AE8-4DE4-A721-A5ACFBFEC3C0}"/>
+              </a:ext>
+            </a:extLst>
+          </p:cNvPr>
+          <p:cNvSpPr>
+            <a:spLocks noGrp="1"/>
+          </p:cNvSpPr>
+          <p:nvPr>
+            <p:ph idx="1"/>
+          </p:nvPr>
+        </p:nvSpPr>
+        <p:spPr>
+          <a:xfrm>
+            <a:off x="6090574" y="801866"/>
+            <a:ext cx="5306084" cy="5230634"/>
+          </a:xfrm>
+        </p:spPr>
+        <p:txBody>
+          <a:bodyPr anchor="ctr">
+            <a:normAutofit/>
+          </a:bodyPr>
+          <a:lstStyle/>
+          <a:p>
+            <a:r>
+              <a:rPr lang="en-US" sz="2400" dirty="0">
+                <a:solidFill>
+                  <a:srgbClr val="000000"/>
+                </a:solidFill>
+              </a:rPr>
+              <a:t>Make substitution words more discernable</a:t>
+            </a:r>
+          </a:p>
+          <a:p>
+            <a:r>
+              <a:rPr lang="en-US" sz="2400" dirty="0">
+                <a:solidFill>
+                  <a:srgbClr val="000000"/>
+                </a:solidFill>
+              </a:rPr>
+              <a:t>Allow the user to select stories from a local file system</a:t>
+            </a:r>
+          </a:p>
+          <a:p>
+            <a:r>
+              <a:rPr lang="en-US" sz="2400" dirty="0">
+                <a:solidFill>
+                  <a:srgbClr val="000000"/>
+                </a:solidFill>
+              </a:rPr>
+              <a:t>Allow the user to edit the input text file</a:t>
+            </a:r>
+          </a:p>
+          <a:p>
+            <a:r>
+              <a:rPr lang="en-US" sz="2400" dirty="0">
+                <a:solidFill>
+                  <a:srgbClr val="000000"/>
+                </a:solidFill>
+              </a:rPr>
+              <a:t>Provide a ‘Prepare” routine that randomly selects substitution locations</a:t>
+            </a:r>
+          </a:p>
+          <a:p>
+            <a:r>
+              <a:rPr lang="en-US" sz="2400" dirty="0">
+                <a:solidFill>
+                  <a:srgbClr val="000000"/>
+                </a:solidFill>
+              </a:rPr>
+              <a:t>Investigate using a more robust trained dataset </a:t>
+            </a:r>
+          </a:p>
+        </p:txBody>
+      </p:sp>
+    </p:spTree>
+    <p:extLst>
+      <p:ext uri="{BB962C8B-B14F-4D97-AF65-F5344CB8AC3E}">
+        <p14:creationId xmlns:p14="http://schemas.microsoft.com/office/powerpoint/2010/main" val="2076312377"/>
+      </p:ext>
+    </p:extLst>
+  </p:cSld>
+  <p:clrMapOvr>
+    <a:masterClrMapping/>
+  </p:clrMapOvr>
+</p:sld>
+</file>
+
+<file path=ppt/slides/slide17.xml><?xml version="1.0" encoding="utf-8"?>
+<p:sld xmlns:a="http://schemas.openxmlformats.org/drawingml/2006/main" xmlns:r="http://schemas.openxmlformats.org/officeDocument/2006/relationships" xmlns:p="http://schemas.openxmlformats.org/presentationml/2006/main">
+  <p:cSld>
+    <p:bg>
+      <p:bgPr>
+        <a:solidFill>
+          <a:schemeClr val="bg1"/>
+        </a:solidFill>
+        <a:effectLst/>
+      </p:bgPr>
+    </p:bg>
+    <p:spTree>
+      <p:nvGrpSpPr>
+        <p:cNvPr id="1" name=""/>
+        <p:cNvGrpSpPr/>
+        <p:nvPr/>
+      </p:nvGrpSpPr>
+      <p:grpSpPr>
+        <a:xfrm>
+          <a:off x="0" y="0"/>
+          <a:ext cx="0" cy="0"/>
+          <a:chOff x="0" y="0"/>
+          <a:chExt cx="0" cy="0"/>
+        </a:xfrm>
+      </p:grpSpPr>
+      <p:sp useBgFill="1">
+        <p:nvSpPr>
+          <p:cNvPr id="8" name="Rectangle 7">
+            <a:extLst>
+              <a:ext uri="{FF2B5EF4-FFF2-40B4-BE49-F238E27FC236}">
+                <a16:creationId xmlns:a16="http://schemas.microsoft.com/office/drawing/2014/main" id="{3B854194-185D-494D-905C-7C7CB2E30F6E}"/>
+              </a:ext>
+              <a:ext uri="{C183D7F6-B498-43B3-948B-1728B52AA6E4}">
+                <adec:decorative xmlns:adec="http://schemas.microsoft.com/office/drawing/2017/decorative" val="1"/>
+              </a:ext>
+            </a:extLst>
+          </p:cNvPr>
+          <p:cNvSpPr>
+            <a:spLocks noGrp="1" noRot="1" noChangeAspect="1" noMove="1" noResize="1" noEditPoints="1" noAdjustHandles="1" noChangeArrowheads="1" noChangeShapeType="1" noTextEdit="1"/>
+          </p:cNvSpPr>
+          <p:nvPr>
+            <p:extLst>
+              <p:ext uri="{386F3935-93C4-4BCD-93E2-E3B085C9AB24}">
+                <p16:designElem xmlns:p16="http://schemas.microsoft.com/office/powerpoint/2015/main" val="1"/>
+              </p:ext>
+            </p:extLst>
+          </p:nvPr>
+        </p:nvSpPr>
+        <p:spPr>
+          <a:xfrm>
+            <a:off x="1" y="0"/>
+            <a:ext cx="6082110" cy="6858000"/>
+          </a:xfrm>
+          <a:prstGeom prst="rect">
+            <a:avLst/>
+          </a:prstGeom>
+          <a:ln>
+            <a:noFill/>
+          </a:ln>
+        </p:spPr>
+        <p:style>
+          <a:lnRef idx="2">
+            <a:schemeClr val="accent1">
+              <a:shade val="50000"/>
+            </a:schemeClr>
+          </a:lnRef>
+          <a:fillRef idx="1">
+            <a:schemeClr val="accent1"/>
+          </a:fillRef>
+          <a:effectRef idx="0">
+            <a:schemeClr val="accent1"/>
+          </a:effectRef>
+          <a:fontRef idx="minor">
+            <a:schemeClr val="lt1"/>
+          </a:fontRef>
+        </p:style>
+        <p:txBody>
+          <a:bodyPr rtlCol="0" anchor="ctr"/>
+          <a:lstStyle/>
+          <a:p>
+            <a:pPr algn="ctr"/>
+            <a:endParaRPr lang="en-US"/>
+          </a:p>
+        </p:txBody>
+      </p:sp>
+      <p:sp>
+        <p:nvSpPr>
+          <p:cNvPr id="10" name="Rectangle 9">
+            <a:extLst>
+              <a:ext uri="{FF2B5EF4-FFF2-40B4-BE49-F238E27FC236}">
+                <a16:creationId xmlns:a16="http://schemas.microsoft.com/office/drawing/2014/main" id="{B4F5FA0D-0104-4987-8241-EFF7C85B88DE}"/>
+              </a:ext>
+              <a:ext uri="{C183D7F6-B498-43B3-948B-1728B52AA6E4}">
+                <adec:decorative xmlns:adec="http://schemas.microsoft.com/office/drawing/2017/decorative" val="1"/>
+              </a:ext>
+            </a:extLst>
+          </p:cNvPr>
+          <p:cNvSpPr>
+            <a:spLocks noGrp="1" noRot="1" noChangeAspect="1" noMove="1" noResize="1" noEditPoints="1" noAdjustHandles="1" noChangeArrowheads="1" noChangeShapeType="1" noTextEdit="1"/>
+          </p:cNvSpPr>
+          <p:nvPr>
+            <p:extLst>
+              <p:ext uri="{386F3935-93C4-4BCD-93E2-E3B085C9AB24}">
+                <p16:designElem xmlns:p16="http://schemas.microsoft.com/office/powerpoint/2015/main" val="1"/>
+              </p:ext>
+            </p:extLst>
+          </p:nvPr>
+        </p:nvSpPr>
+        <p:spPr>
+          <a:xfrm>
+            <a:off x="1" y="0"/>
+            <a:ext cx="12191998" cy="6858000"/>
+          </a:xfrm>
+          <a:prstGeom prst="rect">
+            <a:avLst/>
+          </a:prstGeom>
+          <a:gradFill>
+            <a:gsLst>
+              <a:gs pos="0">
+                <a:schemeClr val="accent1">
+                  <a:lumMod val="90000"/>
+                </a:schemeClr>
+              </a:gs>
+              <a:gs pos="25000">
+                <a:schemeClr val="accent1">
+                  <a:lumMod val="90000"/>
+                </a:schemeClr>
+              </a:gs>
+              <a:gs pos="94000">
+                <a:schemeClr val="bg2">
+                  <a:lumMod val="25000"/>
+                </a:schemeClr>
+              </a:gs>
+              <a:gs pos="100000">
+                <a:schemeClr val="bg2">
+                  <a:lumMod val="25000"/>
+                </a:schemeClr>
+              </a:gs>
+            </a:gsLst>
+            <a:lin ang="4200000" scaled="0"/>
+          </a:gradFill>
+          <a:ln>
+            <a:noFill/>
+          </a:ln>
+        </p:spPr>
+        <p:style>
+          <a:lnRef idx="2">
+            <a:schemeClr val="accent1">
+              <a:shade val="50000"/>
+            </a:schemeClr>
+          </a:lnRef>
+          <a:fillRef idx="1">
+            <a:schemeClr val="accent1"/>
+          </a:fillRef>
+          <a:effectRef idx="0">
+            <a:schemeClr val="accent1"/>
+          </a:effectRef>
+          <a:fontRef idx="minor">
+            <a:schemeClr val="lt1"/>
+          </a:fontRef>
+        </p:style>
+        <p:txBody>
+          <a:bodyPr rtlCol="0" anchor="ctr"/>
+          <a:lstStyle/>
+          <a:p>
+            <a:pPr algn="ctr"/>
+            <a:endParaRPr lang="en-US"/>
+          </a:p>
+        </p:txBody>
+      </p:sp>
+      <p:pic>
+        <p:nvPicPr>
+          <p:cNvPr id="12" name="Picture 11">
+            <a:extLst>
+              <a:ext uri="{FF2B5EF4-FFF2-40B4-BE49-F238E27FC236}">
+                <a16:creationId xmlns:a16="http://schemas.microsoft.com/office/drawing/2014/main" id="{2897127E-6CEF-446C-BE87-93B7C46E49D1}"/>
+              </a:ext>
+              <a:ext uri="{C183D7F6-B498-43B3-948B-1728B52AA6E4}">
+                <adec:decorative xmlns:adec="http://schemas.microsoft.com/office/drawing/2017/decorative" val="1"/>
+              </a:ext>
+            </a:extLst>
+          </p:cNvPr>
+          <p:cNvPicPr>
+            <a:picLocks noGrp="1" noRot="1" noChangeAspect="1" noMove="1" noResize="1" noEditPoints="1" noAdjustHandles="1" noChangeArrowheads="1" noChangeShapeType="1" noCrop="1"/>
+          </p:cNvPicPr>
+          <p:nvPr>
+            <p:extLst>
+              <p:ext uri="{386F3935-93C4-4BCD-93E2-E3B085C9AB24}">
+                <p16:designElem xmlns:p16="http://schemas.microsoft.com/office/powerpoint/2015/main" val="1"/>
+              </p:ext>
+            </p:extLst>
+          </p:nvPr>
+        </p:nvPicPr>
+        <p:blipFill>
+          <a:blip r:embed="rId3">
+            <a:extLst>
+              <a:ext uri="{28A0092B-C50C-407E-A947-70E740481C1C}">
+                <a14:useLocalDpi xmlns:a14="http://schemas.microsoft.com/office/drawing/2010/main" val="0"/>
+              </a:ext>
+            </a:extLst>
+          </a:blip>
+          <a:stretch>
+            <a:fillRect/>
+          </a:stretch>
+        </p:blipFill>
+        <p:spPr>
+          <a:xfrm>
+            <a:off x="0" y="0"/>
+            <a:ext cx="12192000" cy="6858000"/>
+          </a:xfrm>
+          <a:prstGeom prst="rect">
+            <a:avLst/>
+          </a:prstGeom>
+        </p:spPr>
+      </p:pic>
+      <p:sp>
+        <p:nvSpPr>
+          <p:cNvPr id="2" name="Title 1">
+            <a:extLst>
+              <a:ext uri="{FF2B5EF4-FFF2-40B4-BE49-F238E27FC236}">
                 <a16:creationId xmlns:a16="http://schemas.microsoft.com/office/drawing/2014/main" id="{1706BEF1-C075-4843-A9F8-1569DE890012}"/>
               </a:ext>
             </a:extLst>
@@ -9853,7 +10601,7 @@
 </p:sld>
 </file>
 
-<file path=ppt/slides/slide19.xml><?xml version="1.0" encoding="utf-8"?>
+<file path=ppt/slides/slide18.xml><?xml version="1.0" encoding="utf-8"?>
 <p:sld xmlns:a="http://schemas.openxmlformats.org/drawingml/2006/main" xmlns:r="http://schemas.openxmlformats.org/officeDocument/2006/relationships" xmlns:p="http://schemas.openxmlformats.org/presentationml/2006/main">
   <p:cSld>
     <p:bg>
@@ -10266,180 +11014,7 @@
 </p:sld>
 </file>
 
-<file path=ppt/slides/slide2.xml><?xml version="1.0" encoding="utf-8"?>
-<p:sld xmlns:a="http://schemas.openxmlformats.org/drawingml/2006/main" xmlns:r="http://schemas.openxmlformats.org/officeDocument/2006/relationships" xmlns:p="http://schemas.openxmlformats.org/presentationml/2006/main">
-  <p:cSld>
-    <p:spTree>
-      <p:nvGrpSpPr>
-        <p:cNvPr id="1" name=""/>
-        <p:cNvGrpSpPr/>
-        <p:nvPr/>
-      </p:nvGrpSpPr>
-      <p:grpSpPr>
-        <a:xfrm>
-          <a:off x="0" y="0"/>
-          <a:ext cx="0" cy="0"/>
-          <a:chOff x="0" y="0"/>
-          <a:chExt cx="0" cy="0"/>
-        </a:xfrm>
-      </p:grpSpPr>
-      <p:sp>
-        <p:nvSpPr>
-          <p:cNvPr id="2" name="Title 1">
-            <a:extLst>
-              <a:ext uri="{FF2B5EF4-FFF2-40B4-BE49-F238E27FC236}">
-                <a16:creationId xmlns:a16="http://schemas.microsoft.com/office/drawing/2014/main" id="{82335390-B5B1-4AF3-83F9-2F6B3C7E72A3}"/>
-              </a:ext>
-            </a:extLst>
-          </p:cNvPr>
-          <p:cNvSpPr>
-            <a:spLocks noGrp="1"/>
-          </p:cNvSpPr>
-          <p:nvPr>
-            <p:ph type="ctrTitle"/>
-          </p:nvPr>
-        </p:nvSpPr>
-        <p:spPr>
-          <a:xfrm>
-            <a:off x="4826000" y="1122363"/>
-            <a:ext cx="5842000" cy="2387600"/>
-          </a:xfrm>
-        </p:spPr>
-        <p:txBody>
-          <a:bodyPr/>
-          <a:lstStyle/>
-          <a:p>
-            <a:r>
-              <a:rPr lang="en-US" dirty="0"/>
-              <a:t>Reverse Mad Libs</a:t>
-            </a:r>
-          </a:p>
-        </p:txBody>
-      </p:sp>
-      <p:sp>
-        <p:nvSpPr>
-          <p:cNvPr id="3" name="Subtitle 2">
-            <a:extLst>
-              <a:ext uri="{FF2B5EF4-FFF2-40B4-BE49-F238E27FC236}">
-                <a16:creationId xmlns:a16="http://schemas.microsoft.com/office/drawing/2014/main" id="{69308124-30AD-4617-A604-94542F558A5C}"/>
-              </a:ext>
-            </a:extLst>
-          </p:cNvPr>
-          <p:cNvSpPr>
-            <a:spLocks noGrp="1"/>
-          </p:cNvSpPr>
-          <p:nvPr>
-            <p:ph type="subTitle" idx="1"/>
-          </p:nvPr>
-        </p:nvSpPr>
-        <p:spPr>
-          <a:xfrm>
-            <a:off x="4826000" y="3602038"/>
-            <a:ext cx="5842000" cy="1655762"/>
-          </a:xfrm>
-        </p:spPr>
-        <p:txBody>
-          <a:bodyPr/>
-          <a:lstStyle/>
-          <a:p>
-            <a:r>
-              <a:rPr lang="en-US" dirty="0"/>
-              <a:t>Natural Language Processing</a:t>
-            </a:r>
-          </a:p>
-          <a:p>
-            <a:r>
-              <a:rPr lang="en-US" dirty="0"/>
-              <a:t>Scott Bing</a:t>
-            </a:r>
-          </a:p>
-        </p:txBody>
-      </p:sp>
-      <p:pic>
-        <p:nvPicPr>
-          <p:cNvPr id="6" name="Picture 5" descr="A close up of text on a white background&#10;&#10;Description automatically generated">
-            <a:extLst>
-              <a:ext uri="{FF2B5EF4-FFF2-40B4-BE49-F238E27FC236}">
-                <a16:creationId xmlns:a16="http://schemas.microsoft.com/office/drawing/2014/main" id="{FB0652A0-A600-4B17-915D-27E2C81BD5E7}"/>
-              </a:ext>
-            </a:extLst>
-          </p:cNvPr>
-          <p:cNvPicPr>
-            <a:picLocks noChangeAspect="1"/>
-          </p:cNvPicPr>
-          <p:nvPr/>
-        </p:nvPicPr>
-        <p:blipFill>
-          <a:blip r:embed="rId2">
-            <a:extLst>
-              <a:ext uri="{28A0092B-C50C-407E-A947-70E740481C1C}">
-                <a14:useLocalDpi xmlns:a14="http://schemas.microsoft.com/office/drawing/2010/main" val="0"/>
-              </a:ext>
-            </a:extLst>
-          </a:blip>
-          <a:stretch>
-            <a:fillRect/>
-          </a:stretch>
-        </p:blipFill>
-        <p:spPr>
-          <a:xfrm>
-            <a:off x="1104900" y="317500"/>
-            <a:ext cx="2819400" cy="5715000"/>
-          </a:xfrm>
-          <a:prstGeom prst="rect">
-            <a:avLst/>
-          </a:prstGeom>
-        </p:spPr>
-      </p:pic>
-      <p:sp>
-        <p:nvSpPr>
-          <p:cNvPr id="7" name="TextBox 6">
-            <a:extLst>
-              <a:ext uri="{FF2B5EF4-FFF2-40B4-BE49-F238E27FC236}">
-                <a16:creationId xmlns:a16="http://schemas.microsoft.com/office/drawing/2014/main" id="{984F8CCE-EEFD-440D-9CCB-AE4B4A44416F}"/>
-              </a:ext>
-            </a:extLst>
-          </p:cNvPr>
-          <p:cNvSpPr txBox="1"/>
-          <p:nvPr/>
-        </p:nvSpPr>
-        <p:spPr>
-          <a:xfrm>
-            <a:off x="260350" y="6269493"/>
-            <a:ext cx="8826500" cy="215444"/>
-          </a:xfrm>
-          <a:prstGeom prst="rect">
-            <a:avLst/>
-          </a:prstGeom>
-          <a:noFill/>
-        </p:spPr>
-        <p:txBody>
-          <a:bodyPr wrap="square" rtlCol="0">
-            <a:spAutoFit/>
-          </a:bodyPr>
-          <a:lstStyle/>
-          <a:p>
-            <a:r>
-              <a:rPr lang="en-US" sz="800" dirty="0"/>
-              <a:t>https://web.stanford.edu/class/archive/cs/cs224n/cs224n.1162/handouts/MaxentTutorial-16x9-FeatureClassifiers.pdf</a:t>
-            </a:r>
-          </a:p>
-        </p:txBody>
-      </p:sp>
-    </p:spTree>
-    <p:extLst>
-      <p:ext uri="{BB962C8B-B14F-4D97-AF65-F5344CB8AC3E}">
-        <p14:creationId xmlns:p14="http://schemas.microsoft.com/office/powerpoint/2010/main" val="3898234069"/>
-      </p:ext>
-    </p:extLst>
-  </p:cSld>
-  <p:clrMapOvr>
-    <a:masterClrMapping/>
-  </p:clrMapOvr>
-</p:sld>
-</file>
-
-<file path=ppt/slides/slide20.xml><?xml version="1.0" encoding="utf-8"?>
+<file path=ppt/slides/slide19.xml><?xml version="1.0" encoding="utf-8"?>
 <p:sld xmlns:a="http://schemas.openxmlformats.org/drawingml/2006/main" xmlns:r="http://schemas.openxmlformats.org/officeDocument/2006/relationships" xmlns:p="http://schemas.openxmlformats.org/presentationml/2006/main">
   <p:cSld>
     <p:bg>
@@ -10511,163 +11086,7 @@
 </p:sld>
 </file>
 
-<file path=ppt/slides/slide3.xml><?xml version="1.0" encoding="utf-8"?>
-<p:sld xmlns:a="http://schemas.openxmlformats.org/drawingml/2006/main" xmlns:r="http://schemas.openxmlformats.org/officeDocument/2006/relationships" xmlns:p="http://schemas.openxmlformats.org/presentationml/2006/main">
-  <p:cSld>
-    <p:bg>
-      <p:bgPr>
-        <a:blipFill dpi="0" rotWithShape="1">
-          <a:blip r:embed="rId3">
-            <a:alphaModFix amt="30000"/>
-            <a:lum/>
-          </a:blip>
-          <a:srcRect/>
-          <a:stretch>
-            <a:fillRect l="-5000" r="-5000"/>
-          </a:stretch>
-        </a:blipFill>
-        <a:effectLst/>
-      </p:bgPr>
-    </p:bg>
-    <p:spTree>
-      <p:nvGrpSpPr>
-        <p:cNvPr id="1" name=""/>
-        <p:cNvGrpSpPr/>
-        <p:nvPr/>
-      </p:nvGrpSpPr>
-      <p:grpSpPr>
-        <a:xfrm>
-          <a:off x="0" y="0"/>
-          <a:ext cx="0" cy="0"/>
-          <a:chOff x="0" y="0"/>
-          <a:chExt cx="0" cy="0"/>
-        </a:xfrm>
-      </p:grpSpPr>
-      <p:sp>
-        <p:nvSpPr>
-          <p:cNvPr id="2" name="Title 1">
-            <a:extLst>
-              <a:ext uri="{FF2B5EF4-FFF2-40B4-BE49-F238E27FC236}">
-                <a16:creationId xmlns:a16="http://schemas.microsoft.com/office/drawing/2014/main" id="{2FD9DA4D-84DB-4C78-89B7-AF3DE0596B64}"/>
-              </a:ext>
-            </a:extLst>
-          </p:cNvPr>
-          <p:cNvSpPr>
-            <a:spLocks noGrp="1"/>
-          </p:cNvSpPr>
-          <p:nvPr>
-            <p:ph type="ctrTitle"/>
-          </p:nvPr>
-        </p:nvSpPr>
-        <p:spPr>
-          <a:xfrm>
-            <a:off x="3209731" y="1931436"/>
-            <a:ext cx="5467739" cy="929535"/>
-          </a:xfrm>
-          <a:solidFill>
-            <a:schemeClr val="bg1"/>
-          </a:solidFill>
-        </p:spPr>
-        <p:txBody>
-          <a:bodyPr/>
-          <a:lstStyle/>
-          <a:p>
-            <a:pPr algn="l"/>
-            <a:r>
-              <a:rPr lang="en-US" b="1" dirty="0"/>
-              <a:t>Reverse Mad Libs</a:t>
-            </a:r>
-          </a:p>
-        </p:txBody>
-      </p:sp>
-      <p:sp>
-        <p:nvSpPr>
-          <p:cNvPr id="3" name="Subtitle 2">
-            <a:extLst>
-              <a:ext uri="{FF2B5EF4-FFF2-40B4-BE49-F238E27FC236}">
-                <a16:creationId xmlns:a16="http://schemas.microsoft.com/office/drawing/2014/main" id="{E1A73FD9-7C57-4EE8-82A1-E2F775F875CC}"/>
-              </a:ext>
-            </a:extLst>
-          </p:cNvPr>
-          <p:cNvSpPr>
-            <a:spLocks noGrp="1"/>
-          </p:cNvSpPr>
-          <p:nvPr>
-            <p:ph type="subTitle" idx="1"/>
-          </p:nvPr>
-        </p:nvSpPr>
-        <p:spPr>
-          <a:xfrm>
-            <a:off x="4010607" y="3093258"/>
-            <a:ext cx="4170785" cy="503532"/>
-          </a:xfrm>
-          <a:solidFill>
-            <a:schemeClr val="bg1"/>
-          </a:solidFill>
-        </p:spPr>
-        <p:txBody>
-          <a:bodyPr/>
-          <a:lstStyle/>
-          <a:p>
-            <a:r>
-              <a:rPr lang="en-US" dirty="0"/>
-              <a:t>Natural Language Processing</a:t>
-            </a:r>
-          </a:p>
-        </p:txBody>
-      </p:sp>
-      <p:sp>
-        <p:nvSpPr>
-          <p:cNvPr id="4" name="TextBox 3">
-            <a:extLst>
-              <a:ext uri="{FF2B5EF4-FFF2-40B4-BE49-F238E27FC236}">
-                <a16:creationId xmlns:a16="http://schemas.microsoft.com/office/drawing/2014/main" id="{9767A612-9B87-43F4-8A09-48E48C35AF35}"/>
-              </a:ext>
-            </a:extLst>
-          </p:cNvPr>
-          <p:cNvSpPr txBox="1"/>
-          <p:nvPr/>
-        </p:nvSpPr>
-        <p:spPr>
-          <a:xfrm>
-            <a:off x="4486534" y="3829077"/>
-            <a:ext cx="2716699" cy="369332"/>
-          </a:xfrm>
-          <a:prstGeom prst="rect">
-            <a:avLst/>
-          </a:prstGeom>
-          <a:solidFill>
-            <a:schemeClr val="bg1"/>
-          </a:solidFill>
-        </p:spPr>
-        <p:txBody>
-          <a:bodyPr wrap="square" rtlCol="0">
-            <a:spAutoFit/>
-          </a:bodyPr>
-          <a:lstStyle/>
-          <a:p>
-            <a:pPr algn="ctr"/>
-            <a:r>
-              <a:rPr lang="en-US" dirty="0"/>
-              <a:t>Scott Bing</a:t>
-            </a:r>
-          </a:p>
-        </p:txBody>
-      </p:sp>
-    </p:spTree>
-    <p:extLst>
-      <p:ext uri="{BB962C8B-B14F-4D97-AF65-F5344CB8AC3E}">
-        <p14:creationId xmlns:p14="http://schemas.microsoft.com/office/powerpoint/2010/main" val="885856941"/>
-      </p:ext>
-    </p:extLst>
-  </p:cSld>
-  <p:clrMapOvr>
-    <a:masterClrMapping/>
-  </p:clrMapOvr>
-</p:sld>
-</file>
-
-<file path=ppt/slides/slide4.xml><?xml version="1.0" encoding="utf-8"?>
+<file path=ppt/slides/slide2.xml><?xml version="1.0" encoding="utf-8"?>
 <p:sld xmlns:a="http://schemas.openxmlformats.org/drawingml/2006/main" xmlns:r="http://schemas.openxmlformats.org/officeDocument/2006/relationships" xmlns:p="http://schemas.openxmlformats.org/presentationml/2006/main">
   <p:cSld>
     <p:bg>
@@ -11259,6 +11678,514 @@
 </p:sld>
 </file>
 
+<file path=ppt/slides/slide3.xml><?xml version="1.0" encoding="utf-8"?>
+<p:sld xmlns:a="http://schemas.openxmlformats.org/drawingml/2006/main" xmlns:r="http://schemas.openxmlformats.org/officeDocument/2006/relationships" xmlns:p="http://schemas.openxmlformats.org/presentationml/2006/main">
+  <p:cSld>
+    <p:bg>
+      <p:bgPr>
+        <a:solidFill>
+          <a:schemeClr val="bg1"/>
+        </a:solidFill>
+        <a:effectLst/>
+      </p:bgPr>
+    </p:bg>
+    <p:spTree>
+      <p:nvGrpSpPr>
+        <p:cNvPr id="1" name=""/>
+        <p:cNvGrpSpPr/>
+        <p:nvPr/>
+      </p:nvGrpSpPr>
+      <p:grpSpPr>
+        <a:xfrm>
+          <a:off x="0" y="0"/>
+          <a:ext cx="0" cy="0"/>
+          <a:chOff x="0" y="0"/>
+          <a:chExt cx="0" cy="0"/>
+        </a:xfrm>
+      </p:grpSpPr>
+      <p:sp>
+        <p:nvSpPr>
+          <p:cNvPr id="2" name="Title 1">
+            <a:extLst>
+              <a:ext uri="{FF2B5EF4-FFF2-40B4-BE49-F238E27FC236}">
+                <a16:creationId xmlns:a16="http://schemas.microsoft.com/office/drawing/2014/main" id="{B1ABA5A1-457C-4877-BE64-23E800576D0E}"/>
+              </a:ext>
+            </a:extLst>
+          </p:cNvPr>
+          <p:cNvSpPr>
+            <a:spLocks noGrp="1"/>
+          </p:cNvSpPr>
+          <p:nvPr>
+            <p:ph type="title"/>
+          </p:nvPr>
+        </p:nvSpPr>
+        <p:spPr>
+          <a:xfrm>
+            <a:off x="4965430" y="629268"/>
+            <a:ext cx="6586491" cy="1286160"/>
+          </a:xfrm>
+        </p:spPr>
+        <p:txBody>
+          <a:bodyPr anchor="b">
+            <a:normAutofit/>
+          </a:bodyPr>
+          <a:lstStyle/>
+          <a:p>
+            <a:r>
+              <a:rPr lang="en-US" dirty="0"/>
+              <a:t>Two Different Worlds</a:t>
+            </a:r>
+          </a:p>
+        </p:txBody>
+      </p:sp>
+      <p:sp>
+        <p:nvSpPr>
+          <p:cNvPr id="4" name="Content Placeholder 3">
+            <a:extLst>
+              <a:ext uri="{FF2B5EF4-FFF2-40B4-BE49-F238E27FC236}">
+                <a16:creationId xmlns:a16="http://schemas.microsoft.com/office/drawing/2014/main" id="{CF495AF5-E3E9-4A24-9C18-F0A072698D27}"/>
+              </a:ext>
+            </a:extLst>
+          </p:cNvPr>
+          <p:cNvSpPr>
+            <a:spLocks noGrp="1"/>
+          </p:cNvSpPr>
+          <p:nvPr>
+            <p:ph idx="1"/>
+          </p:nvPr>
+        </p:nvSpPr>
+        <p:spPr>
+          <a:xfrm>
+            <a:off x="4965431" y="2438400"/>
+            <a:ext cx="6586489" cy="3785419"/>
+          </a:xfrm>
+        </p:spPr>
+        <p:txBody>
+          <a:bodyPr>
+            <a:normAutofit fontScale="70000" lnSpcReduction="20000"/>
+          </a:bodyPr>
+          <a:lstStyle/>
+          <a:p>
+            <a:pPr marL="0" indent="0">
+              <a:buNone/>
+            </a:pPr>
+            <a:r>
+              <a:rPr lang="en-US" sz="1900" dirty="0"/>
+              <a:t>Computer Language</a:t>
+            </a:r>
+          </a:p>
+          <a:p>
+            <a:r>
+              <a:rPr lang="en-US" sz="1900" dirty="0"/>
+              <a:t>Structured Data</a:t>
+            </a:r>
+          </a:p>
+          <a:p>
+            <a:r>
+              <a:rPr lang="en-US" sz="1900" dirty="0"/>
+              <a:t>‘1’s and ‘0’s  - the language of a computer is Binary</a:t>
+            </a:r>
+          </a:p>
+          <a:p>
+            <a:r>
+              <a:rPr lang="en-US" sz="1900" dirty="0"/>
+              <a:t>Adheres to Mathematical Logic and Proofs</a:t>
+            </a:r>
+          </a:p>
+          <a:p>
+            <a:pPr marL="0" indent="0">
+              <a:buNone/>
+            </a:pPr>
+            <a:endParaRPr lang="en-US" sz="1900" dirty="0"/>
+          </a:p>
+          <a:p>
+            <a:pPr marL="0" indent="0">
+              <a:buNone/>
+            </a:pPr>
+            <a:r>
+              <a:rPr lang="en-US" sz="1900" dirty="0"/>
+              <a:t>Human Language</a:t>
+            </a:r>
+          </a:p>
+          <a:p>
+            <a:r>
+              <a:rPr lang="en-US" sz="1900" dirty="0"/>
+              <a:t>Unstructured Data</a:t>
+            </a:r>
+          </a:p>
+          <a:p>
+            <a:r>
+              <a:rPr lang="en-US" sz="1900" dirty="0"/>
+              <a:t>Ambiguous</a:t>
+            </a:r>
+          </a:p>
+          <a:p>
+            <a:pPr lvl="1"/>
+            <a:r>
+              <a:rPr lang="en-US" sz="1900" dirty="0"/>
+              <a:t>Homonyms</a:t>
+            </a:r>
+          </a:p>
+          <a:p>
+            <a:pPr lvl="1"/>
+            <a:r>
+              <a:rPr lang="en-US" sz="1900" dirty="0"/>
+              <a:t>Homophones </a:t>
+            </a:r>
+          </a:p>
+          <a:p>
+            <a:pPr lvl="1"/>
+            <a:r>
+              <a:rPr lang="en-US" sz="1900" dirty="0"/>
+              <a:t>Local Idioms</a:t>
+            </a:r>
+          </a:p>
+          <a:p>
+            <a:pPr lvl="1"/>
+            <a:r>
+              <a:rPr lang="en-US" sz="1900" dirty="0"/>
+              <a:t>Occupational jargon</a:t>
+            </a:r>
+          </a:p>
+          <a:p>
+            <a:r>
+              <a:rPr lang="en-US" sz="1900" dirty="0"/>
+              <a:t>Complex</a:t>
+            </a:r>
+          </a:p>
+          <a:p>
+            <a:pPr lvl="1"/>
+            <a:r>
+              <a:rPr lang="en-US" sz="1500" dirty="0"/>
+              <a:t>Parts of Speech Overlapping</a:t>
+            </a:r>
+          </a:p>
+          <a:p>
+            <a:r>
+              <a:rPr lang="en-US" sz="1900" dirty="0"/>
+              <a:t>Its just pain messy</a:t>
+            </a:r>
+          </a:p>
+          <a:p>
+            <a:endParaRPr lang="en-US" sz="1900" dirty="0"/>
+          </a:p>
+        </p:txBody>
+      </p:sp>
+      <p:cxnSp>
+        <p:nvCxnSpPr>
+          <p:cNvPr id="10" name="Straight Connector 9">
+            <a:extLst>
+              <a:ext uri="{FF2B5EF4-FFF2-40B4-BE49-F238E27FC236}">
+                <a16:creationId xmlns:a16="http://schemas.microsoft.com/office/drawing/2014/main" id="{A7F400EE-A8A5-48AF-B4D6-291B52C6F0B0}"/>
+              </a:ext>
+              <a:ext uri="{C183D7F6-B498-43B3-948B-1728B52AA6E4}">
+                <adec:decorative xmlns:adec="http://schemas.microsoft.com/office/drawing/2017/decorative" val="1"/>
+              </a:ext>
+            </a:extLst>
+          </p:cNvPr>
+          <p:cNvCxnSpPr>
+            <a:cxnSpLocks noGrp="1" noRot="1" noChangeAspect="1" noMove="1" noResize="1" noEditPoints="1" noAdjustHandles="1" noChangeArrowheads="1" noChangeShapeType="1"/>
+          </p:cNvCxnSpPr>
+          <p:nvPr>
+            <p:extLst>
+              <p:ext uri="{386F3935-93C4-4BCD-93E2-E3B085C9AB24}">
+                <p16:designElem xmlns:p16="http://schemas.microsoft.com/office/powerpoint/2015/main" val="1"/>
+              </p:ext>
+            </p:extLst>
+          </p:nvPr>
+        </p:nvCxnSpPr>
+        <p:spPr>
+          <a:xfrm>
+            <a:off x="5080934" y="2115117"/>
+            <a:ext cx="6309360" cy="0"/>
+          </a:xfrm>
+          <a:prstGeom prst="line">
+            <a:avLst/>
+          </a:prstGeom>
+          <a:ln w="19050">
+            <a:solidFill>
+              <a:srgbClr val="87ECFF"/>
+            </a:solidFill>
+          </a:ln>
+        </p:spPr>
+        <p:style>
+          <a:lnRef idx="1">
+            <a:schemeClr val="accent1"/>
+          </a:lnRef>
+          <a:fillRef idx="0">
+            <a:schemeClr val="accent1"/>
+          </a:fillRef>
+          <a:effectRef idx="0">
+            <a:schemeClr val="accent1"/>
+          </a:effectRef>
+          <a:fontRef idx="minor">
+            <a:schemeClr val="tx1"/>
+          </a:fontRef>
+        </p:style>
+      </p:cxnSp>
+      <p:pic>
+        <p:nvPicPr>
+          <p:cNvPr id="7" name="Picture 6" descr="A circuit board&#10;&#10;Description automatically generated">
+            <a:extLst>
+              <a:ext uri="{FF2B5EF4-FFF2-40B4-BE49-F238E27FC236}">
+                <a16:creationId xmlns:a16="http://schemas.microsoft.com/office/drawing/2014/main" id="{B5BA016B-7FD2-4B3F-A8B7-C0A560C70AA5}"/>
+              </a:ext>
+            </a:extLst>
+          </p:cNvPr>
+          <p:cNvPicPr>
+            <a:picLocks noChangeAspect="1"/>
+          </p:cNvPicPr>
+          <p:nvPr/>
+        </p:nvPicPr>
+        <p:blipFill>
+          <a:blip r:embed="rId2">
+            <a:extLst>
+              <a:ext uri="{28A0092B-C50C-407E-A947-70E740481C1C}">
+                <a14:useLocalDpi xmlns:a14="http://schemas.microsoft.com/office/drawing/2010/main" val="0"/>
+              </a:ext>
+            </a:extLst>
+          </a:blip>
+          <a:stretch>
+            <a:fillRect/>
+          </a:stretch>
+        </p:blipFill>
+        <p:spPr>
+          <a:xfrm rot="16200000">
+            <a:off x="-563033" y="1495425"/>
+            <a:ext cx="5867400" cy="3867150"/>
+          </a:xfrm>
+          <a:prstGeom prst="rect">
+            <a:avLst/>
+          </a:prstGeom>
+        </p:spPr>
+      </p:pic>
+    </p:spTree>
+    <p:extLst>
+      <p:ext uri="{BB962C8B-B14F-4D97-AF65-F5344CB8AC3E}">
+        <p14:creationId xmlns:p14="http://schemas.microsoft.com/office/powerpoint/2010/main" val="2883547006"/>
+      </p:ext>
+    </p:extLst>
+  </p:cSld>
+  <p:clrMapOvr>
+    <a:masterClrMapping/>
+  </p:clrMapOvr>
+</p:sld>
+</file>
+
+<file path=ppt/slides/slide4.xml><?xml version="1.0" encoding="utf-8"?>
+<p:sld xmlns:a="http://schemas.openxmlformats.org/drawingml/2006/main" xmlns:r="http://schemas.openxmlformats.org/officeDocument/2006/relationships" xmlns:p="http://schemas.openxmlformats.org/presentationml/2006/main">
+  <p:cSld>
+    <p:bg>
+      <p:bgPr>
+        <a:solidFill>
+          <a:schemeClr val="bg1"/>
+        </a:solidFill>
+        <a:effectLst/>
+      </p:bgPr>
+    </p:bg>
+    <p:spTree>
+      <p:nvGrpSpPr>
+        <p:cNvPr id="1" name=""/>
+        <p:cNvGrpSpPr/>
+        <p:nvPr/>
+      </p:nvGrpSpPr>
+      <p:grpSpPr>
+        <a:xfrm>
+          <a:off x="0" y="0"/>
+          <a:ext cx="0" cy="0"/>
+          <a:chOff x="0" y="0"/>
+          <a:chExt cx="0" cy="0"/>
+        </a:xfrm>
+      </p:grpSpPr>
+      <p:sp>
+        <p:nvSpPr>
+          <p:cNvPr id="2" name="Title 1">
+            <a:extLst>
+              <a:ext uri="{FF2B5EF4-FFF2-40B4-BE49-F238E27FC236}">
+                <a16:creationId xmlns:a16="http://schemas.microsoft.com/office/drawing/2014/main" id="{1E0EB210-B469-4993-96CF-3AE6BE6AA30F}"/>
+              </a:ext>
+            </a:extLst>
+          </p:cNvPr>
+          <p:cNvSpPr>
+            <a:spLocks noGrp="1"/>
+          </p:cNvSpPr>
+          <p:nvPr>
+            <p:ph type="title"/>
+          </p:nvPr>
+        </p:nvSpPr>
+        <p:spPr>
+          <a:xfrm>
+            <a:off x="4965430" y="629268"/>
+            <a:ext cx="6586491" cy="1286160"/>
+          </a:xfrm>
+        </p:spPr>
+        <p:txBody>
+          <a:bodyPr anchor="b">
+            <a:normAutofit/>
+          </a:bodyPr>
+          <a:lstStyle/>
+          <a:p>
+            <a:r>
+              <a:rPr lang="en-US" sz="4100"/>
+              <a:t>Natural Language Processing</a:t>
+            </a:r>
+          </a:p>
+        </p:txBody>
+      </p:sp>
+      <p:sp>
+        <p:nvSpPr>
+          <p:cNvPr id="3" name="Content Placeholder 2">
+            <a:extLst>
+              <a:ext uri="{FF2B5EF4-FFF2-40B4-BE49-F238E27FC236}">
+                <a16:creationId xmlns:a16="http://schemas.microsoft.com/office/drawing/2014/main" id="{4CB02A56-0A30-4AFA-ACED-E42D24C31C5E}"/>
+              </a:ext>
+            </a:extLst>
+          </p:cNvPr>
+          <p:cNvSpPr>
+            <a:spLocks noGrp="1"/>
+          </p:cNvSpPr>
+          <p:nvPr>
+            <p:ph idx="1"/>
+          </p:nvPr>
+        </p:nvSpPr>
+        <p:spPr>
+          <a:xfrm>
+            <a:off x="4965431" y="2438400"/>
+            <a:ext cx="6586489" cy="3785419"/>
+          </a:xfrm>
+        </p:spPr>
+        <p:txBody>
+          <a:bodyPr>
+            <a:normAutofit/>
+          </a:bodyPr>
+          <a:lstStyle/>
+          <a:p>
+            <a:r>
+              <a:rPr lang="en-US" sz="2000" dirty="0"/>
+              <a:t>An attempt to meld human language with computer language.</a:t>
+            </a:r>
+          </a:p>
+          <a:p>
+            <a:r>
+              <a:rPr lang="en-US" sz="2000" dirty="0"/>
+              <a:t>Teach a computer how to converse with a human</a:t>
+            </a:r>
+          </a:p>
+          <a:p>
+            <a:r>
+              <a:rPr lang="en-US" sz="2000" dirty="0"/>
+              <a:t>Recognize human language</a:t>
+            </a:r>
+          </a:p>
+          <a:p>
+            <a:r>
+              <a:rPr lang="en-US" sz="2000" dirty="0"/>
+              <a:t>Computer converse with human</a:t>
+            </a:r>
+          </a:p>
+          <a:p>
+            <a:r>
+              <a:rPr lang="en-US" sz="2000" dirty="0"/>
+              <a:t>Final goal – an electronic device can carry on a completely non-rehearsed non-preprogrammed conversation with a human being</a:t>
+            </a:r>
+          </a:p>
+        </p:txBody>
+      </p:sp>
+      <p:pic>
+        <p:nvPicPr>
+          <p:cNvPr id="11" name="Picture 4">
+            <a:extLst>
+              <a:ext uri="{FF2B5EF4-FFF2-40B4-BE49-F238E27FC236}">
+                <a16:creationId xmlns:a16="http://schemas.microsoft.com/office/drawing/2014/main" id="{FF03E7C1-AD88-4A76-86FA-E83D7A498604}"/>
+              </a:ext>
+            </a:extLst>
+          </p:cNvPr>
+          <p:cNvPicPr>
+            <a:picLocks noChangeAspect="1"/>
+          </p:cNvPicPr>
+          <p:nvPr/>
+        </p:nvPicPr>
+        <p:blipFill rotWithShape="1">
+          <a:blip r:embed="rId3"/>
+          <a:srcRect l="7554" r="47326" b="-1"/>
+          <a:stretch/>
+        </p:blipFill>
+        <p:spPr>
+          <a:xfrm>
+            <a:off x="20" y="10"/>
+            <a:ext cx="4635571" cy="6857990"/>
+          </a:xfrm>
+          <a:prstGeom prst="rect">
+            <a:avLst/>
+          </a:prstGeom>
+          <a:effectLst/>
+        </p:spPr>
+      </p:pic>
+      <p:cxnSp>
+        <p:nvCxnSpPr>
+          <p:cNvPr id="12" name="Straight Connector 8">
+            <a:extLst>
+              <a:ext uri="{FF2B5EF4-FFF2-40B4-BE49-F238E27FC236}">
+                <a16:creationId xmlns:a16="http://schemas.microsoft.com/office/drawing/2014/main" id="{A7F400EE-A8A5-48AF-B4D6-291B52C6F0B0}"/>
+              </a:ext>
+              <a:ext uri="{C183D7F6-B498-43B3-948B-1728B52AA6E4}">
+                <adec:decorative xmlns:adec="http://schemas.microsoft.com/office/drawing/2017/decorative" val="1"/>
+              </a:ext>
+            </a:extLst>
+          </p:cNvPr>
+          <p:cNvCxnSpPr>
+            <a:cxnSpLocks noGrp="1" noRot="1" noChangeAspect="1" noMove="1" noResize="1" noEditPoints="1" noAdjustHandles="1" noChangeArrowheads="1" noChangeShapeType="1"/>
+          </p:cNvCxnSpPr>
+          <p:nvPr>
+            <p:extLst>
+              <p:ext uri="{386F3935-93C4-4BCD-93E2-E3B085C9AB24}">
+                <p16:designElem xmlns:p16="http://schemas.microsoft.com/office/powerpoint/2015/main" val="1"/>
+              </p:ext>
+            </p:extLst>
+          </p:nvPr>
+        </p:nvCxnSpPr>
+        <p:spPr>
+          <a:xfrm>
+            <a:off x="5080934" y="2115117"/>
+            <a:ext cx="6309360" cy="0"/>
+          </a:xfrm>
+          <a:prstGeom prst="line">
+            <a:avLst/>
+          </a:prstGeom>
+          <a:ln w="19050">
+            <a:solidFill>
+              <a:srgbClr val="04D3EE"/>
+            </a:solidFill>
+          </a:ln>
+        </p:spPr>
+        <p:style>
+          <a:lnRef idx="1">
+            <a:schemeClr val="accent1"/>
+          </a:lnRef>
+          <a:fillRef idx="0">
+            <a:schemeClr val="accent1"/>
+          </a:fillRef>
+          <a:effectRef idx="0">
+            <a:schemeClr val="accent1"/>
+          </a:effectRef>
+          <a:fontRef idx="minor">
+            <a:schemeClr val="tx1"/>
+          </a:fontRef>
+        </p:style>
+      </p:cxnSp>
+    </p:spTree>
+    <p:extLst>
+      <p:ext uri="{BB962C8B-B14F-4D97-AF65-F5344CB8AC3E}">
+        <p14:creationId xmlns:p14="http://schemas.microsoft.com/office/powerpoint/2010/main" val="219133856"/>
+      </p:ext>
+    </p:extLst>
+  </p:cSld>
+  <p:clrMapOvr>
+    <a:masterClrMapping/>
+  </p:clrMapOvr>
+</p:sld>
+</file>
+
 <file path=ppt/slides/slide5.xml><?xml version="1.0" encoding="utf-8"?>
 <p:sld xmlns:a="http://schemas.openxmlformats.org/drawingml/2006/main" xmlns:r="http://schemas.openxmlformats.org/officeDocument/2006/relationships" xmlns:p="http://schemas.openxmlformats.org/presentationml/2006/main">
   <p:cSld>
@@ -11286,7 +12213,7 @@
       </p:grpSpPr>
       <p:sp useBgFill="1">
         <p:nvSpPr>
-          <p:cNvPr id="8" name="Rectangle 7">
+          <p:cNvPr id="15" name="Rectangle 7">
             <a:extLst>
               <a:ext uri="{FF2B5EF4-FFF2-40B4-BE49-F238E27FC236}">
                 <a16:creationId xmlns:a16="http://schemas.microsoft.com/office/drawing/2014/main" id="{827B839B-9ADE-406B-8590-F1CAEDED45A1}"/>
@@ -11346,7 +12273,7 @@
       </p:sp>
       <p:sp>
         <p:nvSpPr>
-          <p:cNvPr id="10" name="Freeform 45">
+          <p:cNvPr id="17" name="Freeform 45">
             <a:extLst>
               <a:ext uri="{FF2B5EF4-FFF2-40B4-BE49-F238E27FC236}">
                 <a16:creationId xmlns:a16="http://schemas.microsoft.com/office/drawing/2014/main" id="{CFE45BF0-46DB-408C-B5F7-7B11716805D4}"/>
@@ -11449,7 +12376,7 @@
       </p:sp>
       <p:sp>
         <p:nvSpPr>
-          <p:cNvPr id="12" name="Freeform 46">
+          <p:cNvPr id="19" name="Freeform 46">
             <a:extLst>
               <a:ext uri="{FF2B5EF4-FFF2-40B4-BE49-F238E27FC236}">
                 <a16:creationId xmlns:a16="http://schemas.microsoft.com/office/drawing/2014/main" id="{2AEBC8F2-97B1-41B4-93F1-2D289E197FBA}"/>
@@ -11811,7 +12738,7 @@
           <p:cNvPr id="2" name="Title 1">
             <a:extLst>
               <a:ext uri="{FF2B5EF4-FFF2-40B4-BE49-F238E27FC236}">
-                <a16:creationId xmlns:a16="http://schemas.microsoft.com/office/drawing/2014/main" id="{06E8B044-5C59-4C08-A0A2-9318E9D7CB1F}"/>
+                <a16:creationId xmlns:a16="http://schemas.microsoft.com/office/drawing/2014/main" id="{840019AE-8536-4359-921E-06629F0796EF}"/>
               </a:ext>
             </a:extLst>
           </p:cNvPr>
@@ -11834,13 +12761,14 @@
           </a:bodyPr>
           <a:lstStyle/>
           <a:p>
-            <a:r>
-              <a:rPr lang="en-US" sz="4000">
+            <a:pPr algn="ctr"/>
+            <a:r>
+              <a:rPr lang="en-US" sz="4000" dirty="0">
                 <a:solidFill>
                   <a:srgbClr val="FFFFFF"/>
                 </a:solidFill>
               </a:rPr>
-              <a:t>What is Reverse Mad Libs?</a:t>
+              <a:t>NLP Terminology</a:t>
             </a:r>
           </a:p>
         </p:txBody>
@@ -11850,7 +12778,7 @@
           <p:cNvPr id="3" name="Content Placeholder 2">
             <a:extLst>
               <a:ext uri="{FF2B5EF4-FFF2-40B4-BE49-F238E27FC236}">
-                <a16:creationId xmlns:a16="http://schemas.microsoft.com/office/drawing/2014/main" id="{4D0BA02D-096C-43AD-BD3C-DB87077A7F5B}"/>
+                <a16:creationId xmlns:a16="http://schemas.microsoft.com/office/drawing/2014/main" id="{0B28B100-5DB7-4F62-BD72-59C524015234}"/>
               </a:ext>
             </a:extLst>
           </p:cNvPr>
@@ -11875,31 +12803,19 @@
           <a:p>
             <a:r>
               <a:rPr lang="en-US" sz="2400" dirty="0"/>
-              <a:t>A twist on the popular game</a:t>
+              <a:t>NLP – Natural Language Processing – recognizing human language</a:t>
             </a:r>
           </a:p>
           <a:p>
             <a:r>
               <a:rPr lang="en-US" sz="2400" dirty="0"/>
-              <a:t>Player one is asked for a list of arbitrary words</a:t>
+              <a:t>NLU – Natural Language Understanding – interpreting human language</a:t>
             </a:r>
           </a:p>
           <a:p>
             <a:r>
               <a:rPr lang="en-US" sz="2400" dirty="0"/>
-              <a:t>Player two inserts the words into a story</a:t>
-            </a:r>
-          </a:p>
-          <a:p>
-            <a:r>
-              <a:rPr lang="en-US" sz="2400" dirty="0"/>
-              <a:t>Player one typically does not see the story until the words are filled in</a:t>
-            </a:r>
-          </a:p>
-          <a:p>
-            <a:r>
-              <a:rPr lang="en-US" sz="2400" dirty="0"/>
-              <a:t>Machine uses NLP Algorithms to predict the missing words</a:t>
+              <a:t>NLG – Natural Language Generation – producing human language</a:t>
             </a:r>
           </a:p>
         </p:txBody>
@@ -11907,7 +12823,7 @@
     </p:spTree>
     <p:extLst>
       <p:ext uri="{BB962C8B-B14F-4D97-AF65-F5344CB8AC3E}">
-        <p14:creationId xmlns:p14="http://schemas.microsoft.com/office/powerpoint/2010/main" val="1691009008"/>
+        <p14:creationId xmlns:p14="http://schemas.microsoft.com/office/powerpoint/2010/main" val="2354642061"/>
       </p:ext>
     </p:extLst>
   </p:cSld>
@@ -11947,7 +12863,7 @@
           <p:cNvPr id="2" name="Title 1">
             <a:extLst>
               <a:ext uri="{FF2B5EF4-FFF2-40B4-BE49-F238E27FC236}">
-                <a16:creationId xmlns:a16="http://schemas.microsoft.com/office/drawing/2014/main" id="{1E0EB210-B469-4993-96CF-3AE6BE6AA30F}"/>
+                <a16:creationId xmlns:a16="http://schemas.microsoft.com/office/drawing/2014/main" id="{2BF67345-8522-4B25-A377-B22001F16D36}"/>
               </a:ext>
             </a:extLst>
           </p:cNvPr>
@@ -11960,121 +12876,50 @@
         </p:nvSpPr>
         <p:spPr>
           <a:xfrm>
-            <a:off x="4965430" y="629268"/>
-            <a:ext cx="6586491" cy="1286160"/>
+            <a:off x="6413111" y="640081"/>
+            <a:ext cx="5138808" cy="3592768"/>
           </a:xfrm>
+          <a:noFill/>
         </p:spPr>
         <p:txBody>
-          <a:bodyPr anchor="b">
+          <a:bodyPr vert="horz" lIns="91440" tIns="45720" rIns="91440" bIns="45720" rtlCol="0" anchor="b">
             <a:normAutofit/>
           </a:bodyPr>
           <a:lstStyle/>
           <a:p>
-            <a:r>
-              <a:rPr lang="en-US" sz="4100"/>
-              <a:t>Natural Language Processing</a:t>
-            </a:r>
-          </a:p>
-        </p:txBody>
-      </p:sp>
-      <p:sp>
-        <p:nvSpPr>
-          <p:cNvPr id="3" name="Content Placeholder 2">
-            <a:extLst>
-              <a:ext uri="{FF2B5EF4-FFF2-40B4-BE49-F238E27FC236}">
-                <a16:creationId xmlns:a16="http://schemas.microsoft.com/office/drawing/2014/main" id="{4CB02A56-0A30-4AFA-ACED-E42D24C31C5E}"/>
-              </a:ext>
-            </a:extLst>
-          </p:cNvPr>
-          <p:cNvSpPr>
-            <a:spLocks noGrp="1"/>
-          </p:cNvSpPr>
-          <p:nvPr>
-            <p:ph idx="1"/>
-          </p:nvPr>
-        </p:nvSpPr>
-        <p:spPr>
-          <a:xfrm>
-            <a:off x="4965431" y="2438400"/>
-            <a:ext cx="6586489" cy="3785419"/>
-          </a:xfrm>
-        </p:spPr>
-        <p:txBody>
-          <a:bodyPr>
-            <a:normAutofit/>
-          </a:bodyPr>
-          <a:lstStyle/>
-          <a:p>
-            <a:r>
-              <a:rPr lang="en-US" sz="2000"/>
-              <a:t>An attempt to meld human language with computer language.</a:t>
-            </a:r>
-          </a:p>
-          <a:p>
-            <a:r>
-              <a:rPr lang="en-US" sz="2000"/>
-              <a:t>Teach a computer how to converse with a human</a:t>
-            </a:r>
-          </a:p>
-          <a:p>
-            <a:r>
-              <a:rPr lang="en-US" sz="2000"/>
-              <a:t>Recognize human language</a:t>
-            </a:r>
-          </a:p>
-          <a:p>
-            <a:r>
-              <a:rPr lang="en-US" sz="2000"/>
-              <a:t>Computer converse with human</a:t>
-            </a:r>
-          </a:p>
-        </p:txBody>
-      </p:sp>
-      <p:pic>
-        <p:nvPicPr>
-          <p:cNvPr id="11" name="Picture 4">
-            <a:extLst>
-              <a:ext uri="{FF2B5EF4-FFF2-40B4-BE49-F238E27FC236}">
-                <a16:creationId xmlns:a16="http://schemas.microsoft.com/office/drawing/2014/main" id="{FF03E7C1-AD88-4A76-86FA-E83D7A498604}"/>
-              </a:ext>
-            </a:extLst>
-          </p:cNvPr>
-          <p:cNvPicPr>
-            <a:picLocks noChangeAspect="1"/>
-          </p:cNvPicPr>
-          <p:nvPr/>
-        </p:nvPicPr>
-        <p:blipFill rotWithShape="1">
-          <a:blip r:embed="rId3"/>
-          <a:srcRect l="7554" r="47326" b="-1"/>
-          <a:stretch/>
-        </p:blipFill>
-        <p:spPr>
-          <a:xfrm>
-            <a:off x="20" y="10"/>
-            <a:ext cx="4635571" cy="6857990"/>
-          </a:xfrm>
-          <a:prstGeom prst="rect">
-            <a:avLst/>
-          </a:prstGeom>
-          <a:effectLst/>
-        </p:spPr>
-      </p:pic>
-      <p:cxnSp>
-        <p:nvCxnSpPr>
-          <p:cNvPr id="12" name="Straight Connector 8">
-            <a:extLst>
-              <a:ext uri="{FF2B5EF4-FFF2-40B4-BE49-F238E27FC236}">
-                <a16:creationId xmlns:a16="http://schemas.microsoft.com/office/drawing/2014/main" id="{A7F400EE-A8A5-48AF-B4D6-291B52C6F0B0}"/>
+            <a:pPr algn="ctr"/>
+            <a:r>
+              <a:rPr lang="en-US" sz="6000" dirty="0"/>
+              <a:t>Google BERT</a:t>
+            </a:r>
+            <a:br>
+              <a:rPr lang="en-US" sz="6000" dirty="0"/>
+            </a:br>
+            <a:br>
+              <a:rPr lang="en-US" sz="6000" dirty="0"/>
+            </a:br>
+            <a:r>
+              <a:rPr lang="en-US" sz="6000" dirty="0"/>
+              <a:t>Not this Bert</a:t>
+            </a:r>
+          </a:p>
+        </p:txBody>
+      </p:sp>
+      <p:sp>
+        <p:nvSpPr>
+          <p:cNvPr id="9" name="Rectangle 8">
+            <a:extLst>
+              <a:ext uri="{FF2B5EF4-FFF2-40B4-BE49-F238E27FC236}">
+                <a16:creationId xmlns:a16="http://schemas.microsoft.com/office/drawing/2014/main" id="{8AD13924-DC7C-4339-B194-8A4EFFBF2AC6}"/>
               </a:ext>
               <a:ext uri="{C183D7F6-B498-43B3-948B-1728B52AA6E4}">
                 <adec:decorative xmlns:adec="http://schemas.microsoft.com/office/drawing/2017/decorative" val="1"/>
               </a:ext>
             </a:extLst>
           </p:cNvPr>
-          <p:cNvCxnSpPr>
-            <a:cxnSpLocks noGrp="1" noRot="1" noChangeAspect="1" noMove="1" noResize="1" noEditPoints="1" noAdjustHandles="1" noChangeArrowheads="1" noChangeShapeType="1"/>
-          </p:cNvCxnSpPr>
+          <p:cNvSpPr>
+            <a:spLocks noGrp="1" noRot="1" noChangeAspect="1" noMove="1" noResize="1" noEditPoints="1" noAdjustHandles="1" noChangeArrowheads="1" noChangeShapeType="1" noTextEdit="1"/>
+          </p:cNvSpPr>
           <p:nvPr>
             <p:extLst>
               <p:ext uri="{386F3935-93C4-4BCD-93E2-E3B085C9AB24}">
@@ -12082,105 +12927,18 @@
               </p:ext>
             </p:extLst>
           </p:nvPr>
-        </p:nvCxnSpPr>
+        </p:nvSpPr>
         <p:spPr>
           <a:xfrm>
-            <a:off x="5080934" y="2115117"/>
-            <a:ext cx="6309360" cy="0"/>
-          </a:xfrm>
-          <a:prstGeom prst="line">
-            <a:avLst/>
-          </a:prstGeom>
-          <a:ln w="19050">
-            <a:solidFill>
-              <a:srgbClr val="04D3EE"/>
-            </a:solidFill>
-          </a:ln>
-        </p:spPr>
-        <p:style>
-          <a:lnRef idx="1">
-            <a:schemeClr val="accent1"/>
-          </a:lnRef>
-          <a:fillRef idx="0">
-            <a:schemeClr val="accent1"/>
-          </a:fillRef>
-          <a:effectRef idx="0">
-            <a:schemeClr val="accent1"/>
-          </a:effectRef>
-          <a:fontRef idx="minor">
-            <a:schemeClr val="tx1"/>
-          </a:fontRef>
-        </p:style>
-      </p:cxnSp>
-    </p:spTree>
-    <p:extLst>
-      <p:ext uri="{BB962C8B-B14F-4D97-AF65-F5344CB8AC3E}">
-        <p14:creationId xmlns:p14="http://schemas.microsoft.com/office/powerpoint/2010/main" val="219133856"/>
-      </p:ext>
-    </p:extLst>
-  </p:cSld>
-  <p:clrMapOvr>
-    <a:masterClrMapping/>
-  </p:clrMapOvr>
-</p:sld>
-</file>
-
-<file path=ppt/slides/slide7.xml><?xml version="1.0" encoding="utf-8"?>
-<p:sld xmlns:a="http://schemas.openxmlformats.org/drawingml/2006/main" xmlns:r="http://schemas.openxmlformats.org/officeDocument/2006/relationships" xmlns:p="http://schemas.openxmlformats.org/presentationml/2006/main">
-  <p:cSld>
-    <p:bg>
-      <p:bgPr>
-        <a:solidFill>
-          <a:srgbClr val="007A4C"/>
-        </a:solidFill>
-        <a:effectLst/>
-      </p:bgPr>
-    </p:bg>
-    <p:spTree>
-      <p:nvGrpSpPr>
-        <p:cNvPr id="1" name=""/>
-        <p:cNvGrpSpPr/>
-        <p:nvPr/>
-      </p:nvGrpSpPr>
-      <p:grpSpPr>
-        <a:xfrm>
-          <a:off x="0" y="0"/>
-          <a:ext cx="0" cy="0"/>
-          <a:chOff x="0" y="0"/>
-          <a:chExt cx="0" cy="0"/>
-        </a:xfrm>
-      </p:grpSpPr>
-      <p:sp useBgFill="1">
-        <p:nvSpPr>
-          <p:cNvPr id="42" name="Rectangle 41">
-            <a:extLst>
-              <a:ext uri="{FF2B5EF4-FFF2-40B4-BE49-F238E27FC236}">
-                <a16:creationId xmlns:a16="http://schemas.microsoft.com/office/drawing/2014/main" id="{3EEB8ED6-9142-4A11-B029-18DDE98C4952}"/>
-              </a:ext>
-              <a:ext uri="{C183D7F6-B498-43B3-948B-1728B52AA6E4}">
-                <adec:decorative xmlns:adec="http://schemas.microsoft.com/office/drawing/2017/decorative" val="1"/>
-              </a:ext>
-            </a:extLst>
-          </p:cNvPr>
-          <p:cNvSpPr>
-            <a:spLocks noGrp="1" noRot="1" noChangeAspect="1" noMove="1" noResize="1" noEditPoints="1" noAdjustHandles="1" noChangeArrowheads="1" noChangeShapeType="1" noTextEdit="1"/>
-          </p:cNvSpPr>
-          <p:nvPr>
-            <p:extLst>
-              <p:ext uri="{386F3935-93C4-4BCD-93E2-E3B085C9AB24}">
-                <p16:designElem xmlns:p16="http://schemas.microsoft.com/office/powerpoint/2015/main" val="1"/>
-              </p:ext>
-            </p:extLst>
-          </p:nvPr>
-        </p:nvSpPr>
-        <p:spPr>
-          <a:xfrm>
-            <a:off x="-1" y="0"/>
-            <a:ext cx="12188952" cy="6858000"/>
+            <a:off x="-2" y="0"/>
+            <a:ext cx="6107584" cy="6858000"/>
           </a:xfrm>
           <a:prstGeom prst="rect">
             <a:avLst/>
           </a:prstGeom>
+          <a:solidFill>
+            <a:srgbClr val="55375E"/>
+          </a:solidFill>
           <a:ln>
             <a:noFill/>
           </a:ln>
@@ -12212,50 +12970,84 @@
       </p:sp>
       <p:sp>
         <p:nvSpPr>
-          <p:cNvPr id="2" name="Title 1">
-            <a:extLst>
-              <a:ext uri="{FF2B5EF4-FFF2-40B4-BE49-F238E27FC236}">
-                <a16:creationId xmlns:a16="http://schemas.microsoft.com/office/drawing/2014/main" id="{C7717087-26BC-4BAE-BBC4-0D930E4FE13D}"/>
-              </a:ext>
-            </a:extLst>
-          </p:cNvPr>
-          <p:cNvSpPr>
-            <a:spLocks noGrp="1"/>
-          </p:cNvSpPr>
-          <p:nvPr>
-            <p:ph type="title"/>
+          <p:cNvPr id="11" name="Rounded Rectangle 26">
+            <a:extLst>
+              <a:ext uri="{FF2B5EF4-FFF2-40B4-BE49-F238E27FC236}">
+                <a16:creationId xmlns:a16="http://schemas.microsoft.com/office/drawing/2014/main" id="{72458505-C9BA-445F-AE75-CFC7FF04F4E7}"/>
+              </a:ext>
+              <a:ext uri="{C183D7F6-B498-43B3-948B-1728B52AA6E4}">
+                <adec:decorative xmlns:adec="http://schemas.microsoft.com/office/drawing/2017/decorative" val="1"/>
+              </a:ext>
+            </a:extLst>
+          </p:cNvPr>
+          <p:cNvSpPr>
+            <a:spLocks noGrp="1" noRot="1" noChangeAspect="1" noMove="1" noResize="1" noEditPoints="1" noAdjustHandles="1" noChangeArrowheads="1" noChangeShapeType="1" noTextEdit="1"/>
+          </p:cNvSpPr>
+          <p:nvPr>
+            <p:extLst>
+              <p:ext uri="{386F3935-93C4-4BCD-93E2-E3B085C9AB24}">
+                <p16:designElem xmlns:p16="http://schemas.microsoft.com/office/powerpoint/2015/main" val="1"/>
+              </p:ext>
+            </p:extLst>
           </p:nvPr>
         </p:nvSpPr>
         <p:spPr>
           <a:xfrm>
-            <a:off x="838200" y="365126"/>
-            <a:ext cx="10515600" cy="1288784"/>
+            <a:off x="646745" y="640080"/>
+            <a:ext cx="4809175" cy="5577818"/>
           </a:xfrm>
+          <a:prstGeom prst="roundRect">
+            <a:avLst>
+              <a:gd name="adj" fmla="val 0"/>
+            </a:avLst>
+          </a:prstGeom>
+          <a:solidFill>
+            <a:srgbClr val="FFFFFF"/>
+          </a:solidFill>
+          <a:ln w="9525">
+            <a:solidFill>
+              <a:srgbClr val="C8CACA"/>
+            </a:solidFill>
+          </a:ln>
+          <a:effectLst>
+            <a:outerShdw blurRad="57150" dist="19050" dir="5400000" algn="t" rotWithShape="0">
+              <a:prstClr val="black">
+                <a:alpha val="63000"/>
+              </a:prstClr>
+            </a:outerShdw>
+          </a:effectLst>
         </p:spPr>
-        <p:txBody>
-          <a:bodyPr vert="horz" lIns="91440" tIns="45720" rIns="91440" bIns="45720" rtlCol="0">
-            <a:normAutofit/>
-          </a:bodyPr>
+        <p:style>
+          <a:lnRef idx="2">
+            <a:schemeClr val="accent1">
+              <a:shade val="50000"/>
+            </a:schemeClr>
+          </a:lnRef>
+          <a:fillRef idx="1">
+            <a:schemeClr val="accent1"/>
+          </a:fillRef>
+          <a:effectRef idx="0">
+            <a:schemeClr val="accent1"/>
+          </a:effectRef>
+          <a:fontRef idx="minor">
+            <a:schemeClr val="lt1"/>
+          </a:fontRef>
+        </p:style>
+        <p:txBody>
+          <a:bodyPr rtlCol="0" anchor="ctr"/>
           <a:lstStyle/>
           <a:p>
             <a:pPr algn="ctr"/>
-            <a:r>
-              <a:rPr lang="en-US" sz="4000" dirty="0">
-                <a:solidFill>
-                  <a:schemeClr val="bg1"/>
-                </a:solidFill>
-              </a:rPr>
-              <a:t>Reverse Mad Libs Application</a:t>
-            </a:r>
+            <a:endParaRPr lang="en-US"/>
           </a:p>
         </p:txBody>
       </p:sp>
       <p:pic>
         <p:nvPicPr>
-          <p:cNvPr id="5" name="Content Placeholder 4" descr="A screenshot of a cell phone&#10;&#10;Description automatically generated">
-            <a:extLst>
-              <a:ext uri="{FF2B5EF4-FFF2-40B4-BE49-F238E27FC236}">
-                <a16:creationId xmlns:a16="http://schemas.microsoft.com/office/drawing/2014/main" id="{F44BD44A-6655-4656-9F1C-B445C1E68FB7}"/>
+          <p:cNvPr id="4" name="Picture 3" descr="A close up of a toy doll&#10;&#10;Description automatically generated">
+            <a:extLst>
+              <a:ext uri="{FF2B5EF4-FFF2-40B4-BE49-F238E27FC236}">
+                <a16:creationId xmlns:a16="http://schemas.microsoft.com/office/drawing/2014/main" id="{F5BDB91D-B9DA-4066-938C-35249DDCE788}"/>
               </a:ext>
             </a:extLst>
           </p:cNvPr>
@@ -12272,285 +13064,66 @@
               </a:ext>
             </a:extLst>
           </a:blip>
-          <a:srcRect t="2500" r="-1" b="-1"/>
+          <a:srcRect t="9993" r="1" b="1"/>
           <a:stretch/>
         </p:blipFill>
         <p:spPr>
           <a:xfrm>
-            <a:off x="3018649" y="1786436"/>
-            <a:ext cx="6151651" cy="4303465"/>
+            <a:off x="1120701" y="1112060"/>
+            <a:ext cx="3861262" cy="4633859"/>
+          </a:xfrm>
+          <a:prstGeom prst="rect">
+            <a:avLst/>
+          </a:prstGeom>
+          <a:effectLst/>
+        </p:spPr>
+      </p:pic>
+      <p:pic>
+        <p:nvPicPr>
+          <p:cNvPr id="5" name="Picture 4">
+            <a:extLst>
+              <a:ext uri="{FF2B5EF4-FFF2-40B4-BE49-F238E27FC236}">
+                <a16:creationId xmlns:a16="http://schemas.microsoft.com/office/drawing/2014/main" id="{C857CDE8-7674-48AE-85B0-27CB93D2818C}"/>
+              </a:ext>
+            </a:extLst>
+          </p:cNvPr>
+          <p:cNvPicPr>
+            <a:picLocks noChangeAspect="1"/>
+          </p:cNvPicPr>
+          <p:nvPr/>
+        </p:nvPicPr>
+        <p:blipFill>
+          <a:blip r:embed="rId4"/>
+          <a:stretch>
+            <a:fillRect/>
+          </a:stretch>
+        </p:blipFill>
+        <p:spPr>
+          <a:xfrm>
+            <a:off x="1621766" y="847703"/>
+            <a:ext cx="2915727" cy="4945073"/>
           </a:xfrm>
           <a:prstGeom prst="rect">
             <a:avLst/>
           </a:prstGeom>
         </p:spPr>
       </p:pic>
-      <p:cxnSp>
-        <p:nvCxnSpPr>
-          <p:cNvPr id="7" name="Straight Arrow Connector 6">
-            <a:extLst>
-              <a:ext uri="{FF2B5EF4-FFF2-40B4-BE49-F238E27FC236}">
-                <a16:creationId xmlns:a16="http://schemas.microsoft.com/office/drawing/2014/main" id="{779C2375-D2F2-4E15-9866-04EB95519975}"/>
-              </a:ext>
-            </a:extLst>
-          </p:cNvPr>
-          <p:cNvCxnSpPr/>
+      <p:sp>
+        <p:nvSpPr>
+          <p:cNvPr id="6" name="TextBox 5">
+            <a:extLst>
+              <a:ext uri="{FF2B5EF4-FFF2-40B4-BE49-F238E27FC236}">
+                <a16:creationId xmlns:a16="http://schemas.microsoft.com/office/drawing/2014/main" id="{418B2391-98D9-46B1-83F9-552211D7A827}"/>
+              </a:ext>
+            </a:extLst>
+          </p:cNvPr>
+          <p:cNvSpPr txBox="1"/>
           <p:nvPr/>
-        </p:nvCxnSpPr>
+        </p:nvSpPr>
         <p:spPr>
           <a:xfrm>
-            <a:off x="2011680" y="2312126"/>
-            <a:ext cx="862149" cy="0"/>
-          </a:xfrm>
-          <a:prstGeom prst="straightConnector1">
-            <a:avLst/>
-          </a:prstGeom>
-          <a:ln w="28575">
-            <a:solidFill>
-              <a:schemeClr val="bg1"/>
-            </a:solidFill>
-            <a:tailEnd type="triangle"/>
-          </a:ln>
-        </p:spPr>
-        <p:style>
-          <a:lnRef idx="1">
-            <a:schemeClr val="accent1"/>
-          </a:lnRef>
-          <a:fillRef idx="0">
-            <a:schemeClr val="accent1"/>
-          </a:fillRef>
-          <a:effectRef idx="0">
-            <a:schemeClr val="accent1"/>
-          </a:effectRef>
-          <a:fontRef idx="minor">
-            <a:schemeClr val="tx1"/>
-          </a:fontRef>
-        </p:style>
-      </p:cxnSp>
-      <p:cxnSp>
-        <p:nvCxnSpPr>
-          <p:cNvPr id="37" name="Straight Arrow Connector 36">
-            <a:extLst>
-              <a:ext uri="{FF2B5EF4-FFF2-40B4-BE49-F238E27FC236}">
-                <a16:creationId xmlns:a16="http://schemas.microsoft.com/office/drawing/2014/main" id="{85DAF210-17E9-4DF5-B6C8-973C981F89B0}"/>
-              </a:ext>
-            </a:extLst>
-          </p:cNvPr>
-          <p:cNvCxnSpPr/>
-          <p:nvPr/>
-        </p:nvCxnSpPr>
-        <p:spPr>
-          <a:xfrm>
-            <a:off x="1961128" y="3768109"/>
-            <a:ext cx="862149" cy="0"/>
-          </a:xfrm>
-          <a:prstGeom prst="straightConnector1">
-            <a:avLst/>
-          </a:prstGeom>
-          <a:ln w="28575">
-            <a:solidFill>
-              <a:schemeClr val="bg1"/>
-            </a:solidFill>
-            <a:tailEnd type="triangle"/>
-          </a:ln>
-        </p:spPr>
-        <p:style>
-          <a:lnRef idx="1">
-            <a:schemeClr val="accent1"/>
-          </a:lnRef>
-          <a:fillRef idx="0">
-            <a:schemeClr val="accent1"/>
-          </a:fillRef>
-          <a:effectRef idx="0">
-            <a:schemeClr val="accent1"/>
-          </a:effectRef>
-          <a:fontRef idx="minor">
-            <a:schemeClr val="tx1"/>
-          </a:fontRef>
-        </p:style>
-      </p:cxnSp>
-      <p:cxnSp>
-        <p:nvCxnSpPr>
-          <p:cNvPr id="38" name="Straight Arrow Connector 37">
-            <a:extLst>
-              <a:ext uri="{FF2B5EF4-FFF2-40B4-BE49-F238E27FC236}">
-                <a16:creationId xmlns:a16="http://schemas.microsoft.com/office/drawing/2014/main" id="{A0439E7E-33A3-4B31-9A6D-8E785A8045E6}"/>
-              </a:ext>
-            </a:extLst>
-          </p:cNvPr>
-          <p:cNvCxnSpPr/>
-          <p:nvPr/>
-        </p:nvCxnSpPr>
-        <p:spPr>
-          <a:xfrm>
-            <a:off x="1961128" y="6019774"/>
-            <a:ext cx="862149" cy="0"/>
-          </a:xfrm>
-          <a:prstGeom prst="straightConnector1">
-            <a:avLst/>
-          </a:prstGeom>
-          <a:ln w="28575">
-            <a:solidFill>
-              <a:schemeClr val="bg1"/>
-            </a:solidFill>
-            <a:tailEnd type="triangle"/>
-          </a:ln>
-        </p:spPr>
-        <p:style>
-          <a:lnRef idx="1">
-            <a:schemeClr val="accent1"/>
-          </a:lnRef>
-          <a:fillRef idx="0">
-            <a:schemeClr val="accent1"/>
-          </a:fillRef>
-          <a:effectRef idx="0">
-            <a:schemeClr val="accent1"/>
-          </a:effectRef>
-          <a:fontRef idx="minor">
-            <a:schemeClr val="tx1"/>
-          </a:fontRef>
-        </p:style>
-      </p:cxnSp>
-      <p:cxnSp>
-        <p:nvCxnSpPr>
-          <p:cNvPr id="40" name="Straight Arrow Connector 39">
-            <a:extLst>
-              <a:ext uri="{FF2B5EF4-FFF2-40B4-BE49-F238E27FC236}">
-                <a16:creationId xmlns:a16="http://schemas.microsoft.com/office/drawing/2014/main" id="{E9C05BC5-398A-47CC-B2C2-02F768F32501}"/>
-              </a:ext>
-            </a:extLst>
-          </p:cNvPr>
-          <p:cNvCxnSpPr>
-            <a:cxnSpLocks/>
-          </p:cNvCxnSpPr>
-          <p:nvPr/>
-        </p:nvCxnSpPr>
-        <p:spPr>
-          <a:xfrm flipH="1">
-            <a:off x="9348725" y="3768109"/>
-            <a:ext cx="929646" cy="0"/>
-          </a:xfrm>
-          <a:prstGeom prst="straightConnector1">
-            <a:avLst/>
-          </a:prstGeom>
-          <a:ln w="28575">
-            <a:solidFill>
-              <a:schemeClr val="bg1"/>
-            </a:solidFill>
-            <a:tailEnd type="triangle"/>
-          </a:ln>
-        </p:spPr>
-        <p:style>
-          <a:lnRef idx="1">
-            <a:schemeClr val="accent1"/>
-          </a:lnRef>
-          <a:fillRef idx="0">
-            <a:schemeClr val="accent1"/>
-          </a:fillRef>
-          <a:effectRef idx="0">
-            <a:schemeClr val="accent1"/>
-          </a:effectRef>
-          <a:fontRef idx="minor">
-            <a:schemeClr val="tx1"/>
-          </a:fontRef>
-        </p:style>
-      </p:cxnSp>
-      <p:cxnSp>
-        <p:nvCxnSpPr>
-          <p:cNvPr id="41" name="Straight Arrow Connector 40">
-            <a:extLst>
-              <a:ext uri="{FF2B5EF4-FFF2-40B4-BE49-F238E27FC236}">
-                <a16:creationId xmlns:a16="http://schemas.microsoft.com/office/drawing/2014/main" id="{5D359D27-378C-4154-9F87-E9D953A71915}"/>
-              </a:ext>
-            </a:extLst>
-          </p:cNvPr>
-          <p:cNvCxnSpPr>
-            <a:cxnSpLocks/>
-          </p:cNvCxnSpPr>
-          <p:nvPr/>
-        </p:nvCxnSpPr>
-        <p:spPr>
-          <a:xfrm flipH="1">
-            <a:off x="9348725" y="5960950"/>
-            <a:ext cx="929646" cy="0"/>
-          </a:xfrm>
-          <a:prstGeom prst="straightConnector1">
-            <a:avLst/>
-          </a:prstGeom>
-          <a:ln w="28575">
-            <a:solidFill>
-              <a:schemeClr val="bg1"/>
-            </a:solidFill>
-            <a:tailEnd type="triangle"/>
-          </a:ln>
-        </p:spPr>
-        <p:style>
-          <a:lnRef idx="1">
-            <a:schemeClr val="accent1"/>
-          </a:lnRef>
-          <a:fillRef idx="0">
-            <a:schemeClr val="accent1"/>
-          </a:fillRef>
-          <a:effectRef idx="0">
-            <a:schemeClr val="accent1"/>
-          </a:effectRef>
-          <a:fontRef idx="minor">
-            <a:schemeClr val="tx1"/>
-          </a:fontRef>
-        </p:style>
-      </p:cxnSp>
-      <p:pic>
-        <p:nvPicPr>
-          <p:cNvPr id="44" name="Picture 43" descr="A picture containing drawing&#10;&#10;Description automatically generated">
-            <a:extLst>
-              <a:ext uri="{FF2B5EF4-FFF2-40B4-BE49-F238E27FC236}">
-                <a16:creationId xmlns:a16="http://schemas.microsoft.com/office/drawing/2014/main" id="{5DA931D8-FA45-4674-B9F9-02E35F044A17}"/>
-              </a:ext>
-            </a:extLst>
-          </p:cNvPr>
-          <p:cNvPicPr>
-            <a:picLocks noChangeAspect="1"/>
-          </p:cNvPicPr>
-          <p:nvPr/>
-        </p:nvPicPr>
-        <p:blipFill>
-          <a:blip r:embed="rId4">
-            <a:extLst>
-              <a:ext uri="{28A0092B-C50C-407E-A947-70E740481C1C}">
-                <a14:useLocalDpi xmlns:a14="http://schemas.microsoft.com/office/drawing/2010/main" val="0"/>
-              </a:ext>
-            </a:extLst>
-          </a:blip>
-          <a:stretch>
-            <a:fillRect/>
-          </a:stretch>
-        </p:blipFill>
-        <p:spPr>
-          <a:xfrm>
-            <a:off x="300919" y="53556"/>
-            <a:ext cx="1417001" cy="2258570"/>
-          </a:xfrm>
-          <a:prstGeom prst="rect">
-            <a:avLst/>
-          </a:prstGeom>
-        </p:spPr>
-      </p:pic>
-      <p:sp>
-        <p:nvSpPr>
-          <p:cNvPr id="45" name="TextBox 44">
-            <a:extLst>
-              <a:ext uri="{FF2B5EF4-FFF2-40B4-BE49-F238E27FC236}">
-                <a16:creationId xmlns:a16="http://schemas.microsoft.com/office/drawing/2014/main" id="{E8D22FF0-B24D-4A7D-B7E4-93AAEE43BCA8}"/>
-              </a:ext>
-            </a:extLst>
-          </p:cNvPr>
-          <p:cNvSpPr txBox="1"/>
-          <p:nvPr/>
-        </p:nvSpPr>
-        <p:spPr>
-          <a:xfrm>
-            <a:off x="299393" y="6404004"/>
-            <a:ext cx="5795081" cy="215444"/>
+            <a:off x="1404011" y="5826301"/>
+            <a:ext cx="4204673" cy="230832"/>
           </a:xfrm>
           <a:prstGeom prst="rect">
             <a:avLst/>
@@ -12564,12 +13137,8 @@
           <a:lstStyle/>
           <a:p>
             <a:r>
-              <a:rPr lang="en-US" sz="800" dirty="0">
-                <a:solidFill>
-                  <a:schemeClr val="bg1"/>
-                </a:solidFill>
-              </a:rPr>
-              <a:t>https://www.amazon.com/Original-1-Mad-Libs/dp/0843100559</a:t>
+              <a:rPr lang="en-US" sz="900" dirty="0"/>
+              <a:t>https://medium.com/@noa.kel/using-bert-with-pytorch-b9624edcda4e</a:t>
             </a:r>
           </a:p>
         </p:txBody>
@@ -12577,7 +13146,7 @@
     </p:spTree>
     <p:extLst>
       <p:ext uri="{BB962C8B-B14F-4D97-AF65-F5344CB8AC3E}">
-        <p14:creationId xmlns:p14="http://schemas.microsoft.com/office/powerpoint/2010/main" val="2181052307"/>
+        <p14:creationId xmlns:p14="http://schemas.microsoft.com/office/powerpoint/2010/main" val="652788287"/>
       </p:ext>
     </p:extLst>
   </p:cSld>
@@ -12587,17 +13156,9 @@
 </p:sld>
 </file>
 
-<file path=ppt/slides/slide8.xml><?xml version="1.0" encoding="utf-8"?>
+<file path=ppt/slides/slide7.xml><?xml version="1.0" encoding="utf-8"?>
 <p:sld xmlns:a="http://schemas.openxmlformats.org/drawingml/2006/main" xmlns:r="http://schemas.openxmlformats.org/officeDocument/2006/relationships" xmlns:p="http://schemas.openxmlformats.org/presentationml/2006/main">
   <p:cSld>
-    <p:bg>
-      <p:bgPr>
-        <a:solidFill>
-          <a:schemeClr val="bg2"/>
-        </a:solidFill>
-        <a:effectLst/>
-      </p:bgPr>
-    </p:bg>
     <p:spTree>
       <p:nvGrpSpPr>
         <p:cNvPr id="1" name=""/>
@@ -12612,12 +13173,41 @@
           <a:chExt cx="0" cy="0"/>
         </a:xfrm>
       </p:grpSpPr>
+      <p:sp>
+        <p:nvSpPr>
+          <p:cNvPr id="2" name="Title 1">
+            <a:extLst>
+              <a:ext uri="{FF2B5EF4-FFF2-40B4-BE49-F238E27FC236}">
+                <a16:creationId xmlns:a16="http://schemas.microsoft.com/office/drawing/2014/main" id="{C9FF4948-1BA2-4C49-8BEE-91FC0C43DECC}"/>
+              </a:ext>
+            </a:extLst>
+          </p:cNvPr>
+          <p:cNvSpPr>
+            <a:spLocks noGrp="1"/>
+          </p:cNvSpPr>
+          <p:nvPr>
+            <p:ph type="title"/>
+          </p:nvPr>
+        </p:nvSpPr>
+        <p:spPr/>
+        <p:txBody>
+          <a:bodyPr/>
+          <a:lstStyle/>
+          <a:p>
+            <a:pPr algn="ctr"/>
+            <a:r>
+              <a:rPr lang="en-US" dirty="0"/>
+              <a:t>Grade School Nightmare</a:t>
+            </a:r>
+          </a:p>
+        </p:txBody>
+      </p:sp>
       <p:pic>
         <p:nvPicPr>
-          <p:cNvPr id="6" name="Picture 5">
-            <a:extLst>
-              <a:ext uri="{FF2B5EF4-FFF2-40B4-BE49-F238E27FC236}">
-                <a16:creationId xmlns:a16="http://schemas.microsoft.com/office/drawing/2014/main" id="{DB0C7658-63E9-444B-B8FD-E673B3FD3D61}"/>
+          <p:cNvPr id="4" name="Picture 3" descr="A close up of text on a white background&#10;&#10;Description automatically generated">
+            <a:extLst>
+              <a:ext uri="{FF2B5EF4-FFF2-40B4-BE49-F238E27FC236}">
+                <a16:creationId xmlns:a16="http://schemas.microsoft.com/office/drawing/2014/main" id="{6722212E-3E32-4B24-99A7-3A51C7F7B322}"/>
               </a:ext>
             </a:extLst>
           </p:cNvPr>
@@ -12626,105 +13216,162 @@
           </p:cNvPicPr>
           <p:nvPr/>
         </p:nvPicPr>
-        <p:blipFill rotWithShape="1">
-          <a:blip r:embed="rId3">
-            <a:duotone>
-              <a:prstClr val="black"/>
-              <a:schemeClr val="tx2">
-                <a:tint val="45000"/>
-                <a:satMod val="400000"/>
-              </a:schemeClr>
-            </a:duotone>
-            <a:alphaModFix amt="25000"/>
+        <p:blipFill>
+          <a:blip r:embed="rId2">
+            <a:extLst>
+              <a:ext uri="{28A0092B-C50C-407E-A947-70E740481C1C}">
+                <a14:useLocalDpi xmlns:a14="http://schemas.microsoft.com/office/drawing/2010/main" val="0"/>
+              </a:ext>
+            </a:extLst>
           </a:blip>
-          <a:srcRect t="3433"/>
-          <a:stretch/>
+          <a:stretch>
+            <a:fillRect/>
+          </a:stretch>
         </p:blipFill>
         <p:spPr>
           <a:xfrm>
-            <a:off x="20" y="10"/>
-            <a:ext cx="12191981" cy="6857990"/>
+            <a:off x="2099389" y="2221263"/>
+            <a:ext cx="7781730" cy="4062065"/>
           </a:xfrm>
           <a:prstGeom prst="rect">
             <a:avLst/>
           </a:prstGeom>
         </p:spPr>
       </p:pic>
-      <p:sp>
-        <p:nvSpPr>
-          <p:cNvPr id="2" name="Title 1">
-            <a:extLst>
-              <a:ext uri="{FF2B5EF4-FFF2-40B4-BE49-F238E27FC236}">
-                <a16:creationId xmlns:a16="http://schemas.microsoft.com/office/drawing/2014/main" id="{59F44B97-4E1A-4B8B-BAA1-18995152F2A6}"/>
-              </a:ext>
-            </a:extLst>
-          </p:cNvPr>
-          <p:cNvSpPr>
-            <a:spLocks noGrp="1"/>
-          </p:cNvSpPr>
-          <p:nvPr>
-            <p:ph type="title"/>
-          </p:nvPr>
-        </p:nvSpPr>
-        <p:spPr>
-          <a:xfrm>
-            <a:off x="838200" y="365125"/>
-            <a:ext cx="10515600" cy="1325563"/>
-          </a:xfrm>
-        </p:spPr>
-        <p:txBody>
-          <a:bodyPr>
-            <a:normAutofit/>
-          </a:bodyPr>
-          <a:lstStyle/>
-          <a:p>
-            <a:r>
-              <a:rPr lang="en-US"/>
-              <a:t>Project Resources</a:t>
-            </a:r>
-          </a:p>
-        </p:txBody>
-      </p:sp>
-      <p:graphicFrame>
-        <p:nvGraphicFramePr>
-          <p:cNvPr id="5" name="Content Placeholder 2">
-            <a:extLst>
-              <a:ext uri="{FF2B5EF4-FFF2-40B4-BE49-F238E27FC236}">
-                <a16:creationId xmlns:a16="http://schemas.microsoft.com/office/drawing/2014/main" id="{DA53EBB4-2AED-4EA2-B2B2-BB59BB72E530}"/>
-              </a:ext>
-            </a:extLst>
-          </p:cNvPr>
-          <p:cNvGraphicFramePr>
-            <a:graphicFrameLocks noGrp="1"/>
-          </p:cNvGraphicFramePr>
-          <p:nvPr>
-            <p:ph idx="1"/>
-            <p:extLst>
-              <p:ext uri="{D42A27DB-BD31-4B8C-83A1-F6EECF244321}">
-                <p14:modId xmlns:p14="http://schemas.microsoft.com/office/powerpoint/2010/main" val="2292372491"/>
-              </p:ext>
-            </p:extLst>
-          </p:nvPr>
-        </p:nvGraphicFramePr>
-        <p:xfrm>
-          <a:off x="838200" y="1825625"/>
-          <a:ext cx="10515600" cy="4351338"/>
-        </p:xfrm>
-        <a:graphic>
-          <a:graphicData uri="http://schemas.openxmlformats.org/drawingml/2006/diagram">
-            <dgm:relIds xmlns:dgm="http://schemas.openxmlformats.org/drawingml/2006/diagram" xmlns:r="http://schemas.openxmlformats.org/officeDocument/2006/relationships" r:dm="rId4" r:lo="rId5" r:qs="rId6" r:cs="rId7"/>
-          </a:graphicData>
-        </a:graphic>
-      </p:graphicFrame>
     </p:spTree>
     <p:extLst>
       <p:ext uri="{BB962C8B-B14F-4D97-AF65-F5344CB8AC3E}">
-        <p14:creationId xmlns:p14="http://schemas.microsoft.com/office/powerpoint/2010/main" val="2261242050"/>
+        <p14:creationId xmlns:p14="http://schemas.microsoft.com/office/powerpoint/2010/main" val="881255660"/>
       </p:ext>
     </p:extLst>
   </p:cSld>
   <p:clrMapOvr>
-    <a:overrideClrMapping bg1="dk1" tx1="lt1" bg2="dk2" tx2="lt2" accent1="accent1" accent2="accent2" accent3="accent3" accent4="accent4" accent5="accent5" accent6="accent6" hlink="hlink" folHlink="folHlink"/>
+    <a:masterClrMapping/>
+  </p:clrMapOvr>
+</p:sld>
+</file>
+
+<file path=ppt/slides/slide8.xml><?xml version="1.0" encoding="utf-8"?>
+<p:sld xmlns:a="http://schemas.openxmlformats.org/drawingml/2006/main" xmlns:r="http://schemas.openxmlformats.org/officeDocument/2006/relationships" xmlns:p="http://schemas.openxmlformats.org/presentationml/2006/main">
+  <p:cSld>
+    <p:spTree>
+      <p:nvGrpSpPr>
+        <p:cNvPr id="1" name=""/>
+        <p:cNvGrpSpPr/>
+        <p:nvPr/>
+      </p:nvGrpSpPr>
+      <p:grpSpPr>
+        <a:xfrm>
+          <a:off x="0" y="0"/>
+          <a:ext cx="0" cy="0"/>
+          <a:chOff x="0" y="0"/>
+          <a:chExt cx="0" cy="0"/>
+        </a:xfrm>
+      </p:grpSpPr>
+      <p:sp>
+        <p:nvSpPr>
+          <p:cNvPr id="2" name="Title 1">
+            <a:extLst>
+              <a:ext uri="{FF2B5EF4-FFF2-40B4-BE49-F238E27FC236}">
+                <a16:creationId xmlns:a16="http://schemas.microsoft.com/office/drawing/2014/main" id="{9CB4D7D1-BE0B-4C24-BF77-A0C8EB774E4E}"/>
+              </a:ext>
+            </a:extLst>
+          </p:cNvPr>
+          <p:cNvSpPr>
+            <a:spLocks noGrp="1"/>
+          </p:cNvSpPr>
+          <p:nvPr>
+            <p:ph type="title"/>
+          </p:nvPr>
+        </p:nvSpPr>
+        <p:spPr/>
+        <p:txBody>
+          <a:bodyPr/>
+          <a:lstStyle/>
+          <a:p>
+            <a:pPr algn="ctr"/>
+            <a:r>
+              <a:rPr lang="en-US" dirty="0"/>
+              <a:t>The Google Search Conundrum</a:t>
+            </a:r>
+          </a:p>
+        </p:txBody>
+      </p:sp>
+      <p:pic>
+        <p:nvPicPr>
+          <p:cNvPr id="5" name="Picture 4" descr="A screenshot of a cell phone&#10;&#10;Description automatically generated">
+            <a:extLst>
+              <a:ext uri="{FF2B5EF4-FFF2-40B4-BE49-F238E27FC236}">
+                <a16:creationId xmlns:a16="http://schemas.microsoft.com/office/drawing/2014/main" id="{9A1145CD-A098-4ABB-AD7B-779725CEAE17}"/>
+              </a:ext>
+            </a:extLst>
+          </p:cNvPr>
+          <p:cNvPicPr>
+            <a:picLocks noChangeAspect="1"/>
+          </p:cNvPicPr>
+          <p:nvPr/>
+        </p:nvPicPr>
+        <p:blipFill>
+          <a:blip r:embed="rId2">
+            <a:extLst>
+              <a:ext uri="{28A0092B-C50C-407E-A947-70E740481C1C}">
+                <a14:useLocalDpi xmlns:a14="http://schemas.microsoft.com/office/drawing/2010/main" val="0"/>
+              </a:ext>
+            </a:extLst>
+          </a:blip>
+          <a:stretch>
+            <a:fillRect/>
+          </a:stretch>
+        </p:blipFill>
+        <p:spPr>
+          <a:xfrm>
+            <a:off x="1143000" y="1690688"/>
+            <a:ext cx="10210800" cy="4776577"/>
+          </a:xfrm>
+          <a:prstGeom prst="rect">
+            <a:avLst/>
+          </a:prstGeom>
+        </p:spPr>
+      </p:pic>
+      <p:pic>
+        <p:nvPicPr>
+          <p:cNvPr id="7" name="Picture 6">
+            <a:extLst>
+              <a:ext uri="{FF2B5EF4-FFF2-40B4-BE49-F238E27FC236}">
+                <a16:creationId xmlns:a16="http://schemas.microsoft.com/office/drawing/2014/main" id="{07B8F490-0607-4D73-844E-D64F6C0E88FA}"/>
+              </a:ext>
+            </a:extLst>
+          </p:cNvPr>
+          <p:cNvPicPr>
+            <a:picLocks noChangeAspect="1"/>
+          </p:cNvPicPr>
+          <p:nvPr/>
+        </p:nvPicPr>
+        <p:blipFill>
+          <a:blip r:embed="rId3"/>
+          <a:stretch>
+            <a:fillRect/>
+          </a:stretch>
+        </p:blipFill>
+        <p:spPr>
+          <a:xfrm>
+            <a:off x="343129" y="6543465"/>
+            <a:ext cx="6425741" cy="237765"/>
+          </a:xfrm>
+          <a:prstGeom prst="rect">
+            <a:avLst/>
+          </a:prstGeom>
+        </p:spPr>
+      </p:pic>
+    </p:spTree>
+    <p:extLst>
+      <p:ext uri="{BB962C8B-B14F-4D97-AF65-F5344CB8AC3E}">
+        <p14:creationId xmlns:p14="http://schemas.microsoft.com/office/powerpoint/2010/main" val="2475230897"/>
+      </p:ext>
+    </p:extLst>
+  </p:cSld>
+  <p:clrMapOvr>
+    <a:masterClrMapping/>
   </p:clrMapOvr>
 </p:sld>
 </file>
@@ -12754,21 +13401,166 @@
           <a:chExt cx="0" cy="0"/>
         </a:xfrm>
       </p:grpSpPr>
-      <p:sp useBgFill="1">
-        <p:nvSpPr>
-          <p:cNvPr id="8" name="Rectangle 7">
-            <a:extLst>
-              <a:ext uri="{FF2B5EF4-FFF2-40B4-BE49-F238E27FC236}">
-                <a16:creationId xmlns:a16="http://schemas.microsoft.com/office/drawing/2014/main" id="{3B854194-185D-494D-905C-7C7CB2E30F6E}"/>
+      <p:sp>
+        <p:nvSpPr>
+          <p:cNvPr id="2" name="Title 1">
+            <a:extLst>
+              <a:ext uri="{FF2B5EF4-FFF2-40B4-BE49-F238E27FC236}">
+                <a16:creationId xmlns:a16="http://schemas.microsoft.com/office/drawing/2014/main" id="{92239E1F-6C2A-444A-90BD-2F22B35D8BF5}"/>
+              </a:ext>
+            </a:extLst>
+          </p:cNvPr>
+          <p:cNvSpPr>
+            <a:spLocks noGrp="1"/>
+          </p:cNvSpPr>
+          <p:nvPr>
+            <p:ph type="title"/>
+          </p:nvPr>
+        </p:nvSpPr>
+        <p:spPr>
+          <a:xfrm>
+            <a:off x="4965430" y="629268"/>
+            <a:ext cx="6586491" cy="1286160"/>
+          </a:xfrm>
+        </p:spPr>
+        <p:txBody>
+          <a:bodyPr anchor="b">
+            <a:normAutofit/>
+          </a:bodyPr>
+          <a:lstStyle/>
+          <a:p>
+            <a:r>
+              <a:rPr lang="en-US" dirty="0"/>
+              <a:t>What is BERT?</a:t>
+            </a:r>
+          </a:p>
+        </p:txBody>
+      </p:sp>
+      <p:sp>
+        <p:nvSpPr>
+          <p:cNvPr id="3" name="Content Placeholder 2">
+            <a:extLst>
+              <a:ext uri="{FF2B5EF4-FFF2-40B4-BE49-F238E27FC236}">
+                <a16:creationId xmlns:a16="http://schemas.microsoft.com/office/drawing/2014/main" id="{7467B1D8-B3BC-4625-BE4D-5F3899A692B7}"/>
+              </a:ext>
+            </a:extLst>
+          </p:cNvPr>
+          <p:cNvSpPr>
+            <a:spLocks noGrp="1"/>
+          </p:cNvSpPr>
+          <p:nvPr>
+            <p:ph idx="1"/>
+          </p:nvPr>
+        </p:nvSpPr>
+        <p:spPr>
+          <a:xfrm>
+            <a:off x="4965431" y="2438400"/>
+            <a:ext cx="6586489" cy="3785419"/>
+          </a:xfrm>
+        </p:spPr>
+        <p:txBody>
+          <a:bodyPr>
+            <a:normAutofit/>
+          </a:bodyPr>
+          <a:lstStyle/>
+          <a:p>
+            <a:r>
+              <a:rPr lang="en-US" sz="2000" dirty="0">
+                <a:effectLst/>
+                <a:latin typeface="Times New Roman" panose="02020603050405020304" pitchFamily="18" charset="0"/>
+                <a:ea typeface="Times New Roman" panose="02020603050405020304" pitchFamily="18" charset="0"/>
+              </a:rPr>
+              <a:t>Bidirectional Encoder Representations from Transformers</a:t>
+            </a:r>
+          </a:p>
+          <a:p>
+            <a:r>
+              <a:rPr lang="en-US" sz="2000" dirty="0">
+                <a:latin typeface="Times New Roman" panose="02020603050405020304" pitchFamily="18" charset="0"/>
+                <a:ea typeface="Times New Roman" panose="02020603050405020304" pitchFamily="18" charset="0"/>
+              </a:rPr>
+              <a:t>BERT is a Natural Language Processor facility</a:t>
+            </a:r>
+          </a:p>
+          <a:p>
+            <a:r>
+              <a:rPr lang="en-US" sz="2000" dirty="0">
+                <a:effectLst/>
+                <a:latin typeface="Times New Roman" panose="02020603050405020304" pitchFamily="18" charset="0"/>
+                <a:ea typeface="Times New Roman" panose="02020603050405020304" pitchFamily="18" charset="0"/>
+              </a:rPr>
+              <a:t>Developed by Google 2018</a:t>
+            </a:r>
+          </a:p>
+          <a:p>
+            <a:r>
+              <a:rPr lang="en-US" sz="2000" dirty="0">
+                <a:latin typeface="Times New Roman" panose="02020603050405020304" pitchFamily="18" charset="0"/>
+                <a:ea typeface="Times New Roman" panose="02020603050405020304" pitchFamily="18" charset="0"/>
+              </a:rPr>
+              <a:t>A Transformer an object that holds the Encoder and Decoder</a:t>
+            </a:r>
+          </a:p>
+          <a:p>
+            <a:r>
+              <a:rPr lang="en-US" sz="2000" dirty="0">
+                <a:effectLst/>
+                <a:latin typeface="Times New Roman" panose="02020603050405020304" pitchFamily="18" charset="0"/>
+                <a:ea typeface="Times New Roman" panose="02020603050405020304" pitchFamily="18" charset="0"/>
+              </a:rPr>
+              <a:t>Key innovation is bidirectional scanning procedure</a:t>
+            </a:r>
+          </a:p>
+          <a:p>
+            <a:endParaRPr lang="en-US" sz="2000" dirty="0"/>
+          </a:p>
+        </p:txBody>
+      </p:sp>
+      <p:pic>
+        <p:nvPicPr>
+          <p:cNvPr id="5" name="Picture 4">
+            <a:extLst>
+              <a:ext uri="{FF2B5EF4-FFF2-40B4-BE49-F238E27FC236}">
+                <a16:creationId xmlns:a16="http://schemas.microsoft.com/office/drawing/2014/main" id="{A9041EDD-82BF-45E3-A842-FAD23E0A6EDA}"/>
+              </a:ext>
+            </a:extLst>
+          </p:cNvPr>
+          <p:cNvPicPr>
+            <a:picLocks noChangeAspect="1"/>
+          </p:cNvPicPr>
+          <p:nvPr/>
+        </p:nvPicPr>
+        <p:blipFill rotWithShape="1">
+          <a:blip r:embed="rId3"/>
+          <a:srcRect l="26780" r="35199"/>
+          <a:stretch/>
+        </p:blipFill>
+        <p:spPr>
+          <a:xfrm>
+            <a:off x="20" y="10"/>
+            <a:ext cx="4635571" cy="6857990"/>
+          </a:xfrm>
+          <a:prstGeom prst="rect">
+            <a:avLst/>
+          </a:prstGeom>
+          <a:effectLst/>
+        </p:spPr>
+      </p:pic>
+      <p:cxnSp>
+        <p:nvCxnSpPr>
+          <p:cNvPr id="9" name="Straight Connector 8">
+            <a:extLst>
+              <a:ext uri="{FF2B5EF4-FFF2-40B4-BE49-F238E27FC236}">
+                <a16:creationId xmlns:a16="http://schemas.microsoft.com/office/drawing/2014/main" id="{A7F400EE-A8A5-48AF-B4D6-291B52C6F0B0}"/>
               </a:ext>
               <a:ext uri="{C183D7F6-B498-43B3-948B-1728B52AA6E4}">
                 <adec:decorative xmlns:adec="http://schemas.microsoft.com/office/drawing/2017/decorative" val="1"/>
               </a:ext>
             </a:extLst>
           </p:cNvPr>
-          <p:cNvSpPr>
-            <a:spLocks noGrp="1" noRot="1" noChangeAspect="1" noMove="1" noResize="1" noEditPoints="1" noAdjustHandles="1" noChangeArrowheads="1" noChangeShapeType="1" noTextEdit="1"/>
-          </p:cNvSpPr>
+          <p:cNvCxnSpPr>
+            <a:cxnSpLocks noGrp="1" noRot="1" noChangeAspect="1" noMove="1" noResize="1" noEditPoints="1" noAdjustHandles="1" noChangeArrowheads="1" noChangeShapeType="1"/>
+          </p:cNvCxnSpPr>
           <p:nvPr>
             <p:extLst>
               <p:ext uri="{386F3935-93C4-4BCD-93E2-E3B085C9AB24}">
@@ -12776,296 +13568,40 @@
               </p:ext>
             </p:extLst>
           </p:nvPr>
-        </p:nvSpPr>
+        </p:nvCxnSpPr>
         <p:spPr>
           <a:xfrm>
-            <a:off x="1" y="0"/>
-            <a:ext cx="6082110" cy="6858000"/>
+            <a:off x="5080934" y="2115117"/>
+            <a:ext cx="6309360" cy="0"/>
           </a:xfrm>
-          <a:prstGeom prst="rect">
+          <a:prstGeom prst="line">
             <a:avLst/>
           </a:prstGeom>
-          <a:ln>
-            <a:noFill/>
+          <a:ln w="19050">
+            <a:solidFill>
+              <a:srgbClr val="60A4AD"/>
+            </a:solidFill>
           </a:ln>
         </p:spPr>
         <p:style>
-          <a:lnRef idx="2">
-            <a:schemeClr val="accent1">
-              <a:shade val="50000"/>
-            </a:schemeClr>
+          <a:lnRef idx="1">
+            <a:schemeClr val="accent1"/>
           </a:lnRef>
-          <a:fillRef idx="1">
+          <a:fillRef idx="0">
             <a:schemeClr val="accent1"/>
           </a:fillRef>
           <a:effectRef idx="0">
             <a:schemeClr val="accent1"/>
           </a:effectRef>
           <a:fontRef idx="minor">
-            <a:schemeClr val="lt1"/>
+            <a:schemeClr val="tx1"/>
           </a:fontRef>
         </p:style>
-        <p:txBody>
-          <a:bodyPr rtlCol="0" anchor="ctr"/>
-          <a:lstStyle/>
-          <a:p>
-            <a:pPr algn="ctr"/>
-            <a:endParaRPr lang="en-US"/>
-          </a:p>
-        </p:txBody>
-      </p:sp>
-      <p:sp>
-        <p:nvSpPr>
-          <p:cNvPr id="10" name="Rectangle 9">
-            <a:extLst>
-              <a:ext uri="{FF2B5EF4-FFF2-40B4-BE49-F238E27FC236}">
-                <a16:creationId xmlns:a16="http://schemas.microsoft.com/office/drawing/2014/main" id="{B4F5FA0D-0104-4987-8241-EFF7C85B88DE}"/>
-              </a:ext>
-              <a:ext uri="{C183D7F6-B498-43B3-948B-1728B52AA6E4}">
-                <adec:decorative xmlns:adec="http://schemas.microsoft.com/office/drawing/2017/decorative" val="1"/>
-              </a:ext>
-            </a:extLst>
-          </p:cNvPr>
-          <p:cNvSpPr>
-            <a:spLocks noGrp="1" noRot="1" noChangeAspect="1" noMove="1" noResize="1" noEditPoints="1" noAdjustHandles="1" noChangeArrowheads="1" noChangeShapeType="1" noTextEdit="1"/>
-          </p:cNvSpPr>
-          <p:nvPr>
-            <p:extLst>
-              <p:ext uri="{386F3935-93C4-4BCD-93E2-E3B085C9AB24}">
-                <p16:designElem xmlns:p16="http://schemas.microsoft.com/office/powerpoint/2015/main" val="1"/>
-              </p:ext>
-            </p:extLst>
-          </p:nvPr>
-        </p:nvSpPr>
-        <p:spPr>
-          <a:xfrm>
-            <a:off x="1" y="0"/>
-            <a:ext cx="12191998" cy="6858000"/>
-          </a:xfrm>
-          <a:prstGeom prst="rect">
-            <a:avLst/>
-          </a:prstGeom>
-          <a:gradFill>
-            <a:gsLst>
-              <a:gs pos="0">
-                <a:schemeClr val="accent1">
-                  <a:lumMod val="90000"/>
-                </a:schemeClr>
-              </a:gs>
-              <a:gs pos="25000">
-                <a:schemeClr val="accent1">
-                  <a:lumMod val="90000"/>
-                </a:schemeClr>
-              </a:gs>
-              <a:gs pos="94000">
-                <a:schemeClr val="bg2">
-                  <a:lumMod val="25000"/>
-                </a:schemeClr>
-              </a:gs>
-              <a:gs pos="100000">
-                <a:schemeClr val="bg2">
-                  <a:lumMod val="25000"/>
-                </a:schemeClr>
-              </a:gs>
-            </a:gsLst>
-            <a:lin ang="4200000" scaled="0"/>
-          </a:gradFill>
-          <a:ln>
-            <a:noFill/>
-          </a:ln>
-        </p:spPr>
-        <p:style>
-          <a:lnRef idx="2">
-            <a:schemeClr val="accent1">
-              <a:shade val="50000"/>
-            </a:schemeClr>
-          </a:lnRef>
-          <a:fillRef idx="1">
-            <a:schemeClr val="accent1"/>
-          </a:fillRef>
-          <a:effectRef idx="0">
-            <a:schemeClr val="accent1"/>
-          </a:effectRef>
-          <a:fontRef idx="minor">
-            <a:schemeClr val="lt1"/>
-          </a:fontRef>
-        </p:style>
-        <p:txBody>
-          <a:bodyPr rtlCol="0" anchor="ctr"/>
-          <a:lstStyle/>
-          <a:p>
-            <a:pPr algn="ctr"/>
-            <a:endParaRPr lang="en-US"/>
-          </a:p>
-        </p:txBody>
-      </p:sp>
-      <p:pic>
-        <p:nvPicPr>
-          <p:cNvPr id="12" name="Picture 11">
-            <a:extLst>
-              <a:ext uri="{FF2B5EF4-FFF2-40B4-BE49-F238E27FC236}">
-                <a16:creationId xmlns:a16="http://schemas.microsoft.com/office/drawing/2014/main" id="{2897127E-6CEF-446C-BE87-93B7C46E49D1}"/>
-              </a:ext>
-              <a:ext uri="{C183D7F6-B498-43B3-948B-1728B52AA6E4}">
-                <adec:decorative xmlns:adec="http://schemas.microsoft.com/office/drawing/2017/decorative" val="1"/>
-              </a:ext>
-            </a:extLst>
-          </p:cNvPr>
-          <p:cNvPicPr>
-            <a:picLocks noGrp="1" noRot="1" noChangeAspect="1" noMove="1" noResize="1" noEditPoints="1" noAdjustHandles="1" noChangeArrowheads="1" noChangeShapeType="1" noCrop="1"/>
-          </p:cNvPicPr>
-          <p:nvPr>
-            <p:extLst>
-              <p:ext uri="{386F3935-93C4-4BCD-93E2-E3B085C9AB24}">
-                <p16:designElem xmlns:p16="http://schemas.microsoft.com/office/powerpoint/2015/main" val="1"/>
-              </p:ext>
-            </p:extLst>
-          </p:nvPr>
-        </p:nvPicPr>
-        <p:blipFill>
-          <a:blip r:embed="rId3">
-            <a:extLst>
-              <a:ext uri="{28A0092B-C50C-407E-A947-70E740481C1C}">
-                <a14:useLocalDpi xmlns:a14="http://schemas.microsoft.com/office/drawing/2010/main" val="0"/>
-              </a:ext>
-            </a:extLst>
-          </a:blip>
-          <a:stretch>
-            <a:fillRect/>
-          </a:stretch>
-        </p:blipFill>
-        <p:spPr>
-          <a:xfrm>
-            <a:off x="0" y="0"/>
-            <a:ext cx="12192000" cy="6858000"/>
-          </a:xfrm>
-          <a:prstGeom prst="rect">
-            <a:avLst/>
-          </a:prstGeom>
-        </p:spPr>
-      </p:pic>
-      <p:sp>
-        <p:nvSpPr>
-          <p:cNvPr id="2" name="Title 1">
-            <a:extLst>
-              <a:ext uri="{FF2B5EF4-FFF2-40B4-BE49-F238E27FC236}">
-                <a16:creationId xmlns:a16="http://schemas.microsoft.com/office/drawing/2014/main" id="{6FFCABAB-2980-4306-A7D1-73973FA0E651}"/>
-              </a:ext>
-            </a:extLst>
-          </p:cNvPr>
-          <p:cNvSpPr>
-            <a:spLocks noGrp="1"/>
-          </p:cNvSpPr>
-          <p:nvPr>
-            <p:ph type="title"/>
-          </p:nvPr>
-        </p:nvSpPr>
-        <p:spPr>
-          <a:xfrm>
-            <a:off x="640079" y="2053641"/>
-            <a:ext cx="3669161" cy="2760098"/>
-          </a:xfrm>
-        </p:spPr>
-        <p:txBody>
-          <a:bodyPr>
-            <a:normAutofit/>
-          </a:bodyPr>
-          <a:lstStyle/>
-          <a:p>
-            <a:r>
-              <a:rPr lang="en-US">
-                <a:solidFill>
-                  <a:srgbClr val="FFFFFF"/>
-                </a:solidFill>
-              </a:rPr>
-              <a:t>Improvements to the Application</a:t>
-            </a:r>
-          </a:p>
-        </p:txBody>
-      </p:sp>
-      <p:sp>
-        <p:nvSpPr>
-          <p:cNvPr id="40" name="Content Placeholder 2">
-            <a:extLst>
-              <a:ext uri="{FF2B5EF4-FFF2-40B4-BE49-F238E27FC236}">
-                <a16:creationId xmlns:a16="http://schemas.microsoft.com/office/drawing/2014/main" id="{C39B1D22-6AE8-4DE4-A721-A5ACFBFEC3C0}"/>
-              </a:ext>
-            </a:extLst>
-          </p:cNvPr>
-          <p:cNvSpPr>
-            <a:spLocks noGrp="1"/>
-          </p:cNvSpPr>
-          <p:nvPr>
-            <p:ph idx="1"/>
-          </p:nvPr>
-        </p:nvSpPr>
-        <p:spPr>
-          <a:xfrm>
-            <a:off x="6090574" y="801866"/>
-            <a:ext cx="5306084" cy="5230634"/>
-          </a:xfrm>
-        </p:spPr>
-        <p:txBody>
-          <a:bodyPr anchor="ctr">
-            <a:normAutofit/>
-          </a:bodyPr>
-          <a:lstStyle/>
-          <a:p>
-            <a:r>
-              <a:rPr lang="en-US" sz="2400" dirty="0">
-                <a:solidFill>
-                  <a:srgbClr val="000000"/>
-                </a:solidFill>
-              </a:rPr>
-              <a:t>Make substitution words more discernable</a:t>
-            </a:r>
-          </a:p>
-          <a:p>
-            <a:r>
-              <a:rPr lang="en-US" sz="2400" dirty="0">
-                <a:solidFill>
-                  <a:srgbClr val="000000"/>
-                </a:solidFill>
-              </a:rPr>
-              <a:t>Allow the user to select stories from a local file system</a:t>
-            </a:r>
-          </a:p>
-          <a:p>
-            <a:r>
-              <a:rPr lang="en-US" sz="2400" dirty="0">
-                <a:solidFill>
-                  <a:srgbClr val="000000"/>
-                </a:solidFill>
-              </a:rPr>
-              <a:t>Allow the user to edit the input text file</a:t>
-            </a:r>
-          </a:p>
-          <a:p>
-            <a:r>
-              <a:rPr lang="en-US" sz="2400" dirty="0">
-                <a:solidFill>
-                  <a:srgbClr val="000000"/>
-                </a:solidFill>
-              </a:rPr>
-              <a:t>Provide a ‘Prepare” routine that randomly selects substitution locations</a:t>
-            </a:r>
-          </a:p>
-          <a:p>
-            <a:r>
-              <a:rPr lang="en-US" sz="2400" dirty="0">
-                <a:solidFill>
-                  <a:srgbClr val="000000"/>
-                </a:solidFill>
-              </a:rPr>
-              <a:t>Investigate using a more robust trained dataset </a:t>
-            </a:r>
-          </a:p>
-        </p:txBody>
-      </p:sp>
+      </p:cxnSp>
     </p:spTree>
     <p:extLst>
       <p:ext uri="{BB962C8B-B14F-4D97-AF65-F5344CB8AC3E}">
-        <p14:creationId xmlns:p14="http://schemas.microsoft.com/office/powerpoint/2010/main" val="2076312377"/>
+        <p14:creationId xmlns:p14="http://schemas.microsoft.com/office/powerpoint/2010/main" val="4254608664"/>
       </p:ext>
     </p:extLst>
   </p:cSld>
